--- a/FYP_document/Interim Report/Interim Report.pptx
+++ b/FYP_document/Interim Report/Interim Report.pptx
@@ -138,13 +138,15 @@
     <p1510:client id="{2C9BF2D5-6323-075C-A267-D51EC8CEC271}" v="137" dt="2020-02-22T14:31:00.205"/>
     <p1510:client id="{5866856D-0A07-7F73-703A-A33D8480A58B}" v="1" dt="2020-02-23T04:08:12.055"/>
     <p1510:client id="{5A7A93B1-BD6F-A64C-56E8-2A2AE74A58B7}" v="58" dt="2020-02-22T11:03:29.921"/>
-    <p1510:client id="{8720861B-4EE3-78C0-6B5C-951DD5213E42}" v="43" dt="2020-02-22T22:50:34.941"/>
+    <p1510:client id="{8720861B-4EE3-78C0-6B5C-951DD5213E42}" v="216" dt="2020-02-23T09:57:29.812"/>
     <p1510:client id="{AFF94440-D5F2-B0E7-7028-6DB9513F1604}" v="11" dt="2020-02-21T07:52:14.579"/>
     <p1510:client id="{B1F6281B-64C9-91CA-FCF4-88547F443629}" v="270" dt="2020-02-21T08:05:52.399"/>
     <p1510:client id="{BFE9D067-DBCD-F42F-AC47-DB631C480AC4}" v="1349" dt="2020-02-22T23:48:19.875"/>
+    <p1510:client id="{C54D8A74-95EE-4D38-7DB4-567CF6F97BA9}" v="29" dt="2020-02-23T09:06:24.077"/>
     <p1510:client id="{CD075F75-8064-DE1E-6FDD-712C3EED206D}" v="1" dt="2020-02-22T17:04:15.361"/>
     <p1510:client id="{DEADE30B-3570-FE0F-B6AB-FAE7FA0773B8}" v="1" dt="2020-02-21T08:26:53.101"/>
     <p1510:client id="{E9C18157-7F45-F7F3-5644-2550DE6E3E70}" v="59" dt="2020-02-22T15:25:17.197"/>
+    <p1510:client id="{ECC2BD31-6E43-2DFD-F176-4B62260E8709}" v="258" dt="2020-02-23T10:04:07.462"/>
   </p1510:revLst>
 </p1510:revInfo>
 </file>
@@ -3053,6 +3055,106 @@
     </pc:docChg>
   </pc:docChgLst>
   <pc:docChgLst>
+    <pc:chgData name="KWOK Tsz Lung" userId="S::180047074@stu.vtc.edu.hk::457495bb-c13f-4d39-bbb9-90b2a66fb625" providerId="AD" clId="Web-{ECC2BD31-6E43-2DFD-F176-4B62260E8709}"/>
+    <pc:docChg chg="modSld">
+      <pc:chgData name="KWOK Tsz Lung" userId="S::180047074@stu.vtc.edu.hk::457495bb-c13f-4d39-bbb9-90b2a66fb625" providerId="AD" clId="Web-{ECC2BD31-6E43-2DFD-F176-4B62260E8709}" dt="2020-02-23T10:04:06.493" v="256"/>
+      <pc:docMkLst>
+        <pc:docMk/>
+      </pc:docMkLst>
+      <pc:sldChg chg="modSp">
+        <pc:chgData name="KWOK Tsz Lung" userId="S::180047074@stu.vtc.edu.hk::457495bb-c13f-4d39-bbb9-90b2a66fb625" providerId="AD" clId="Web-{ECC2BD31-6E43-2DFD-F176-4B62260E8709}" dt="2020-02-23T09:47:17.692" v="238" actId="20577"/>
+        <pc:sldMkLst>
+          <pc:docMk/>
+          <pc:sldMk cId="109857222" sldId="256"/>
+        </pc:sldMkLst>
+        <pc:spChg chg="mod">
+          <ac:chgData name="KWOK Tsz Lung" userId="S::180047074@stu.vtc.edu.hk::457495bb-c13f-4d39-bbb9-90b2a66fb625" providerId="AD" clId="Web-{ECC2BD31-6E43-2DFD-F176-4B62260E8709}" dt="2020-02-23T09:47:17.692" v="238" actId="20577"/>
+          <ac:spMkLst>
+            <pc:docMk/>
+            <pc:sldMk cId="109857222" sldId="256"/>
+            <ac:spMk id="3" creationId="{00000000-0000-0000-0000-000000000000}"/>
+          </ac:spMkLst>
+        </pc:spChg>
+      </pc:sldChg>
+      <pc:sldChg chg="addSp delSp modSp mod setBg">
+        <pc:chgData name="KWOK Tsz Lung" userId="S::180047074@stu.vtc.edu.hk::457495bb-c13f-4d39-bbb9-90b2a66fb625" providerId="AD" clId="Web-{ECC2BD31-6E43-2DFD-F176-4B62260E8709}" dt="2020-02-23T10:04:06.493" v="256"/>
+        <pc:sldMkLst>
+          <pc:docMk/>
+          <pc:sldMk cId="2351657984" sldId="262"/>
+        </pc:sldMkLst>
+        <pc:spChg chg="mod">
+          <ac:chgData name="KWOK Tsz Lung" userId="S::180047074@stu.vtc.edu.hk::457495bb-c13f-4d39-bbb9-90b2a66fb625" providerId="AD" clId="Web-{ECC2BD31-6E43-2DFD-F176-4B62260E8709}" dt="2020-02-23T10:04:06.493" v="256"/>
+          <ac:spMkLst>
+            <pc:docMk/>
+            <pc:sldMk cId="2351657984" sldId="262"/>
+            <ac:spMk id="2" creationId="{A4F65AFA-D52F-4B54-9DFB-E43F74AF3C52}"/>
+          </ac:spMkLst>
+        </pc:spChg>
+        <pc:spChg chg="add del">
+          <ac:chgData name="KWOK Tsz Lung" userId="S::180047074@stu.vtc.edu.hk::457495bb-c13f-4d39-bbb9-90b2a66fb625" providerId="AD" clId="Web-{ECC2BD31-6E43-2DFD-F176-4B62260E8709}" dt="2020-02-23T10:04:06.493" v="256"/>
+          <ac:spMkLst>
+            <pc:docMk/>
+            <pc:sldMk cId="2351657984" sldId="262"/>
+            <ac:spMk id="11" creationId="{31A9ED69-84B1-4777-9A8B-2B7374C8C1EC}"/>
+          </ac:spMkLst>
+        </pc:spChg>
+        <pc:picChg chg="mod">
+          <ac:chgData name="KWOK Tsz Lung" userId="S::180047074@stu.vtc.edu.hk::457495bb-c13f-4d39-bbb9-90b2a66fb625" providerId="AD" clId="Web-{ECC2BD31-6E43-2DFD-F176-4B62260E8709}" dt="2020-02-23T10:04:06.493" v="256"/>
+          <ac:picMkLst>
+            <pc:docMk/>
+            <pc:sldMk cId="2351657984" sldId="262"/>
+            <ac:picMk id="4" creationId="{DAB35E7E-87E2-4D96-A358-6211FD078934}"/>
+          </ac:picMkLst>
+        </pc:picChg>
+      </pc:sldChg>
+      <pc:sldChg chg="modSp">
+        <pc:chgData name="KWOK Tsz Lung" userId="S::180047074@stu.vtc.edu.hk::457495bb-c13f-4d39-bbb9-90b2a66fb625" providerId="AD" clId="Web-{ECC2BD31-6E43-2DFD-F176-4B62260E8709}" dt="2020-02-23T09:48:25.286" v="245" actId="20577"/>
+        <pc:sldMkLst>
+          <pc:docMk/>
+          <pc:sldMk cId="2711683697" sldId="269"/>
+        </pc:sldMkLst>
+        <pc:spChg chg="mod">
+          <ac:chgData name="KWOK Tsz Lung" userId="S::180047074@stu.vtc.edu.hk::457495bb-c13f-4d39-bbb9-90b2a66fb625" providerId="AD" clId="Web-{ECC2BD31-6E43-2DFD-F176-4B62260E8709}" dt="2020-02-23T09:48:25.286" v="245" actId="20577"/>
+          <ac:spMkLst>
+            <pc:docMk/>
+            <pc:sldMk cId="2711683697" sldId="269"/>
+            <ac:spMk id="3" creationId="{33290544-599E-4823-9DD4-3353E72CF852}"/>
+          </ac:spMkLst>
+        </pc:spChg>
+      </pc:sldChg>
+      <pc:sldChg chg="modSp">
+        <pc:chgData name="KWOK Tsz Lung" userId="S::180047074@stu.vtc.edu.hk::457495bb-c13f-4d39-bbb9-90b2a66fb625" providerId="AD" clId="Web-{ECC2BD31-6E43-2DFD-F176-4B62260E8709}" dt="2020-02-23T09:57:24.648" v="253" actId="20577"/>
+        <pc:sldMkLst>
+          <pc:docMk/>
+          <pc:sldMk cId="270414911" sldId="270"/>
+        </pc:sldMkLst>
+        <pc:spChg chg="mod">
+          <ac:chgData name="KWOK Tsz Lung" userId="S::180047074@stu.vtc.edu.hk::457495bb-c13f-4d39-bbb9-90b2a66fb625" providerId="AD" clId="Web-{ECC2BD31-6E43-2DFD-F176-4B62260E8709}" dt="2020-02-23T09:57:24.648" v="253" actId="20577"/>
+          <ac:spMkLst>
+            <pc:docMk/>
+            <pc:sldMk cId="270414911" sldId="270"/>
+            <ac:spMk id="4" creationId="{13D4094E-727B-4529-88B8-D31781BEE1D2}"/>
+          </ac:spMkLst>
+        </pc:spChg>
+      </pc:sldChg>
+      <pc:sldChg chg="modSp">
+        <pc:chgData name="KWOK Tsz Lung" userId="S::180047074@stu.vtc.edu.hk::457495bb-c13f-4d39-bbb9-90b2a66fb625" providerId="AD" clId="Web-{ECC2BD31-6E43-2DFD-F176-4B62260E8709}" dt="2020-02-23T09:45:38.833" v="233" actId="20577"/>
+        <pc:sldMkLst>
+          <pc:docMk/>
+          <pc:sldMk cId="1803314747" sldId="273"/>
+        </pc:sldMkLst>
+        <pc:spChg chg="mod">
+          <ac:chgData name="KWOK Tsz Lung" userId="S::180047074@stu.vtc.edu.hk::457495bb-c13f-4d39-bbb9-90b2a66fb625" providerId="AD" clId="Web-{ECC2BD31-6E43-2DFD-F176-4B62260E8709}" dt="2020-02-23T09:45:38.833" v="233" actId="20577"/>
+          <ac:spMkLst>
+            <pc:docMk/>
+            <pc:sldMk cId="1803314747" sldId="273"/>
+            <ac:spMk id="3" creationId="{40C7AF24-B9EB-6941-82C7-5C6A4F6688FD}"/>
+          </ac:spMkLst>
+        </pc:spChg>
+      </pc:sldChg>
+    </pc:docChg>
+  </pc:docChgLst>
+  <pc:docChgLst>
     <pc:chgData name="KWOK Tsz Lung" userId="457495bb-c13f-4d39-bbb9-90b2a66fb625" providerId="ADAL" clId="{2A8FCF49-E274-EE40-946F-4CD811A29AC4}"/>
     <pc:docChg chg="addSld modSld">
       <pc:chgData name="KWOK Tsz Lung" userId="457495bb-c13f-4d39-bbb9-90b2a66fb625" providerId="ADAL" clId="{2A8FCF49-E274-EE40-946F-4CD811A29AC4}" dt="2020-02-22T06:59:11.795" v="139" actId="20577"/>
@@ -3112,6 +3214,62 @@
             <ac:spMk id="3" creationId="{40C7AF24-B9EB-6941-82C7-5C6A4F6688FD}"/>
           </ac:spMkLst>
         </pc:spChg>
+      </pc:sldChg>
+    </pc:docChg>
+  </pc:docChgLst>
+  <pc:docChgLst>
+    <pc:chgData name="KWOK Tsz Lung" userId="S::180047074@stu.vtc.edu.hk::457495bb-c13f-4d39-bbb9-90b2a66fb625" providerId="AD" clId="Web-{C54D8A74-95EE-4D38-7DB4-567CF6F97BA9}"/>
+    <pc:docChg chg="modSld">
+      <pc:chgData name="KWOK Tsz Lung" userId="S::180047074@stu.vtc.edu.hk::457495bb-c13f-4d39-bbb9-90b2a66fb625" providerId="AD" clId="Web-{C54D8A74-95EE-4D38-7DB4-567CF6F97BA9}" dt="2020-02-23T09:06:24.077" v="26" actId="20577"/>
+      <pc:docMkLst>
+        <pc:docMk/>
+      </pc:docMkLst>
+      <pc:sldChg chg="addSp delSp modSp">
+        <pc:chgData name="KWOK Tsz Lung" userId="S::180047074@stu.vtc.edu.hk::457495bb-c13f-4d39-bbb9-90b2a66fb625" providerId="AD" clId="Web-{C54D8A74-95EE-4D38-7DB4-567CF6F97BA9}" dt="2020-02-23T09:05:17.077" v="25" actId="20577"/>
+        <pc:sldMkLst>
+          <pc:docMk/>
+          <pc:sldMk cId="2046535868" sldId="265"/>
+        </pc:sldMkLst>
+        <pc:spChg chg="mod">
+          <ac:chgData name="KWOK Tsz Lung" userId="S::180047074@stu.vtc.edu.hk::457495bb-c13f-4d39-bbb9-90b2a66fb625" providerId="AD" clId="Web-{C54D8A74-95EE-4D38-7DB4-567CF6F97BA9}" dt="2020-02-23T09:05:17.077" v="25" actId="20577"/>
+          <ac:spMkLst>
+            <pc:docMk/>
+            <pc:sldMk cId="2046535868" sldId="265"/>
+            <ac:spMk id="2" creationId="{E090A465-EB44-4348-A93E-1702AAE90D4B}"/>
+          </ac:spMkLst>
+        </pc:spChg>
+        <pc:spChg chg="del">
+          <ac:chgData name="KWOK Tsz Lung" userId="S::180047074@stu.vtc.edu.hk::457495bb-c13f-4d39-bbb9-90b2a66fb625" providerId="AD" clId="Web-{C54D8A74-95EE-4D38-7DB4-567CF6F97BA9}" dt="2020-02-23T09:03:59.968" v="0"/>
+          <ac:spMkLst>
+            <pc:docMk/>
+            <pc:sldMk cId="2046535868" sldId="265"/>
+            <ac:spMk id="3" creationId="{21B7DA92-081A-4D19-AA48-2F3CF574783A}"/>
+          </ac:spMkLst>
+        </pc:spChg>
+        <pc:spChg chg="add del mod">
+          <ac:chgData name="KWOK Tsz Lung" userId="S::180047074@stu.vtc.edu.hk::457495bb-c13f-4d39-bbb9-90b2a66fb625" providerId="AD" clId="Web-{C54D8A74-95EE-4D38-7DB4-567CF6F97BA9}" dt="2020-02-23T09:04:57.546" v="3"/>
+          <ac:spMkLst>
+            <pc:docMk/>
+            <pc:sldMk cId="2046535868" sldId="265"/>
+            <ac:spMk id="7" creationId="{CBDB9FE8-67D3-4AEF-A7D2-9181BDD405B2}"/>
+          </ac:spMkLst>
+        </pc:spChg>
+        <pc:picChg chg="add del mod ord">
+          <ac:chgData name="KWOK Tsz Lung" userId="S::180047074@stu.vtc.edu.hk::457495bb-c13f-4d39-bbb9-90b2a66fb625" providerId="AD" clId="Web-{C54D8A74-95EE-4D38-7DB4-567CF6F97BA9}" dt="2020-02-23T09:04:21.889" v="2"/>
+          <ac:picMkLst>
+            <pc:docMk/>
+            <pc:sldMk cId="2046535868" sldId="265"/>
+            <ac:picMk id="4" creationId="{E7FDD375-1B2D-48C4-9976-948743DDB2B7}"/>
+          </ac:picMkLst>
+        </pc:picChg>
+        <pc:picChg chg="add mod ord">
+          <ac:chgData name="KWOK Tsz Lung" userId="S::180047074@stu.vtc.edu.hk::457495bb-c13f-4d39-bbb9-90b2a66fb625" providerId="AD" clId="Web-{C54D8A74-95EE-4D38-7DB4-567CF6F97BA9}" dt="2020-02-23T09:05:03.468" v="5" actId="1076"/>
+          <ac:picMkLst>
+            <pc:docMk/>
+            <pc:sldMk cId="2046535868" sldId="265"/>
+            <ac:picMk id="8" creationId="{9B567DDB-C01B-47E4-9FC5-97E64CB234A7}"/>
+          </ac:picMkLst>
+        </pc:picChg>
       </pc:sldChg>
     </pc:docChg>
   </pc:docChgLst>
@@ -3275,6 +3433,151 @@
     </pc:docChg>
   </pc:docChgLst>
   <pc:docChgLst>
+    <pc:chgData name="KWOK Tsz Lung" userId="S::180047074@stu.vtc.edu.hk::457495bb-c13f-4d39-bbb9-90b2a66fb625" providerId="AD" clId="Web-{12E9A837-DF2E-E899-09D3-381A822EBB6E}"/>
+    <pc:docChg chg="addSld modSld">
+      <pc:chgData name="KWOK Tsz Lung" userId="S::180047074@stu.vtc.edu.hk::457495bb-c13f-4d39-bbb9-90b2a66fb625" providerId="AD" clId="Web-{12E9A837-DF2E-E899-09D3-381A822EBB6E}" dt="2020-02-22T16:47:15.802" v="131" actId="1076"/>
+      <pc:docMkLst>
+        <pc:docMk/>
+      </pc:docMkLst>
+      <pc:sldChg chg="addSp delSp modSp new">
+        <pc:chgData name="KWOK Tsz Lung" userId="S::180047074@stu.vtc.edu.hk::457495bb-c13f-4d39-bbb9-90b2a66fb625" providerId="AD" clId="Web-{12E9A837-DF2E-E899-09D3-381A822EBB6E}" dt="2020-02-22T16:47:15.802" v="131" actId="1076"/>
+        <pc:sldMkLst>
+          <pc:docMk/>
+          <pc:sldMk cId="1589657441" sldId="264"/>
+        </pc:sldMkLst>
+        <pc:spChg chg="mod">
+          <ac:chgData name="KWOK Tsz Lung" userId="S::180047074@stu.vtc.edu.hk::457495bb-c13f-4d39-bbb9-90b2a66fb625" providerId="AD" clId="Web-{12E9A837-DF2E-E899-09D3-381A822EBB6E}" dt="2020-02-22T15:46:50.537" v="13" actId="20577"/>
+          <ac:spMkLst>
+            <pc:docMk/>
+            <pc:sldMk cId="1589657441" sldId="264"/>
+            <ac:spMk id="2" creationId="{E090A465-EB44-4348-A93E-1702AAE90D4B}"/>
+          </ac:spMkLst>
+        </pc:spChg>
+        <pc:spChg chg="del">
+          <ac:chgData name="KWOK Tsz Lung" userId="S::180047074@stu.vtc.edu.hk::457495bb-c13f-4d39-bbb9-90b2a66fb625" providerId="AD" clId="Web-{12E9A837-DF2E-E899-09D3-381A822EBB6E}" dt="2020-02-22T16:47:09.989" v="129"/>
+          <ac:spMkLst>
+            <pc:docMk/>
+            <pc:sldMk cId="1589657441" sldId="264"/>
+            <ac:spMk id="3" creationId="{21B7DA92-081A-4D19-AA48-2F3CF574783A}"/>
+          </ac:spMkLst>
+        </pc:spChg>
+        <pc:picChg chg="add mod ord">
+          <ac:chgData name="KWOK Tsz Lung" userId="S::180047074@stu.vtc.edu.hk::457495bb-c13f-4d39-bbb9-90b2a66fb625" providerId="AD" clId="Web-{12E9A837-DF2E-E899-09D3-381A822EBB6E}" dt="2020-02-22T16:47:15.802" v="131" actId="1076"/>
+          <ac:picMkLst>
+            <pc:docMk/>
+            <pc:sldMk cId="1589657441" sldId="264"/>
+            <ac:picMk id="4" creationId="{77DBCEA5-76F6-4AFD-959F-8AAB0AB51C15}"/>
+          </ac:picMkLst>
+        </pc:picChg>
+      </pc:sldChg>
+      <pc:sldChg chg="modSp add replId">
+        <pc:chgData name="KWOK Tsz Lung" userId="S::180047074@stu.vtc.edu.hk::457495bb-c13f-4d39-bbb9-90b2a66fb625" providerId="AD" clId="Web-{12E9A837-DF2E-E899-09D3-381A822EBB6E}" dt="2020-02-22T15:47:06.724" v="22" actId="20577"/>
+        <pc:sldMkLst>
+          <pc:docMk/>
+          <pc:sldMk cId="2046535868" sldId="265"/>
+        </pc:sldMkLst>
+        <pc:spChg chg="mod">
+          <ac:chgData name="KWOK Tsz Lung" userId="S::180047074@stu.vtc.edu.hk::457495bb-c13f-4d39-bbb9-90b2a66fb625" providerId="AD" clId="Web-{12E9A837-DF2E-E899-09D3-381A822EBB6E}" dt="2020-02-22T15:47:06.724" v="22" actId="20577"/>
+          <ac:spMkLst>
+            <pc:docMk/>
+            <pc:sldMk cId="2046535868" sldId="265"/>
+            <ac:spMk id="2" creationId="{E090A465-EB44-4348-A93E-1702AAE90D4B}"/>
+          </ac:spMkLst>
+        </pc:spChg>
+      </pc:sldChg>
+      <pc:sldChg chg="modSp new">
+        <pc:chgData name="KWOK Tsz Lung" userId="S::180047074@stu.vtc.edu.hk::457495bb-c13f-4d39-bbb9-90b2a66fb625" providerId="AD" clId="Web-{12E9A837-DF2E-E899-09D3-381A822EBB6E}" dt="2020-02-22T15:47:17.740" v="37" actId="20577"/>
+        <pc:sldMkLst>
+          <pc:docMk/>
+          <pc:sldMk cId="1544433812" sldId="266"/>
+        </pc:sldMkLst>
+        <pc:spChg chg="mod">
+          <ac:chgData name="KWOK Tsz Lung" userId="S::180047074@stu.vtc.edu.hk::457495bb-c13f-4d39-bbb9-90b2a66fb625" providerId="AD" clId="Web-{12E9A837-DF2E-E899-09D3-381A822EBB6E}" dt="2020-02-22T15:47:17.740" v="37" actId="20577"/>
+          <ac:spMkLst>
+            <pc:docMk/>
+            <pc:sldMk cId="1544433812" sldId="266"/>
+            <ac:spMk id="2" creationId="{9381B207-36BD-40AD-B089-B7E9C630A78C}"/>
+          </ac:spMkLst>
+        </pc:spChg>
+      </pc:sldChg>
+      <pc:sldChg chg="modSp new">
+        <pc:chgData name="KWOK Tsz Lung" userId="S::180047074@stu.vtc.edu.hk::457495bb-c13f-4d39-bbb9-90b2a66fb625" providerId="AD" clId="Web-{12E9A837-DF2E-E899-09D3-381A822EBB6E}" dt="2020-02-22T15:47:37.630" v="55" actId="20577"/>
+        <pc:sldMkLst>
+          <pc:docMk/>
+          <pc:sldMk cId="3204674514" sldId="267"/>
+        </pc:sldMkLst>
+        <pc:spChg chg="mod">
+          <ac:chgData name="KWOK Tsz Lung" userId="S::180047074@stu.vtc.edu.hk::457495bb-c13f-4d39-bbb9-90b2a66fb625" providerId="AD" clId="Web-{12E9A837-DF2E-E899-09D3-381A822EBB6E}" dt="2020-02-22T15:47:37.630" v="55" actId="20577"/>
+          <ac:spMkLst>
+            <pc:docMk/>
+            <pc:sldMk cId="3204674514" sldId="267"/>
+            <ac:spMk id="2" creationId="{0AC8D2D2-6E88-4FB8-AB80-F3E92372D9C2}"/>
+          </ac:spMkLst>
+        </pc:spChg>
+      </pc:sldChg>
+      <pc:sldChg chg="modSp new">
+        <pc:chgData name="KWOK Tsz Lung" userId="S::180047074@stu.vtc.edu.hk::457495bb-c13f-4d39-bbb9-90b2a66fb625" providerId="AD" clId="Web-{12E9A837-DF2E-E899-09D3-381A822EBB6E}" dt="2020-02-22T15:47:48.958" v="66" actId="20577"/>
+        <pc:sldMkLst>
+          <pc:docMk/>
+          <pc:sldMk cId="4208421050" sldId="268"/>
+        </pc:sldMkLst>
+        <pc:spChg chg="mod">
+          <ac:chgData name="KWOK Tsz Lung" userId="S::180047074@stu.vtc.edu.hk::457495bb-c13f-4d39-bbb9-90b2a66fb625" providerId="AD" clId="Web-{12E9A837-DF2E-E899-09D3-381A822EBB6E}" dt="2020-02-22T15:47:48.958" v="66" actId="20577"/>
+          <ac:spMkLst>
+            <pc:docMk/>
+            <pc:sldMk cId="4208421050" sldId="268"/>
+            <ac:spMk id="2" creationId="{BE0BE8DB-A907-4F63-836C-E43B0B3D5F5B}"/>
+          </ac:spMkLst>
+        </pc:spChg>
+      </pc:sldChg>
+      <pc:sldChg chg="modSp new">
+        <pc:chgData name="KWOK Tsz Lung" userId="S::180047074@stu.vtc.edu.hk::457495bb-c13f-4d39-bbb9-90b2a66fb625" providerId="AD" clId="Web-{12E9A837-DF2E-E899-09D3-381A822EBB6E}" dt="2020-02-22T15:47:54.240" v="81" actId="20577"/>
+        <pc:sldMkLst>
+          <pc:docMk/>
+          <pc:sldMk cId="2711683697" sldId="269"/>
+        </pc:sldMkLst>
+        <pc:spChg chg="mod">
+          <ac:chgData name="KWOK Tsz Lung" userId="S::180047074@stu.vtc.edu.hk::457495bb-c13f-4d39-bbb9-90b2a66fb625" providerId="AD" clId="Web-{12E9A837-DF2E-E899-09D3-381A822EBB6E}" dt="2020-02-22T15:47:54.240" v="81" actId="20577"/>
+          <ac:spMkLst>
+            <pc:docMk/>
+            <pc:sldMk cId="2711683697" sldId="269"/>
+            <ac:spMk id="2" creationId="{31E80DA1-E5CE-4210-B156-1E3C8E9AC86F}"/>
+          </ac:spMkLst>
+        </pc:spChg>
+      </pc:sldChg>
+      <pc:sldChg chg="modSp new">
+        <pc:chgData name="KWOK Tsz Lung" userId="S::180047074@stu.vtc.edu.hk::457495bb-c13f-4d39-bbb9-90b2a66fb625" providerId="AD" clId="Web-{12E9A837-DF2E-E899-09D3-381A822EBB6E}" dt="2020-02-22T15:48:20.318" v="107" actId="20577"/>
+        <pc:sldMkLst>
+          <pc:docMk/>
+          <pc:sldMk cId="270414911" sldId="270"/>
+        </pc:sldMkLst>
+        <pc:spChg chg="mod">
+          <ac:chgData name="KWOK Tsz Lung" userId="S::180047074@stu.vtc.edu.hk::457495bb-c13f-4d39-bbb9-90b2a66fb625" providerId="AD" clId="Web-{12E9A837-DF2E-E899-09D3-381A822EBB6E}" dt="2020-02-22T15:48:20.318" v="107" actId="20577"/>
+          <ac:spMkLst>
+            <pc:docMk/>
+            <pc:sldMk cId="270414911" sldId="270"/>
+            <ac:spMk id="2" creationId="{7D023C38-4BEC-4358-A719-23CDA63ADB7D}"/>
+          </ac:spMkLst>
+        </pc:spChg>
+      </pc:sldChg>
+      <pc:sldChg chg="modSp new">
+        <pc:chgData name="KWOK Tsz Lung" userId="S::180047074@stu.vtc.edu.hk::457495bb-c13f-4d39-bbb9-90b2a66fb625" providerId="AD" clId="Web-{12E9A837-DF2E-E899-09D3-381A822EBB6E}" dt="2020-02-22T15:48:33.771" v="128" actId="14100"/>
+        <pc:sldMkLst>
+          <pc:docMk/>
+          <pc:sldMk cId="780356915" sldId="271"/>
+        </pc:sldMkLst>
+        <pc:spChg chg="mod">
+          <ac:chgData name="KWOK Tsz Lung" userId="S::180047074@stu.vtc.edu.hk::457495bb-c13f-4d39-bbb9-90b2a66fb625" providerId="AD" clId="Web-{12E9A837-DF2E-E899-09D3-381A822EBB6E}" dt="2020-02-22T15:48:33.771" v="128" actId="14100"/>
+          <ac:spMkLst>
+            <pc:docMk/>
+            <pc:sldMk cId="780356915" sldId="271"/>
+            <ac:spMk id="2" creationId="{CF5366CC-DA41-4123-9F9D-9542860FA4C8}"/>
+          </ac:spMkLst>
+        </pc:spChg>
+      </pc:sldChg>
+    </pc:docChg>
+  </pc:docChgLst>
+  <pc:docChgLst>
     <pc:chgData name="KWOK Tsz Lung" userId="S::180047074@stu.vtc.edu.hk::457495bb-c13f-4d39-bbb9-90b2a66fb625" providerId="AD" clId="Web-{CD075F75-8064-DE1E-6FDD-712C3EED206D}"/>
     <pc:docChg chg="modSld">
       <pc:chgData name="KWOK Tsz Lung" userId="S::180047074@stu.vtc.edu.hk::457495bb-c13f-4d39-bbb9-90b2a66fb625" providerId="AD" clId="Web-{CD075F75-8064-DE1E-6FDD-712C3EED206D}" dt="2020-02-22T17:04:15.361" v="0"/>
@@ -3307,157 +3610,27 @@
     </pc:docChg>
   </pc:docChgLst>
   <pc:docChgLst>
-    <pc:chgData name="KWOK Tsz Lung" userId="S::180047074@stu.vtc.edu.hk::457495bb-c13f-4d39-bbb9-90b2a66fb625" providerId="AD" clId="Web-{12E9A837-DF2E-E899-09D3-381A822EBB6E}"/>
-    <pc:docChg chg="addSld modSld">
-      <pc:chgData name="KWOK Tsz Lung" userId="S::180047074@stu.vtc.edu.hk::457495bb-c13f-4d39-bbb9-90b2a66fb625" providerId="AD" clId="Web-{12E9A837-DF2E-E899-09D3-381A822EBB6E}" dt="2020-02-22T16:47:15.802" v="131" actId="1076"/>
+    <pc:chgData name="CHAU Yat Sum" userId="S::180478187@stu.vtc.edu.hk::157e0e2c-6a07-405c-9850-bdce9f73c55b" providerId="AD" clId="Web-{8720861B-4EE3-78C0-6B5C-951DD5213E42}"/>
+    <pc:docChg chg="modSld">
+      <pc:chgData name="CHAU Yat Sum" userId="S::180478187@stu.vtc.edu.hk::157e0e2c-6a07-405c-9850-bdce9f73c55b" providerId="AD" clId="Web-{8720861B-4EE3-78C0-6B5C-951DD5213E42}" dt="2020-02-23T09:57:29.812" v="212" actId="20577"/>
       <pc:docMkLst>
         <pc:docMk/>
       </pc:docMkLst>
-      <pc:sldChg chg="addSp delSp modSp new">
-        <pc:chgData name="KWOK Tsz Lung" userId="S::180047074@stu.vtc.edu.hk::457495bb-c13f-4d39-bbb9-90b2a66fb625" providerId="AD" clId="Web-{12E9A837-DF2E-E899-09D3-381A822EBB6E}" dt="2020-02-22T16:47:15.802" v="131" actId="1076"/>
+      <pc:sldChg chg="modSp">
+        <pc:chgData name="CHAU Yat Sum" userId="S::180478187@stu.vtc.edu.hk::157e0e2c-6a07-405c-9850-bdce9f73c55b" providerId="AD" clId="Web-{8720861B-4EE3-78C0-6B5C-951DD5213E42}" dt="2020-02-23T09:57:27.937" v="211" actId="20577"/>
         <pc:sldMkLst>
           <pc:docMk/>
-          <pc:sldMk cId="1589657441" sldId="264"/>
+          <pc:sldMk cId="3983881084" sldId="257"/>
         </pc:sldMkLst>
         <pc:spChg chg="mod">
-          <ac:chgData name="KWOK Tsz Lung" userId="S::180047074@stu.vtc.edu.hk::457495bb-c13f-4d39-bbb9-90b2a66fb625" providerId="AD" clId="Web-{12E9A837-DF2E-E899-09D3-381A822EBB6E}" dt="2020-02-22T15:46:50.537" v="13" actId="20577"/>
+          <ac:chgData name="CHAU Yat Sum" userId="S::180478187@stu.vtc.edu.hk::157e0e2c-6a07-405c-9850-bdce9f73c55b" providerId="AD" clId="Web-{8720861B-4EE3-78C0-6B5C-951DD5213E42}" dt="2020-02-23T09:57:27.937" v="211" actId="20577"/>
           <ac:spMkLst>
             <pc:docMk/>
-            <pc:sldMk cId="1589657441" sldId="264"/>
-            <ac:spMk id="2" creationId="{E090A465-EB44-4348-A93E-1702AAE90D4B}"/>
-          </ac:spMkLst>
-        </pc:spChg>
-        <pc:spChg chg="del">
-          <ac:chgData name="KWOK Tsz Lung" userId="S::180047074@stu.vtc.edu.hk::457495bb-c13f-4d39-bbb9-90b2a66fb625" providerId="AD" clId="Web-{12E9A837-DF2E-E899-09D3-381A822EBB6E}" dt="2020-02-22T16:47:09.989" v="129"/>
-          <ac:spMkLst>
-            <pc:docMk/>
-            <pc:sldMk cId="1589657441" sldId="264"/>
-            <ac:spMk id="3" creationId="{21B7DA92-081A-4D19-AA48-2F3CF574783A}"/>
-          </ac:spMkLst>
-        </pc:spChg>
-        <pc:picChg chg="add mod ord">
-          <ac:chgData name="KWOK Tsz Lung" userId="S::180047074@stu.vtc.edu.hk::457495bb-c13f-4d39-bbb9-90b2a66fb625" providerId="AD" clId="Web-{12E9A837-DF2E-E899-09D3-381A822EBB6E}" dt="2020-02-22T16:47:15.802" v="131" actId="1076"/>
-          <ac:picMkLst>
-            <pc:docMk/>
-            <pc:sldMk cId="1589657441" sldId="264"/>
-            <ac:picMk id="4" creationId="{77DBCEA5-76F6-4AFD-959F-8AAB0AB51C15}"/>
-          </ac:picMkLst>
-        </pc:picChg>
-      </pc:sldChg>
-      <pc:sldChg chg="modSp add replId">
-        <pc:chgData name="KWOK Tsz Lung" userId="S::180047074@stu.vtc.edu.hk::457495bb-c13f-4d39-bbb9-90b2a66fb625" providerId="AD" clId="Web-{12E9A837-DF2E-E899-09D3-381A822EBB6E}" dt="2020-02-22T15:47:06.724" v="22" actId="20577"/>
-        <pc:sldMkLst>
-          <pc:docMk/>
-          <pc:sldMk cId="2046535868" sldId="265"/>
-        </pc:sldMkLst>
-        <pc:spChg chg="mod">
-          <ac:chgData name="KWOK Tsz Lung" userId="S::180047074@stu.vtc.edu.hk::457495bb-c13f-4d39-bbb9-90b2a66fb625" providerId="AD" clId="Web-{12E9A837-DF2E-E899-09D3-381A822EBB6E}" dt="2020-02-22T15:47:06.724" v="22" actId="20577"/>
-          <ac:spMkLst>
-            <pc:docMk/>
-            <pc:sldMk cId="2046535868" sldId="265"/>
-            <ac:spMk id="2" creationId="{E090A465-EB44-4348-A93E-1702AAE90D4B}"/>
+            <pc:sldMk cId="3983881084" sldId="257"/>
+            <ac:spMk id="3" creationId="{DB55E2C5-EE43-482D-AA81-C1E23C83A8B1}"/>
           </ac:spMkLst>
         </pc:spChg>
       </pc:sldChg>
-      <pc:sldChg chg="modSp new">
-        <pc:chgData name="KWOK Tsz Lung" userId="S::180047074@stu.vtc.edu.hk::457495bb-c13f-4d39-bbb9-90b2a66fb625" providerId="AD" clId="Web-{12E9A837-DF2E-E899-09D3-381A822EBB6E}" dt="2020-02-22T15:47:17.740" v="37" actId="20577"/>
-        <pc:sldMkLst>
-          <pc:docMk/>
-          <pc:sldMk cId="1544433812" sldId="266"/>
-        </pc:sldMkLst>
-        <pc:spChg chg="mod">
-          <ac:chgData name="KWOK Tsz Lung" userId="S::180047074@stu.vtc.edu.hk::457495bb-c13f-4d39-bbb9-90b2a66fb625" providerId="AD" clId="Web-{12E9A837-DF2E-E899-09D3-381A822EBB6E}" dt="2020-02-22T15:47:17.740" v="37" actId="20577"/>
-          <ac:spMkLst>
-            <pc:docMk/>
-            <pc:sldMk cId="1544433812" sldId="266"/>
-            <ac:spMk id="2" creationId="{9381B207-36BD-40AD-B089-B7E9C630A78C}"/>
-          </ac:spMkLst>
-        </pc:spChg>
-      </pc:sldChg>
-      <pc:sldChg chg="modSp new">
-        <pc:chgData name="KWOK Tsz Lung" userId="S::180047074@stu.vtc.edu.hk::457495bb-c13f-4d39-bbb9-90b2a66fb625" providerId="AD" clId="Web-{12E9A837-DF2E-E899-09D3-381A822EBB6E}" dt="2020-02-22T15:47:37.630" v="55" actId="20577"/>
-        <pc:sldMkLst>
-          <pc:docMk/>
-          <pc:sldMk cId="3204674514" sldId="267"/>
-        </pc:sldMkLst>
-        <pc:spChg chg="mod">
-          <ac:chgData name="KWOK Tsz Lung" userId="S::180047074@stu.vtc.edu.hk::457495bb-c13f-4d39-bbb9-90b2a66fb625" providerId="AD" clId="Web-{12E9A837-DF2E-E899-09D3-381A822EBB6E}" dt="2020-02-22T15:47:37.630" v="55" actId="20577"/>
-          <ac:spMkLst>
-            <pc:docMk/>
-            <pc:sldMk cId="3204674514" sldId="267"/>
-            <ac:spMk id="2" creationId="{0AC8D2D2-6E88-4FB8-AB80-F3E92372D9C2}"/>
-          </ac:spMkLst>
-        </pc:spChg>
-      </pc:sldChg>
-      <pc:sldChg chg="modSp new">
-        <pc:chgData name="KWOK Tsz Lung" userId="S::180047074@stu.vtc.edu.hk::457495bb-c13f-4d39-bbb9-90b2a66fb625" providerId="AD" clId="Web-{12E9A837-DF2E-E899-09D3-381A822EBB6E}" dt="2020-02-22T15:47:48.958" v="66" actId="20577"/>
-        <pc:sldMkLst>
-          <pc:docMk/>
-          <pc:sldMk cId="4208421050" sldId="268"/>
-        </pc:sldMkLst>
-        <pc:spChg chg="mod">
-          <ac:chgData name="KWOK Tsz Lung" userId="S::180047074@stu.vtc.edu.hk::457495bb-c13f-4d39-bbb9-90b2a66fb625" providerId="AD" clId="Web-{12E9A837-DF2E-E899-09D3-381A822EBB6E}" dt="2020-02-22T15:47:48.958" v="66" actId="20577"/>
-          <ac:spMkLst>
-            <pc:docMk/>
-            <pc:sldMk cId="4208421050" sldId="268"/>
-            <ac:spMk id="2" creationId="{BE0BE8DB-A907-4F63-836C-E43B0B3D5F5B}"/>
-          </ac:spMkLst>
-        </pc:spChg>
-      </pc:sldChg>
-      <pc:sldChg chg="modSp new">
-        <pc:chgData name="KWOK Tsz Lung" userId="S::180047074@stu.vtc.edu.hk::457495bb-c13f-4d39-bbb9-90b2a66fb625" providerId="AD" clId="Web-{12E9A837-DF2E-E899-09D3-381A822EBB6E}" dt="2020-02-22T15:47:54.240" v="81" actId="20577"/>
-        <pc:sldMkLst>
-          <pc:docMk/>
-          <pc:sldMk cId="2711683697" sldId="269"/>
-        </pc:sldMkLst>
-        <pc:spChg chg="mod">
-          <ac:chgData name="KWOK Tsz Lung" userId="S::180047074@stu.vtc.edu.hk::457495bb-c13f-4d39-bbb9-90b2a66fb625" providerId="AD" clId="Web-{12E9A837-DF2E-E899-09D3-381A822EBB6E}" dt="2020-02-22T15:47:54.240" v="81" actId="20577"/>
-          <ac:spMkLst>
-            <pc:docMk/>
-            <pc:sldMk cId="2711683697" sldId="269"/>
-            <ac:spMk id="2" creationId="{31E80DA1-E5CE-4210-B156-1E3C8E9AC86F}"/>
-          </ac:spMkLst>
-        </pc:spChg>
-      </pc:sldChg>
-      <pc:sldChg chg="modSp new">
-        <pc:chgData name="KWOK Tsz Lung" userId="S::180047074@stu.vtc.edu.hk::457495bb-c13f-4d39-bbb9-90b2a66fb625" providerId="AD" clId="Web-{12E9A837-DF2E-E899-09D3-381A822EBB6E}" dt="2020-02-22T15:48:20.318" v="107" actId="20577"/>
-        <pc:sldMkLst>
-          <pc:docMk/>
-          <pc:sldMk cId="270414911" sldId="270"/>
-        </pc:sldMkLst>
-        <pc:spChg chg="mod">
-          <ac:chgData name="KWOK Tsz Lung" userId="S::180047074@stu.vtc.edu.hk::457495bb-c13f-4d39-bbb9-90b2a66fb625" providerId="AD" clId="Web-{12E9A837-DF2E-E899-09D3-381A822EBB6E}" dt="2020-02-22T15:48:20.318" v="107" actId="20577"/>
-          <ac:spMkLst>
-            <pc:docMk/>
-            <pc:sldMk cId="270414911" sldId="270"/>
-            <ac:spMk id="2" creationId="{7D023C38-4BEC-4358-A719-23CDA63ADB7D}"/>
-          </ac:spMkLst>
-        </pc:spChg>
-      </pc:sldChg>
-      <pc:sldChg chg="modSp new">
-        <pc:chgData name="KWOK Tsz Lung" userId="S::180047074@stu.vtc.edu.hk::457495bb-c13f-4d39-bbb9-90b2a66fb625" providerId="AD" clId="Web-{12E9A837-DF2E-E899-09D3-381A822EBB6E}" dt="2020-02-22T15:48:33.771" v="128" actId="14100"/>
-        <pc:sldMkLst>
-          <pc:docMk/>
-          <pc:sldMk cId="780356915" sldId="271"/>
-        </pc:sldMkLst>
-        <pc:spChg chg="mod">
-          <ac:chgData name="KWOK Tsz Lung" userId="S::180047074@stu.vtc.edu.hk::457495bb-c13f-4d39-bbb9-90b2a66fb625" providerId="AD" clId="Web-{12E9A837-DF2E-E899-09D3-381A822EBB6E}" dt="2020-02-22T15:48:33.771" v="128" actId="14100"/>
-          <ac:spMkLst>
-            <pc:docMk/>
-            <pc:sldMk cId="780356915" sldId="271"/>
-            <ac:spMk id="2" creationId="{CF5366CC-DA41-4123-9F9D-9542860FA4C8}"/>
-          </ac:spMkLst>
-        </pc:spChg>
-      </pc:sldChg>
-    </pc:docChg>
-  </pc:docChgLst>
-  <pc:docChgLst>
-    <pc:chgData name="CHAU Yat Sum" userId="S::180478187@stu.vtc.edu.hk::157e0e2c-6a07-405c-9850-bdce9f73c55b" providerId="AD" clId="Web-{8720861B-4EE3-78C0-6B5C-951DD5213E42}"/>
-    <pc:docChg chg="modSld">
-      <pc:chgData name="CHAU Yat Sum" userId="S::180478187@stu.vtc.edu.hk::157e0e2c-6a07-405c-9850-bdce9f73c55b" providerId="AD" clId="Web-{8720861B-4EE3-78C0-6B5C-951DD5213E42}" dt="2020-02-22T22:50:34.941" v="41" actId="20577"/>
-      <pc:docMkLst>
-        <pc:docMk/>
-      </pc:docMkLst>
       <pc:sldChg chg="modSp">
         <pc:chgData name="CHAU Yat Sum" userId="S::180478187@stu.vtc.edu.hk::157e0e2c-6a07-405c-9850-bdce9f73c55b" providerId="AD" clId="Web-{8720861B-4EE3-78C0-6B5C-951DD5213E42}" dt="2020-02-22T22:50:33.300" v="39" actId="20577"/>
         <pc:sldMkLst>
@@ -3474,11 +3647,27 @@
         </pc:spChg>
       </pc:sldChg>
       <pc:sldChg chg="addSp delSp modSp">
-        <pc:chgData name="CHAU Yat Sum" userId="S::180478187@stu.vtc.edu.hk::157e0e2c-6a07-405c-9850-bdce9f73c55b" providerId="AD" clId="Web-{8720861B-4EE3-78C0-6B5C-951DD5213E42}" dt="2020-02-22T22:48:43.358" v="6" actId="1076"/>
+        <pc:chgData name="CHAU Yat Sum" userId="S::180478187@stu.vtc.edu.hk::157e0e2c-6a07-405c-9850-bdce9f73c55b" providerId="AD" clId="Web-{8720861B-4EE3-78C0-6B5C-951DD5213E42}" dt="2020-02-23T09:55:16.968" v="205" actId="14100"/>
         <pc:sldMkLst>
           <pc:docMk/>
           <pc:sldMk cId="1589657441" sldId="264"/>
         </pc:sldMkLst>
+        <pc:spChg chg="mod">
+          <ac:chgData name="CHAU Yat Sum" userId="S::180478187@stu.vtc.edu.hk::157e0e2c-6a07-405c-9850-bdce9f73c55b" providerId="AD" clId="Web-{8720861B-4EE3-78C0-6B5C-951DD5213E42}" dt="2020-02-23T09:38:28.264" v="64" actId="20577"/>
+          <ac:spMkLst>
+            <pc:docMk/>
+            <pc:sldMk cId="1589657441" sldId="264"/>
+            <ac:spMk id="2" creationId="{E090A465-EB44-4348-A93E-1702AAE90D4B}"/>
+          </ac:spMkLst>
+        </pc:spChg>
+        <pc:spChg chg="add del mod">
+          <ac:chgData name="CHAU Yat Sum" userId="S::180478187@stu.vtc.edu.hk::157e0e2c-6a07-405c-9850-bdce9f73c55b" providerId="AD" clId="Web-{8720861B-4EE3-78C0-6B5C-951DD5213E42}" dt="2020-02-23T09:43:13.546" v="69"/>
+          <ac:spMkLst>
+            <pc:docMk/>
+            <pc:sldMk cId="1589657441" sldId="264"/>
+            <ac:spMk id="5" creationId="{0AE157ED-1015-4901-96E7-50C88A186376}"/>
+          </ac:spMkLst>
+        </pc:spChg>
         <pc:spChg chg="del">
           <ac:chgData name="CHAU Yat Sum" userId="S::180478187@stu.vtc.edu.hk::157e0e2c-6a07-405c-9850-bdce9f73c55b" providerId="AD" clId="Web-{8720861B-4EE3-78C0-6B5C-951DD5213E42}" dt="2020-02-22T22:48:24.404" v="0"/>
           <ac:spMkLst>
@@ -3487,14 +3676,106 @@
             <ac:spMk id="5" creationId="{F48C0F6E-D112-4015-8822-CEE2819B96E3}"/>
           </ac:spMkLst>
         </pc:spChg>
-        <pc:picChg chg="add mod ord">
-          <ac:chgData name="CHAU Yat Sum" userId="S::180478187@stu.vtc.edu.hk::157e0e2c-6a07-405c-9850-bdce9f73c55b" providerId="AD" clId="Web-{8720861B-4EE3-78C0-6B5C-951DD5213E42}" dt="2020-02-22T22:48:43.358" v="6" actId="1076"/>
+        <pc:spChg chg="add del mod">
+          <ac:chgData name="CHAU Yat Sum" userId="S::180478187@stu.vtc.edu.hk::157e0e2c-6a07-405c-9850-bdce9f73c55b" providerId="AD" clId="Web-{8720861B-4EE3-78C0-6B5C-951DD5213E42}" dt="2020-02-23T09:54:58.672" v="197"/>
+          <ac:spMkLst>
+            <pc:docMk/>
+            <pc:sldMk cId="1589657441" sldId="264"/>
+            <ac:spMk id="9" creationId="{4674504B-A977-47A8-9FA2-47B40D92DAA2}"/>
+          </ac:spMkLst>
+        </pc:spChg>
+        <pc:picChg chg="add del mod ord">
+          <ac:chgData name="CHAU Yat Sum" userId="S::180478187@stu.vtc.edu.hk::157e0e2c-6a07-405c-9850-bdce9f73c55b" providerId="AD" clId="Web-{8720861B-4EE3-78C0-6B5C-951DD5213E42}" dt="2020-02-23T09:43:07.999" v="68"/>
           <ac:picMkLst>
             <pc:docMk/>
             <pc:sldMk cId="1589657441" sldId="264"/>
             <ac:picMk id="3" creationId="{B8CF3D75-5ACC-4B8D-BF56-9D655804BAFC}"/>
           </ac:picMkLst>
         </pc:picChg>
+        <pc:picChg chg="add del mod ord">
+          <ac:chgData name="CHAU Yat Sum" userId="S::180478187@stu.vtc.edu.hk::157e0e2c-6a07-405c-9850-bdce9f73c55b" providerId="AD" clId="Web-{8720861B-4EE3-78C0-6B5C-951DD5213E42}" dt="2020-02-23T09:54:57.437" v="196"/>
+          <ac:picMkLst>
+            <pc:docMk/>
+            <pc:sldMk cId="1589657441" sldId="264"/>
+            <ac:picMk id="6" creationId="{1AA57724-EE35-4348-A528-03DFDDC29EA9}"/>
+          </ac:picMkLst>
+        </pc:picChg>
+        <pc:picChg chg="add mod ord">
+          <ac:chgData name="CHAU Yat Sum" userId="S::180478187@stu.vtc.edu.hk::157e0e2c-6a07-405c-9850-bdce9f73c55b" providerId="AD" clId="Web-{8720861B-4EE3-78C0-6B5C-951DD5213E42}" dt="2020-02-23T09:55:16.968" v="205" actId="14100"/>
+          <ac:picMkLst>
+            <pc:docMk/>
+            <pc:sldMk cId="1589657441" sldId="264"/>
+            <ac:picMk id="10" creationId="{DBF7D89F-0DA9-49FE-A8A2-526530587B7E}"/>
+          </ac:picMkLst>
+        </pc:picChg>
+      </pc:sldChg>
+      <pc:sldChg chg="modSp">
+        <pc:chgData name="CHAU Yat Sum" userId="S::180478187@stu.vtc.edu.hk::157e0e2c-6a07-405c-9850-bdce9f73c55b" providerId="AD" clId="Web-{8720861B-4EE3-78C0-6B5C-951DD5213E42}" dt="2020-02-23T09:51:27.984" v="157" actId="20577"/>
+        <pc:sldMkLst>
+          <pc:docMk/>
+          <pc:sldMk cId="2711683697" sldId="269"/>
+        </pc:sldMkLst>
+        <pc:spChg chg="mod">
+          <ac:chgData name="CHAU Yat Sum" userId="S::180478187@stu.vtc.edu.hk::157e0e2c-6a07-405c-9850-bdce9f73c55b" providerId="AD" clId="Web-{8720861B-4EE3-78C0-6B5C-951DD5213E42}" dt="2020-02-23T09:51:27.984" v="157" actId="20577"/>
+          <ac:spMkLst>
+            <pc:docMk/>
+            <pc:sldMk cId="2711683697" sldId="269"/>
+            <ac:spMk id="3" creationId="{33290544-599E-4823-9DD4-3353E72CF852}"/>
+          </ac:spMkLst>
+        </pc:spChg>
+      </pc:sldChg>
+      <pc:sldChg chg="modSp">
+        <pc:chgData name="CHAU Yat Sum" userId="S::180478187@stu.vtc.edu.hk::157e0e2c-6a07-405c-9850-bdce9f73c55b" providerId="AD" clId="Web-{8720861B-4EE3-78C0-6B5C-951DD5213E42}" dt="2020-02-23T09:52:12.062" v="193" actId="20577"/>
+        <pc:sldMkLst>
+          <pc:docMk/>
+          <pc:sldMk cId="270414911" sldId="270"/>
+        </pc:sldMkLst>
+        <pc:spChg chg="mod">
+          <ac:chgData name="CHAU Yat Sum" userId="S::180478187@stu.vtc.edu.hk::157e0e2c-6a07-405c-9850-bdce9f73c55b" providerId="AD" clId="Web-{8720861B-4EE3-78C0-6B5C-951DD5213E42}" dt="2020-02-23T09:51:46.531" v="162" actId="20577"/>
+          <ac:spMkLst>
+            <pc:docMk/>
+            <pc:sldMk cId="270414911" sldId="270"/>
+            <ac:spMk id="3" creationId="{9E9375FB-8D59-4AC2-912D-3A5E46ED2D60}"/>
+          </ac:spMkLst>
+        </pc:spChg>
+        <pc:spChg chg="mod">
+          <ac:chgData name="CHAU Yat Sum" userId="S::180478187@stu.vtc.edu.hk::157e0e2c-6a07-405c-9850-bdce9f73c55b" providerId="AD" clId="Web-{8720861B-4EE3-78C0-6B5C-951DD5213E42}" dt="2020-02-23T09:52:12.062" v="193" actId="20577"/>
+          <ac:spMkLst>
+            <pc:docMk/>
+            <pc:sldMk cId="270414911" sldId="270"/>
+            <ac:spMk id="4" creationId="{13D4094E-727B-4529-88B8-D31781BEE1D2}"/>
+          </ac:spMkLst>
+        </pc:spChg>
+      </pc:sldChg>
+      <pc:sldChg chg="modSp">
+        <pc:chgData name="CHAU Yat Sum" userId="S::180478187@stu.vtc.edu.hk::157e0e2c-6a07-405c-9850-bdce9f73c55b" providerId="AD" clId="Web-{8720861B-4EE3-78C0-6B5C-951DD5213E42}" dt="2020-02-23T09:49:17.171" v="122" actId="20577"/>
+        <pc:sldMkLst>
+          <pc:docMk/>
+          <pc:sldMk cId="116031176" sldId="272"/>
+        </pc:sldMkLst>
+        <pc:spChg chg="mod">
+          <ac:chgData name="CHAU Yat Sum" userId="S::180478187@stu.vtc.edu.hk::157e0e2c-6a07-405c-9850-bdce9f73c55b" providerId="AD" clId="Web-{8720861B-4EE3-78C0-6B5C-951DD5213E42}" dt="2020-02-23T09:49:17.171" v="122" actId="20577"/>
+          <ac:spMkLst>
+            <pc:docMk/>
+            <pc:sldMk cId="116031176" sldId="272"/>
+            <ac:spMk id="3" creationId="{40C7AF24-B9EB-6941-82C7-5C6A4F6688FD}"/>
+          </ac:spMkLst>
+        </pc:spChg>
+      </pc:sldChg>
+      <pc:sldChg chg="modSp">
+        <pc:chgData name="CHAU Yat Sum" userId="S::180478187@stu.vtc.edu.hk::157e0e2c-6a07-405c-9850-bdce9f73c55b" providerId="AD" clId="Web-{8720861B-4EE3-78C0-6B5C-951DD5213E42}" dt="2020-02-23T09:49:12.827" v="117" actId="20577"/>
+        <pc:sldMkLst>
+          <pc:docMk/>
+          <pc:sldMk cId="1803314747" sldId="273"/>
+        </pc:sldMkLst>
+        <pc:spChg chg="mod">
+          <ac:chgData name="CHAU Yat Sum" userId="S::180478187@stu.vtc.edu.hk::157e0e2c-6a07-405c-9850-bdce9f73c55b" providerId="AD" clId="Web-{8720861B-4EE3-78C0-6B5C-951DD5213E42}" dt="2020-02-23T09:49:12.827" v="117" actId="20577"/>
+          <ac:spMkLst>
+            <pc:docMk/>
+            <pc:sldMk cId="1803314747" sldId="273"/>
+            <ac:spMk id="3" creationId="{40C7AF24-B9EB-6941-82C7-5C6A4F6688FD}"/>
+          </ac:spMkLst>
+        </pc:spChg>
       </pc:sldChg>
     </pc:docChg>
   </pc:docChgLst>
@@ -5232,12 +5513,12 @@
         </a:fontRef>
       </dsp:style>
       <dsp:txBody>
-        <a:bodyPr spcFirstLastPara="0" vert="horz" wrap="square" lIns="33020" tIns="33020" rIns="33020" bIns="33020" numCol="1" spcCol="1270" anchor="ctr" anchorCtr="0">
+        <a:bodyPr spcFirstLastPara="0" vert="horz" wrap="square" lIns="39370" tIns="39370" rIns="39370" bIns="39370" numCol="1" spcCol="1270" anchor="ctr" anchorCtr="0">
           <a:noAutofit/>
         </a:bodyPr>
         <a:lstStyle/>
         <a:p>
-          <a:pPr marL="0" lvl="0" indent="0" algn="ctr" defTabSz="1155700">
+          <a:pPr marL="0" lvl="0" indent="0" algn="ctr" defTabSz="1377950">
             <a:lnSpc>
               <a:spcPct val="90000"/>
             </a:lnSpc>
@@ -5250,10 +5531,10 @@
             <a:buNone/>
           </a:pPr>
           <a:r>
-            <a:rPr lang="en-US" altLang="zh-TW" sz="2600" kern="1200"/>
+            <a:rPr lang="en-US" altLang="zh-TW" sz="3100" kern="1200"/>
             <a:t>UAV</a:t>
           </a:r>
-          <a:endParaRPr lang="zh-TW" altLang="en-US" sz="2600" kern="1200"/>
+          <a:endParaRPr lang="zh-TW" altLang="en-US" sz="3100" kern="1200"/>
         </a:p>
       </dsp:txBody>
       <dsp:txXfrm>
@@ -5311,7 +5592,7 @@
         </a:bodyPr>
         <a:lstStyle/>
         <a:p>
-          <a:pPr marL="0" lvl="0" indent="0" algn="ctr" defTabSz="444500">
+          <a:pPr marL="0" lvl="0" indent="0" algn="ctr" defTabSz="533400">
             <a:lnSpc>
               <a:spcPct val="90000"/>
             </a:lnSpc>
@@ -5323,7 +5604,7 @@
             </a:spcAft>
             <a:buNone/>
           </a:pPr>
-          <a:endParaRPr lang="zh-TW" altLang="en-US" sz="1000" kern="1200"/>
+          <a:endParaRPr lang="zh-TW" altLang="en-US" sz="1200" kern="1200"/>
         </a:p>
       </dsp:txBody>
       <dsp:txXfrm>
@@ -5380,12 +5661,12 @@
         </a:fontRef>
       </dsp:style>
       <dsp:txBody>
-        <a:bodyPr spcFirstLastPara="0" vert="horz" wrap="square" lIns="12700" tIns="12700" rIns="12700" bIns="12700" numCol="1" spcCol="1270" anchor="ctr" anchorCtr="0">
+        <a:bodyPr spcFirstLastPara="0" vert="horz" wrap="square" lIns="15240" tIns="15240" rIns="15240" bIns="15240" numCol="1" spcCol="1270" anchor="ctr" anchorCtr="0">
           <a:noAutofit/>
         </a:bodyPr>
         <a:lstStyle/>
         <a:p>
-          <a:pPr marL="0" lvl="0" indent="0" algn="ctr" defTabSz="444500">
+          <a:pPr marL="0" lvl="0" indent="0" algn="ctr" defTabSz="533400">
             <a:lnSpc>
               <a:spcPct val="90000"/>
             </a:lnSpc>
@@ -5398,10 +5679,10 @@
             <a:buNone/>
           </a:pPr>
           <a:r>
-            <a:rPr lang="en-US" altLang="zh-TW" sz="1000" kern="1200"/>
+            <a:rPr lang="en-US" altLang="zh-TW" sz="1200" kern="1200"/>
             <a:t>Window Application</a:t>
           </a:r>
-          <a:endParaRPr lang="zh-TW" altLang="en-US" sz="1000" kern="1200"/>
+          <a:endParaRPr lang="zh-TW" altLang="en-US" sz="1200" kern="1200"/>
         </a:p>
       </dsp:txBody>
       <dsp:txXfrm>
@@ -5459,7 +5740,7 @@
         </a:bodyPr>
         <a:lstStyle/>
         <a:p>
-          <a:pPr marL="0" lvl="0" indent="0" algn="ctr" defTabSz="444500">
+          <a:pPr marL="0" lvl="0" indent="0" algn="ctr" defTabSz="533400">
             <a:lnSpc>
               <a:spcPct val="90000"/>
             </a:lnSpc>
@@ -5471,7 +5752,7 @@
             </a:spcAft>
             <a:buNone/>
           </a:pPr>
-          <a:endParaRPr lang="zh-TW" altLang="en-US" sz="1000" kern="1200"/>
+          <a:endParaRPr lang="zh-TW" altLang="en-US" sz="1200" kern="1200"/>
         </a:p>
       </dsp:txBody>
       <dsp:txXfrm>
@@ -5528,12 +5809,12 @@
         </a:fontRef>
       </dsp:style>
       <dsp:txBody>
-        <a:bodyPr spcFirstLastPara="0" vert="horz" wrap="square" lIns="12700" tIns="12700" rIns="12700" bIns="12700" numCol="1" spcCol="1270" anchor="ctr" anchorCtr="0">
+        <a:bodyPr spcFirstLastPara="0" vert="horz" wrap="square" lIns="15240" tIns="15240" rIns="15240" bIns="15240" numCol="1" spcCol="1270" anchor="ctr" anchorCtr="0">
           <a:noAutofit/>
         </a:bodyPr>
         <a:lstStyle/>
         <a:p>
-          <a:pPr marL="0" lvl="0" indent="0" algn="ctr" defTabSz="444500">
+          <a:pPr marL="0" lvl="0" indent="0" algn="ctr" defTabSz="533400">
             <a:lnSpc>
               <a:spcPct val="90000"/>
             </a:lnSpc>
@@ -5546,10 +5827,10 @@
             <a:buNone/>
           </a:pPr>
           <a:r>
-            <a:rPr lang="en-US" altLang="zh-TW" sz="1000" kern="1200"/>
+            <a:rPr lang="en-US" altLang="zh-TW" sz="1200" kern="1200"/>
             <a:t>Android Application</a:t>
           </a:r>
-          <a:endParaRPr lang="zh-TW" altLang="en-US" sz="1000" kern="1200"/>
+          <a:endParaRPr lang="zh-TW" altLang="en-US" sz="1200" kern="1200"/>
         </a:p>
       </dsp:txBody>
       <dsp:txXfrm>
@@ -7021,7 +7302,7 @@
             <a:fld id="{B61BEF0D-F0BB-DE4B-95CE-6DB70DBA9567}" type="datetimeFigureOut">
               <a:rPr lang="en-US" dirty="0"/>
               <a:pPr/>
-              <a:t>2/22/2020</a:t>
+              <a:t>2/23/2020</a:t>
             </a:fld>
             <a:endParaRPr lang="en-US"/>
           </a:p>
@@ -7360,7 +7641,7 @@
             <a:fld id="{B61BEF0D-F0BB-DE4B-95CE-6DB70DBA9567}" type="datetimeFigureOut">
               <a:rPr lang="en-US" dirty="0"/>
               <a:pPr/>
-              <a:t>2/22/2020</a:t>
+              <a:t>2/23/2020</a:t>
             </a:fld>
             <a:endParaRPr lang="en-US"/>
           </a:p>
@@ -7762,7 +8043,7 @@
             <a:fld id="{B61BEF0D-F0BB-DE4B-95CE-6DB70DBA9567}" type="datetimeFigureOut">
               <a:rPr lang="en-US" dirty="0"/>
               <a:pPr/>
-              <a:t>2/22/2020</a:t>
+              <a:t>2/23/2020</a:t>
             </a:fld>
             <a:endParaRPr lang="en-US"/>
           </a:p>
@@ -8099,7 +8380,7 @@
             <a:fld id="{B61BEF0D-F0BB-DE4B-95CE-6DB70DBA9567}" type="datetimeFigureOut">
               <a:rPr lang="en-US" dirty="0"/>
               <a:pPr/>
-              <a:t>2/22/2020</a:t>
+              <a:t>2/23/2020</a:t>
             </a:fld>
             <a:endParaRPr lang="en-US"/>
           </a:p>
@@ -8420,7 +8701,7 @@
             <a:fld id="{B61BEF0D-F0BB-DE4B-95CE-6DB70DBA9567}" type="datetimeFigureOut">
               <a:rPr lang="en-US" dirty="0"/>
               <a:pPr/>
-              <a:t>2/22/2020</a:t>
+              <a:t>2/23/2020</a:t>
             </a:fld>
             <a:endParaRPr lang="en-US"/>
           </a:p>
@@ -8817,7 +9098,7 @@
             <a:fld id="{B61BEF0D-F0BB-DE4B-95CE-6DB70DBA9567}" type="datetimeFigureOut">
               <a:rPr lang="en-US" dirty="0"/>
               <a:pPr/>
-              <a:t>2/22/2020</a:t>
+              <a:t>2/23/2020</a:t>
             </a:fld>
             <a:endParaRPr lang="en-US"/>
           </a:p>
@@ -9074,7 +9355,7 @@
             <a:fld id="{B61BEF0D-F0BB-DE4B-95CE-6DB70DBA9567}" type="datetimeFigureOut">
               <a:rPr lang="en-US" dirty="0"/>
               <a:pPr/>
-              <a:t>2/22/2020</a:t>
+              <a:t>2/23/2020</a:t>
             </a:fld>
             <a:endParaRPr lang="en-US"/>
           </a:p>
@@ -9336,7 +9617,7 @@
             <a:fld id="{B61BEF0D-F0BB-DE4B-95CE-6DB70DBA9567}" type="datetimeFigureOut">
               <a:rPr lang="en-US" dirty="0"/>
               <a:pPr/>
-              <a:t>2/22/2020</a:t>
+              <a:t>2/23/2020</a:t>
             </a:fld>
             <a:endParaRPr lang="en-US"/>
           </a:p>
@@ -9598,7 +9879,7 @@
             <a:fld id="{B61BEF0D-F0BB-DE4B-95CE-6DB70DBA9567}" type="datetimeFigureOut">
               <a:rPr lang="en-US" dirty="0"/>
               <a:pPr/>
-              <a:t>2/22/2020</a:t>
+              <a:t>2/23/2020</a:t>
             </a:fld>
             <a:endParaRPr lang="en-US"/>
           </a:p>
@@ -9928,7 +10209,7 @@
             <a:fld id="{B61BEF0D-F0BB-DE4B-95CE-6DB70DBA9567}" type="datetimeFigureOut">
               <a:rPr lang="en-US" dirty="0"/>
               <a:pPr/>
-              <a:t>2/22/2020</a:t>
+              <a:t>2/23/2020</a:t>
             </a:fld>
             <a:endParaRPr lang="en-US"/>
           </a:p>
@@ -10250,7 +10531,7 @@
             <a:fld id="{B61BEF0D-F0BB-DE4B-95CE-6DB70DBA9567}" type="datetimeFigureOut">
               <a:rPr lang="en-US" dirty="0"/>
               <a:pPr/>
-              <a:t>2/22/2020</a:t>
+              <a:t>2/23/2020</a:t>
             </a:fld>
             <a:endParaRPr lang="en-US"/>
           </a:p>
@@ -10706,7 +10987,7 @@
             <a:fld id="{B61BEF0D-F0BB-DE4B-95CE-6DB70DBA9567}" type="datetimeFigureOut">
               <a:rPr lang="en-US" dirty="0"/>
               <a:pPr/>
-              <a:t>2/22/2020</a:t>
+              <a:t>2/23/2020</a:t>
             </a:fld>
             <a:endParaRPr lang="en-US"/>
           </a:p>
@@ -10912,7 +11193,7 @@
             <a:fld id="{B61BEF0D-F0BB-DE4B-95CE-6DB70DBA9567}" type="datetimeFigureOut">
               <a:rPr lang="en-US" dirty="0"/>
               <a:pPr/>
-              <a:t>2/22/2020</a:t>
+              <a:t>2/23/2020</a:t>
             </a:fld>
             <a:endParaRPr lang="en-US"/>
           </a:p>
@@ -11091,7 +11372,7 @@
             <a:fld id="{B61BEF0D-F0BB-DE4B-95CE-6DB70DBA9567}" type="datetimeFigureOut">
               <a:rPr lang="en-US" dirty="0"/>
               <a:pPr/>
-              <a:t>2/22/2020</a:t>
+              <a:t>2/23/2020</a:t>
             </a:fld>
             <a:endParaRPr lang="en-US"/>
           </a:p>
@@ -11424,7 +11705,7 @@
             <a:fld id="{B61BEF0D-F0BB-DE4B-95CE-6DB70DBA9567}" type="datetimeFigureOut">
               <a:rPr lang="en-US" dirty="0"/>
               <a:pPr/>
-              <a:t>2/22/2020</a:t>
+              <a:t>2/23/2020</a:t>
             </a:fld>
             <a:endParaRPr lang="en-US"/>
           </a:p>
@@ -11766,7 +12047,7 @@
             <a:fld id="{B61BEF0D-F0BB-DE4B-95CE-6DB70DBA9567}" type="datetimeFigureOut">
               <a:rPr lang="en-US" dirty="0"/>
               <a:pPr/>
-              <a:t>2/22/2020</a:t>
+              <a:t>2/23/2020</a:t>
             </a:fld>
             <a:endParaRPr lang="en-US"/>
           </a:p>
@@ -13883,7 +14164,7 @@
             <a:fld id="{B61BEF0D-F0BB-DE4B-95CE-6DB70DBA9567}" type="datetimeFigureOut">
               <a:rPr lang="en-US" dirty="0"/>
               <a:pPr/>
-              <a:t>2/22/2020</a:t>
+              <a:t>2/23/2020</a:t>
             </a:fld>
             <a:endParaRPr lang="en-US"/>
           </a:p>
@@ -14452,73 +14733,73 @@
         </p:spPr>
         <p:txBody>
           <a:bodyPr vert="horz" lIns="91440" tIns="45720" rIns="91440" bIns="45720" rtlCol="0" anchor="t">
-            <a:normAutofit fontScale="62500" lnSpcReduction="20000"/>
+            <a:noAutofit/>
           </a:bodyPr>
           <a:lstStyle/>
           <a:p>
             <a:pPr algn="r"/>
             <a:r>
-              <a:rPr lang="en-US">
+              <a:rPr lang="en-US" sz="1400">
                 <a:cs typeface="Calibri" panose="020F0502020204030204"/>
               </a:rPr>
               <a:t>Group: Edward Ma 9</a:t>
             </a:r>
             <a:br>
-              <a:rPr lang="en-US">
+              <a:rPr lang="en-US" sz="1400">
                 <a:cs typeface="Calibri" panose="020F0502020204030204"/>
               </a:rPr>
             </a:br>
             <a:r>
-              <a:rPr lang="en-US">
+              <a:rPr lang="en-US" sz="1400">
                 <a:cs typeface="Calibri" panose="020F0502020204030204"/>
               </a:rPr>
               <a:t>Supervisor: Mr. Ma Siu </a:t>
             </a:r>
             <a:r>
-              <a:rPr lang="en-US" err="1">
+              <a:rPr lang="en-US" sz="1400" err="1">
                 <a:cs typeface="Calibri" panose="020F0502020204030204"/>
               </a:rPr>
               <a:t>Kwong</a:t>
             </a:r>
             <a:r>
-              <a:rPr lang="en-US">
+              <a:rPr lang="en-US" sz="1400">
                 <a:cs typeface="Calibri" panose="020F0502020204030204"/>
               </a:rPr>
               <a:t>,</a:t>
             </a:r>
             <a:r>
-              <a:rPr lang="en-US">
+              <a:rPr lang="en-US" sz="1400">
                 <a:ea typeface="+mn-lt"/>
                 <a:cs typeface="+mn-lt"/>
               </a:rPr>
               <a:t> Edward</a:t>
             </a:r>
             <a:br>
-              <a:rPr lang="en-US">
+              <a:rPr lang="en-US" sz="1400">
                 <a:cs typeface="Calibri" panose="020F0502020204030204"/>
               </a:rPr>
             </a:br>
             <a:r>
-              <a:rPr lang="en-US">
+              <a:rPr lang="en-US" sz="1400">
                 <a:cs typeface="Calibri" panose="020F0502020204030204"/>
               </a:rPr>
               <a:t>Co-Marker: Ms. Yuen Oi</a:t>
             </a:r>
             <a:r>
-              <a:rPr lang="en-US"/>
+              <a:rPr lang="en-US" sz="1400"/>
               <a:t> Sheung, Ada</a:t>
             </a:r>
           </a:p>
           <a:p>
             <a:pPr algn="r"/>
-            <a:endParaRPr lang="en-US">
+            <a:endParaRPr lang="en-US" sz="1400">
               <a:cs typeface="Calibri" panose="020F0502020204030204"/>
             </a:endParaRPr>
           </a:p>
           <a:p>
             <a:pPr algn="r"/>
             <a:r>
-              <a:rPr lang="en-US">
+              <a:rPr lang="en-US" sz="1400">
                 <a:cs typeface="Calibri" panose="020F0502020204030204"/>
               </a:rPr>
               <a:t>Students:</a:t>
@@ -14527,7 +14808,7 @@
           <a:p>
             <a:pPr algn="r"/>
             <a:r>
-              <a:rPr lang="en-US">
+              <a:rPr lang="en-US" sz="1400">
                 <a:cs typeface="Calibri" panose="020F0502020204030204"/>
               </a:rPr>
               <a:t>Wong Ming Yuen, Siu Chi Wang,</a:t>
@@ -14536,19 +14817,19 @@
           <a:p>
             <a:pPr algn="r"/>
             <a:r>
-              <a:rPr lang="en-US">
+              <a:rPr lang="en-US" sz="1400">
                 <a:cs typeface="Calibri" panose="020F0502020204030204"/>
               </a:rPr>
               <a:t>Kwok Tsz Lung, Chau </a:t>
             </a:r>
             <a:r>
-              <a:rPr lang="en-US" err="1">
+              <a:rPr lang="en-US" sz="1400" err="1">
                 <a:cs typeface="Calibri" panose="020F0502020204030204"/>
               </a:rPr>
               <a:t>Yat</a:t>
             </a:r>
             <a:r>
-              <a:rPr lang="en-US">
+              <a:rPr lang="en-US" sz="1400">
                 <a:cs typeface="Calibri" panose="020F0502020204030204"/>
               </a:rPr>
               <a:t> Sum</a:t>
@@ -14705,7 +14986,7 @@
                 <a:ea typeface="+mj-lt"/>
                 <a:cs typeface="+mj-lt"/>
               </a:rPr>
-              <a:t>Sequence Diagram of Android App</a:t>
+              <a:t>Sequence Diagram of Android App(Connect UAV)</a:t>
             </a:r>
             <a:endParaRPr lang="en-US"/>
           </a:p>
@@ -14713,10 +14994,10 @@
       </p:sp>
       <p:pic>
         <p:nvPicPr>
-          <p:cNvPr id="3" name="Picture 3" descr="A screenshot of a social media post&#10;&#10;Description generated with very high confidence">
+          <p:cNvPr id="10" name="Picture 10" descr="A screenshot of a social media post&#10;&#10;Description generated with very high confidence">
             <a:extLst>
               <a:ext uri="{FF2B5EF4-FFF2-40B4-BE49-F238E27FC236}">
-                <a16:creationId xmlns:a16="http://schemas.microsoft.com/office/drawing/2014/main" id="{B8CF3D75-5ACC-4B8D-BF56-9D655804BAFC}"/>
+                <a16:creationId xmlns:a16="http://schemas.microsoft.com/office/drawing/2014/main" id="{DBF7D89F-0DA9-49FE-A8A2-526530587B7E}"/>
               </a:ext>
             </a:extLst>
           </p:cNvPr>
@@ -14735,8 +15016,8 @@
         </p:blipFill>
         <p:spPr>
           <a:xfrm>
-            <a:off x="2713367" y="1321634"/>
-            <a:ext cx="8017519" cy="5376572"/>
+            <a:off x="2308483" y="1814623"/>
+            <a:ext cx="7093395" cy="5150994"/>
           </a:xfrm>
         </p:spPr>
       </p:pic>
@@ -14788,7 +15069,9 @@
         </p:nvSpPr>
         <p:spPr/>
         <p:txBody>
-          <a:bodyPr/>
+          <a:bodyPr>
+            <a:normAutofit/>
+          </a:bodyPr>
           <a:lstStyle/>
           <a:p>
             <a:r>
@@ -14798,35 +15081,48 @@
               </a:rPr>
               <a:t>Sequence Diagram of Windows App</a:t>
             </a:r>
-            <a:endParaRPr lang="en-US"/>
+            <a:br>
+              <a:rPr lang="en-US">
+                <a:ea typeface="+mj-lt"/>
+                <a:cs typeface="+mj-lt"/>
+              </a:rPr>
+            </a:br>
+            <a:r>
+              <a:rPr lang="en-US"/>
+              <a:t>(Build New Mission)</a:t>
+            </a:r>
           </a:p>
         </p:txBody>
       </p:sp>
-      <p:sp>
-        <p:nvSpPr>
-          <p:cNvPr id="3" name="Content Placeholder 2">
+      <p:pic>
+        <p:nvPicPr>
+          <p:cNvPr id="8" name="Picture 8" descr="A screenshot of a social media post&#10;&#10;Description generated with very high confidence">
             <a:extLst>
               <a:ext uri="{FF2B5EF4-FFF2-40B4-BE49-F238E27FC236}">
-                <a16:creationId xmlns:a16="http://schemas.microsoft.com/office/drawing/2014/main" id="{21B7DA92-081A-4D19-AA48-2F3CF574783A}"/>
+                <a16:creationId xmlns:a16="http://schemas.microsoft.com/office/drawing/2014/main" id="{9B567DDB-C01B-47E4-9FC5-97E64CB234A7}"/>
               </a:ext>
             </a:extLst>
           </p:cNvPr>
-          <p:cNvSpPr>
-            <a:spLocks noGrp="1"/>
-          </p:cNvSpPr>
+          <p:cNvPicPr>
+            <a:picLocks noGrp="1" noChangeAspect="1"/>
+          </p:cNvPicPr>
           <p:nvPr>
             <p:ph idx="1"/>
           </p:nvPr>
-        </p:nvSpPr>
-        <p:spPr/>
-        <p:txBody>
-          <a:bodyPr/>
-          <a:lstStyle/>
-          <a:p>
-            <a:endParaRPr lang="en-US"/>
-          </a:p>
-        </p:txBody>
-      </p:sp>
+        </p:nvPicPr>
+        <p:blipFill>
+          <a:blip r:embed="rId2"/>
+          <a:stretch>
+            <a:fillRect/>
+          </a:stretch>
+        </p:blipFill>
+        <p:spPr>
+          <a:xfrm>
+            <a:off x="2416126" y="1799064"/>
+            <a:ext cx="8741182" cy="4270134"/>
+          </a:xfrm>
+        </p:spPr>
+      </p:pic>
     </p:spTree>
     <p:extLst>
       <p:ext uri="{BB962C8B-B14F-4D97-AF65-F5344CB8AC3E}">
@@ -15183,19 +15479,27 @@
           <a:p>
             <a:r>
               <a:rPr lang="en-US"/>
-              <a:t>Battery capcity limitation</a:t>
+              <a:t>Battery capacity limitation</a:t>
             </a:r>
           </a:p>
           <a:p>
             <a:r>
               <a:rPr lang="en-US"/>
-              <a:t>Fire rish with LiPi battery</a:t>
-            </a:r>
-          </a:p>
-          <a:p>
+              <a:t>Fire risk with </a:t>
+            </a:r>
+            <a:r>
+              <a:rPr lang="en-US" err="1"/>
+              <a:t>LiPi</a:t>
+            </a:r>
             <a:r>
               <a:rPr lang="en-US"/>
-              <a:t>Weather problem</a:t>
+              <a:t> battery</a:t>
+            </a:r>
+          </a:p>
+          <a:p>
+            <a:r>
+              <a:rPr lang="en-US"/>
+              <a:t>Weather problem(e.g. strong wind)</a:t>
             </a:r>
           </a:p>
           <a:p>
@@ -15379,7 +15683,7 @@
             </a:pPr>
             <a:r>
               <a:rPr lang="en-US"/>
-              <a:t>Provide visualized climatic data</a:t>
+              <a:t>Collect visualized climatic data</a:t>
             </a:r>
           </a:p>
           <a:p>
@@ -15408,7 +15712,7 @@
         </p:nvSpPr>
         <p:spPr>
           <a:xfrm>
-            <a:off x="6797215" y="1548017"/>
+            <a:off x="7056007" y="1562394"/>
             <a:ext cx="4313237" cy="3778250"/>
           </a:xfrm>
         </p:spPr>
@@ -15472,6 +15776,27 @@
               <a:rPr lang="en-US"/>
               <a:t>Display details of UAV</a:t>
             </a:r>
+          </a:p>
+          <a:p>
+            <a:pPr lvl="1">
+              <a:buFont typeface="Wingdings" charset="2"/>
+              <a:buChar char="Ø"/>
+            </a:pPr>
+            <a:r>
+              <a:rPr lang="en-US" err="1"/>
+              <a:t>Analyse</a:t>
+            </a:r>
+            <a:r>
+              <a:rPr lang="en-US"/>
+              <a:t> climatic data</a:t>
+            </a:r>
+          </a:p>
+          <a:p>
+            <a:pPr lvl="1">
+              <a:buFont typeface="Wingdings" charset="2"/>
+              <a:buChar char="Ø"/>
+            </a:pPr>
+            <a:endParaRPr lang="en-US"/>
           </a:p>
         </p:txBody>
       </p:sp>
@@ -15636,7 +15961,7 @@
         <p:spPr/>
         <p:txBody>
           <a:bodyPr vert="horz" lIns="91440" tIns="45720" rIns="91440" bIns="45720" rtlCol="0" anchor="t">
-            <a:normAutofit fontScale="92500" lnSpcReduction="10000"/>
+            <a:normAutofit lnSpcReduction="10000"/>
           </a:bodyPr>
           <a:lstStyle/>
           <a:p>
@@ -15701,18 +16026,6 @@
                 <a:cs typeface="Calibri"/>
               </a:rPr>
               <a:t>High-level Analysis</a:t>
-            </a:r>
-          </a:p>
-          <a:p>
-            <a:pPr lvl="1">
-              <a:buFont typeface="Wingdings" panose="020B0604020202020204" pitchFamily="34" charset="0"/>
-              <a:buChar char="Ø"/>
-            </a:pPr>
-            <a:r>
-              <a:rPr lang="en-US">
-                <a:cs typeface="Calibri"/>
-              </a:rPr>
-              <a:t>ERD Design</a:t>
             </a:r>
           </a:p>
           <a:p>
@@ -16474,6 +16787,23 @@
             </a:r>
           </a:p>
           <a:p>
+            <a:pPr lvl="1">
+              <a:buFont typeface="Wingdings" charset="2"/>
+              <a:buChar char="Ø"/>
+            </a:pPr>
+            <a:r>
+              <a:rPr lang="en-GB">
+                <a:ea typeface="新細明體"/>
+                <a:cs typeface="Calibri"/>
+              </a:rPr>
+              <a:t>Generate graphs instantly when climatic data is received</a:t>
+            </a:r>
+            <a:endParaRPr lang="en-GB" altLang="zh-HK">
+              <a:ea typeface="新細明體"/>
+              <a:cs typeface="Calibri"/>
+            </a:endParaRPr>
+          </a:p>
+          <a:p>
             <a:endParaRPr lang="en-GB" altLang="zh-HK">
               <a:ea typeface="新細明體"/>
               <a:cs typeface="Calibri"/>
@@ -16589,6 +16919,81 @@
               </a:rPr>
               <a:t>Provide visualized climatic data to user</a:t>
             </a:r>
+          </a:p>
+          <a:p>
+            <a:pPr lvl="2">
+              <a:buFont typeface="Wingdings" charset="2"/>
+              <a:buChar char="§"/>
+            </a:pPr>
+            <a:r>
+              <a:rPr lang="en-GB" altLang="zh-HK">
+                <a:ea typeface="新細明體"/>
+                <a:cs typeface="Calibri"/>
+              </a:rPr>
+              <a:t>Temperature</a:t>
+            </a:r>
+          </a:p>
+          <a:p>
+            <a:pPr lvl="2">
+              <a:buFont typeface="Wingdings" charset="2"/>
+              <a:buChar char="§"/>
+            </a:pPr>
+            <a:r>
+              <a:rPr lang="en-GB" altLang="zh-HK">
+                <a:ea typeface="新細明體"/>
+                <a:cs typeface="Calibri"/>
+              </a:rPr>
+              <a:t>Humidity</a:t>
+            </a:r>
+          </a:p>
+          <a:p>
+            <a:pPr lvl="2">
+              <a:buFont typeface="Wingdings" charset="2"/>
+              <a:buChar char="§"/>
+            </a:pPr>
+            <a:r>
+              <a:rPr lang="en-GB" altLang="zh-HK">
+                <a:ea typeface="新細明體"/>
+                <a:cs typeface="Calibri"/>
+              </a:rPr>
+              <a:t>UV Level</a:t>
+            </a:r>
+          </a:p>
+          <a:p>
+            <a:pPr lvl="2">
+              <a:buFont typeface="Wingdings" charset="2"/>
+              <a:buChar char="§"/>
+            </a:pPr>
+            <a:r>
+              <a:rPr lang="en-GB" altLang="zh-HK">
+                <a:ea typeface="新細明體"/>
+                <a:cs typeface="Calibri"/>
+              </a:rPr>
+              <a:t>PM2.5</a:t>
+            </a:r>
+          </a:p>
+          <a:p>
+            <a:pPr lvl="1">
+              <a:buFont typeface="Wingdings" charset="2"/>
+              <a:buChar char="Ø"/>
+            </a:pPr>
+            <a:r>
+              <a:rPr lang="en-GB" altLang="zh-HK">
+                <a:ea typeface="新細明體"/>
+                <a:cs typeface="Calibri"/>
+              </a:rPr>
+              <a:t>Allow  live stream</a:t>
+            </a:r>
+          </a:p>
+          <a:p>
+            <a:pPr lvl="1">
+              <a:buFont typeface="Wingdings" charset="2"/>
+              <a:buChar char="Ø"/>
+            </a:pPr>
+            <a:endParaRPr lang="en-GB" altLang="zh-HK">
+              <a:ea typeface="新細明體"/>
+              <a:cs typeface="Calibri"/>
+            </a:endParaRPr>
           </a:p>
           <a:p>
             <a:endParaRPr lang="en-GB" altLang="zh-HK">

--- a/FYP_document/Interim Report/Interim Report.pptx
+++ b/FYP_document/Interim Report/Interim Report.pptx
@@ -4,6 +4,9 @@
   <p:sldMasterIdLst>
     <p:sldMasterId id="2147483948" r:id="rId1"/>
   </p:sldMasterIdLst>
+  <p:notesMasterIdLst>
+    <p:notesMasterId r:id="rId20"/>
+  </p:notesMasterIdLst>
   <p:sldIdLst>
     <p:sldId id="256" r:id="rId2"/>
     <p:sldId id="257" r:id="rId3"/>
@@ -25,7 +28,7 @@
     <p:sldId id="271" r:id="rId19"/>
   </p:sldIdLst>
   <p:sldSz cx="12192000" cy="6858000"/>
-  <p:notesSz cx="6858000" cy="9144000"/>
+  <p:notesSz cx="6858000" cy="1257300"/>
   <p:defaultTextStyle>
     <a:defPPr>
       <a:defRPr lang="en-US"/>
@@ -134,6 +137,7 @@
   <p1510:revLst>
     <p1510:client id="{048C8B57-77B8-193A-7FED-AA2CFEB14ED9}" v="3" dt="2020-02-22T11:59:04.830"/>
     <p1510:client id="{12E9A837-DF2E-E899-09D3-381A822EBB6E}" v="136" dt="2020-02-22T16:47:15.802"/>
+    <p1510:client id="{17033B73-FA6F-0479-06A1-F5A340AABF69}" v="1" dt="2020-02-23T11:41:09.719"/>
     <p1510:client id="{1D60F694-825F-D07D-6ECF-6456D21248F5}" v="19" dt="2020-02-22T18:21:54.993"/>
     <p1510:client id="{2C9BF2D5-6323-075C-A267-D51EC8CEC271}" v="137" dt="2020-02-22T14:31:00.205"/>
     <p1510:client id="{5866856D-0A07-7F73-703A-A33D8480A58B}" v="1" dt="2020-02-23T04:08:12.055"/>
@@ -144,6 +148,7 @@
     <p1510:client id="{BFE9D067-DBCD-F42F-AC47-DB631C480AC4}" v="1349" dt="2020-02-22T23:48:19.875"/>
     <p1510:client id="{C54D8A74-95EE-4D38-7DB4-567CF6F97BA9}" v="29" dt="2020-02-23T09:06:24.077"/>
     <p1510:client id="{CD075F75-8064-DE1E-6FDD-712C3EED206D}" v="1" dt="2020-02-22T17:04:15.361"/>
+    <p1510:client id="{DE24C8CA-2725-18C5-3130-BA89F31D1C6A}" v="23" dt="2020-02-23T16:07:27.161"/>
     <p1510:client id="{DEADE30B-3570-FE0F-B6AB-FAE7FA0773B8}" v="1" dt="2020-02-21T08:26:53.101"/>
     <p1510:client id="{E9C18157-7F45-F7F3-5644-2550DE6E3E70}" v="59" dt="2020-02-22T15:25:17.197"/>
     <p1510:client id="{ECC2BD31-6E43-2DFD-F176-4B62260E8709}" v="258" dt="2020-02-23T10:04:07.462"/>
@@ -3330,6 +3335,29 @@
     </pc:docChg>
   </pc:docChgLst>
   <pc:docChgLst>
+    <pc:chgData name="KWOK Tsz Lung" userId="S::180047074@stu.vtc.edu.hk::457495bb-c13f-4d39-bbb9-90b2a66fb625" providerId="AD" clId="Web-{17033B73-FA6F-0479-06A1-F5A340AABF69}"/>
+    <pc:docChg chg="modSld">
+      <pc:chgData name="KWOK Tsz Lung" userId="S::180047074@stu.vtc.edu.hk::457495bb-c13f-4d39-bbb9-90b2a66fb625" providerId="AD" clId="Web-{17033B73-FA6F-0479-06A1-F5A340AABF69}" dt="2020-02-23T11:41:26.672" v="80"/>
+      <pc:docMkLst>
+        <pc:docMk/>
+      </pc:docMkLst>
+      <pc:sldChg chg="modNotes">
+        <pc:chgData name="KWOK Tsz Lung" userId="S::180047074@stu.vtc.edu.hk::457495bb-c13f-4d39-bbb9-90b2a66fb625" providerId="AD" clId="Web-{17033B73-FA6F-0479-06A1-F5A340AABF69}" dt="2020-02-23T11:41:03.500" v="76"/>
+        <pc:sldMkLst>
+          <pc:docMk/>
+          <pc:sldMk cId="3983881084" sldId="257"/>
+        </pc:sldMkLst>
+      </pc:sldChg>
+      <pc:sldChg chg="modNotes">
+        <pc:chgData name="KWOK Tsz Lung" userId="S::180047074@stu.vtc.edu.hk::457495bb-c13f-4d39-bbb9-90b2a66fb625" providerId="AD" clId="Web-{17033B73-FA6F-0479-06A1-F5A340AABF69}" dt="2020-02-23T11:41:26.672" v="80"/>
+        <pc:sldMkLst>
+          <pc:docMk/>
+          <pc:sldMk cId="913692420" sldId="258"/>
+        </pc:sldMkLst>
+      </pc:sldChg>
+    </pc:docChg>
+  </pc:docChgLst>
+  <pc:docChgLst>
     <pc:chgData name="KWOK Tsz Lung" userId="S::180047074@stu.vtc.edu.hk::457495bb-c13f-4d39-bbb9-90b2a66fb625" providerId="AD" clId="Web-{048C8B57-77B8-193A-7FED-AA2CFEB14ED9}"/>
     <pc:docChg chg="modSld">
       <pc:chgData name="KWOK Tsz Lung" userId="S::180047074@stu.vtc.edu.hk::457495bb-c13f-4d39-bbb9-90b2a66fb625" providerId="AD" clId="Web-{048C8B57-77B8-193A-7FED-AA2CFEB14ED9}" dt="2020-02-22T11:59:04.830" v="2" actId="14100"/>
@@ -3350,85 +3378,6 @@
             <ac:spMk id="3" creationId="{00000000-0000-0000-0000-000000000000}"/>
           </ac:spMkLst>
         </pc:spChg>
-      </pc:sldChg>
-    </pc:docChg>
-  </pc:docChgLst>
-  <pc:docChgLst>
-    <pc:chgData name="KWOK Tsz Lung" userId="S::180047074@stu.vtc.edu.hk::457495bb-c13f-4d39-bbb9-90b2a66fb625" providerId="AD" clId="Web-{1D60F694-825F-D07D-6ECF-6456D21248F5}"/>
-    <pc:docChg chg="modSld">
-      <pc:chgData name="KWOK Tsz Lung" userId="S::180047074@stu.vtc.edu.hk::457495bb-c13f-4d39-bbb9-90b2a66fb625" providerId="AD" clId="Web-{1D60F694-825F-D07D-6ECF-6456D21248F5}" dt="2020-02-22T18:21:54.993" v="13" actId="1076"/>
-      <pc:docMkLst>
-        <pc:docMk/>
-      </pc:docMkLst>
-      <pc:sldChg chg="addSp delSp modSp">
-        <pc:chgData name="KWOK Tsz Lung" userId="S::180047074@stu.vtc.edu.hk::457495bb-c13f-4d39-bbb9-90b2a66fb625" providerId="AD" clId="Web-{1D60F694-825F-D07D-6ECF-6456D21248F5}" dt="2020-02-22T18:21:54.993" v="13" actId="1076"/>
-        <pc:sldMkLst>
-          <pc:docMk/>
-          <pc:sldMk cId="3204674514" sldId="267"/>
-        </pc:sldMkLst>
-        <pc:spChg chg="del">
-          <ac:chgData name="KWOK Tsz Lung" userId="S::180047074@stu.vtc.edu.hk::457495bb-c13f-4d39-bbb9-90b2a66fb625" providerId="AD" clId="Web-{1D60F694-825F-D07D-6ECF-6456D21248F5}" dt="2020-02-22T18:21:49.290" v="10"/>
-          <ac:spMkLst>
-            <pc:docMk/>
-            <pc:sldMk cId="3204674514" sldId="267"/>
-            <ac:spMk id="3" creationId="{41364E54-A6F6-4EE4-9615-7FFF7536040D}"/>
-          </ac:spMkLst>
-        </pc:spChg>
-        <pc:picChg chg="add mod ord">
-          <ac:chgData name="KWOK Tsz Lung" userId="S::180047074@stu.vtc.edu.hk::457495bb-c13f-4d39-bbb9-90b2a66fb625" providerId="AD" clId="Web-{1D60F694-825F-D07D-6ECF-6456D21248F5}" dt="2020-02-22T18:21:54.993" v="13" actId="1076"/>
-          <ac:picMkLst>
-            <pc:docMk/>
-            <pc:sldMk cId="3204674514" sldId="267"/>
-            <ac:picMk id="4" creationId="{1A55DB66-FA2A-4391-82E0-ABD4BB03A745}"/>
-          </ac:picMkLst>
-        </pc:picChg>
-      </pc:sldChg>
-      <pc:sldChg chg="addSp delSp modSp">
-        <pc:chgData name="KWOK Tsz Lung" userId="S::180047074@stu.vtc.edu.hk::457495bb-c13f-4d39-bbb9-90b2a66fb625" providerId="AD" clId="Web-{1D60F694-825F-D07D-6ECF-6456D21248F5}" dt="2020-02-22T18:18:36.491" v="9" actId="14100"/>
-        <pc:sldMkLst>
-          <pc:docMk/>
-          <pc:sldMk cId="4208421050" sldId="268"/>
-        </pc:sldMkLst>
-        <pc:spChg chg="add del">
-          <ac:chgData name="KWOK Tsz Lung" userId="S::180047074@stu.vtc.edu.hk::457495bb-c13f-4d39-bbb9-90b2a66fb625" providerId="AD" clId="Web-{1D60F694-825F-D07D-6ECF-6456D21248F5}" dt="2020-02-22T18:11:43.791" v="2"/>
-          <ac:spMkLst>
-            <pc:docMk/>
-            <pc:sldMk cId="4208421050" sldId="268"/>
-            <ac:spMk id="3" creationId="{4797273B-FCFE-451B-ACEA-EF46790FD108}"/>
-          </ac:spMkLst>
-        </pc:spChg>
-        <pc:spChg chg="add del mod">
-          <ac:chgData name="KWOK Tsz Lung" userId="S::180047074@stu.vtc.edu.hk::457495bb-c13f-4d39-bbb9-90b2a66fb625" providerId="AD" clId="Web-{1D60F694-825F-D07D-6ECF-6456D21248F5}" dt="2020-02-22T18:18:28.178" v="6"/>
-          <ac:spMkLst>
-            <pc:docMk/>
-            <pc:sldMk cId="4208421050" sldId="268"/>
-            <ac:spMk id="9" creationId="{801061FB-533C-49E3-B8CE-7D78E69DD0F3}"/>
-          </ac:spMkLst>
-        </pc:spChg>
-        <pc:picChg chg="add del mod ord">
-          <ac:chgData name="KWOK Tsz Lung" userId="S::180047074@stu.vtc.edu.hk::457495bb-c13f-4d39-bbb9-90b2a66fb625" providerId="AD" clId="Web-{1D60F694-825F-D07D-6ECF-6456D21248F5}" dt="2020-02-22T18:11:23.400" v="1"/>
-          <ac:picMkLst>
-            <pc:docMk/>
-            <pc:sldMk cId="4208421050" sldId="268"/>
-            <ac:picMk id="4" creationId="{32753785-1FCA-4F91-A41A-574A65F00AD6}"/>
-          </ac:picMkLst>
-        </pc:picChg>
-        <pc:picChg chg="add del mod ord">
-          <ac:chgData name="KWOK Tsz Lung" userId="S::180047074@stu.vtc.edu.hk::457495bb-c13f-4d39-bbb9-90b2a66fb625" providerId="AD" clId="Web-{1D60F694-825F-D07D-6ECF-6456D21248F5}" dt="2020-02-22T18:12:01.525" v="5"/>
-          <ac:picMkLst>
-            <pc:docMk/>
-            <pc:sldMk cId="4208421050" sldId="268"/>
-            <ac:picMk id="6" creationId="{DEBCD3FD-803D-46A7-BA04-FB5A89D9FCC2}"/>
-          </ac:picMkLst>
-        </pc:picChg>
-        <pc:picChg chg="add mod ord">
-          <ac:chgData name="KWOK Tsz Lung" userId="S::180047074@stu.vtc.edu.hk::457495bb-c13f-4d39-bbb9-90b2a66fb625" providerId="AD" clId="Web-{1D60F694-825F-D07D-6ECF-6456D21248F5}" dt="2020-02-22T18:18:36.491" v="9" actId="14100"/>
-          <ac:picMkLst>
-            <pc:docMk/>
-            <pc:sldMk cId="4208421050" sldId="268"/>
-            <ac:picMk id="10" creationId="{818D1E36-C446-4743-8042-CF9A3187F640}"/>
-          </ac:picMkLst>
-        </pc:picChg>
       </pc:sldChg>
     </pc:docChg>
   </pc:docChgLst>
@@ -3610,6 +3559,85 @@
     </pc:docChg>
   </pc:docChgLst>
   <pc:docChgLst>
+    <pc:chgData name="KWOK Tsz Lung" userId="S::180047074@stu.vtc.edu.hk::457495bb-c13f-4d39-bbb9-90b2a66fb625" providerId="AD" clId="Web-{1D60F694-825F-D07D-6ECF-6456D21248F5}"/>
+    <pc:docChg chg="modSld">
+      <pc:chgData name="KWOK Tsz Lung" userId="S::180047074@stu.vtc.edu.hk::457495bb-c13f-4d39-bbb9-90b2a66fb625" providerId="AD" clId="Web-{1D60F694-825F-D07D-6ECF-6456D21248F5}" dt="2020-02-22T18:21:54.993" v="13" actId="1076"/>
+      <pc:docMkLst>
+        <pc:docMk/>
+      </pc:docMkLst>
+      <pc:sldChg chg="addSp delSp modSp">
+        <pc:chgData name="KWOK Tsz Lung" userId="S::180047074@stu.vtc.edu.hk::457495bb-c13f-4d39-bbb9-90b2a66fb625" providerId="AD" clId="Web-{1D60F694-825F-D07D-6ECF-6456D21248F5}" dt="2020-02-22T18:21:54.993" v="13" actId="1076"/>
+        <pc:sldMkLst>
+          <pc:docMk/>
+          <pc:sldMk cId="3204674514" sldId="267"/>
+        </pc:sldMkLst>
+        <pc:spChg chg="del">
+          <ac:chgData name="KWOK Tsz Lung" userId="S::180047074@stu.vtc.edu.hk::457495bb-c13f-4d39-bbb9-90b2a66fb625" providerId="AD" clId="Web-{1D60F694-825F-D07D-6ECF-6456D21248F5}" dt="2020-02-22T18:21:49.290" v="10"/>
+          <ac:spMkLst>
+            <pc:docMk/>
+            <pc:sldMk cId="3204674514" sldId="267"/>
+            <ac:spMk id="3" creationId="{41364E54-A6F6-4EE4-9615-7FFF7536040D}"/>
+          </ac:spMkLst>
+        </pc:spChg>
+        <pc:picChg chg="add mod ord">
+          <ac:chgData name="KWOK Tsz Lung" userId="S::180047074@stu.vtc.edu.hk::457495bb-c13f-4d39-bbb9-90b2a66fb625" providerId="AD" clId="Web-{1D60F694-825F-D07D-6ECF-6456D21248F5}" dt="2020-02-22T18:21:54.993" v="13" actId="1076"/>
+          <ac:picMkLst>
+            <pc:docMk/>
+            <pc:sldMk cId="3204674514" sldId="267"/>
+            <ac:picMk id="4" creationId="{1A55DB66-FA2A-4391-82E0-ABD4BB03A745}"/>
+          </ac:picMkLst>
+        </pc:picChg>
+      </pc:sldChg>
+      <pc:sldChg chg="addSp delSp modSp">
+        <pc:chgData name="KWOK Tsz Lung" userId="S::180047074@stu.vtc.edu.hk::457495bb-c13f-4d39-bbb9-90b2a66fb625" providerId="AD" clId="Web-{1D60F694-825F-D07D-6ECF-6456D21248F5}" dt="2020-02-22T18:18:36.491" v="9" actId="14100"/>
+        <pc:sldMkLst>
+          <pc:docMk/>
+          <pc:sldMk cId="4208421050" sldId="268"/>
+        </pc:sldMkLst>
+        <pc:spChg chg="add del">
+          <ac:chgData name="KWOK Tsz Lung" userId="S::180047074@stu.vtc.edu.hk::457495bb-c13f-4d39-bbb9-90b2a66fb625" providerId="AD" clId="Web-{1D60F694-825F-D07D-6ECF-6456D21248F5}" dt="2020-02-22T18:11:43.791" v="2"/>
+          <ac:spMkLst>
+            <pc:docMk/>
+            <pc:sldMk cId="4208421050" sldId="268"/>
+            <ac:spMk id="3" creationId="{4797273B-FCFE-451B-ACEA-EF46790FD108}"/>
+          </ac:spMkLst>
+        </pc:spChg>
+        <pc:spChg chg="add del mod">
+          <ac:chgData name="KWOK Tsz Lung" userId="S::180047074@stu.vtc.edu.hk::457495bb-c13f-4d39-bbb9-90b2a66fb625" providerId="AD" clId="Web-{1D60F694-825F-D07D-6ECF-6456D21248F5}" dt="2020-02-22T18:18:28.178" v="6"/>
+          <ac:spMkLst>
+            <pc:docMk/>
+            <pc:sldMk cId="4208421050" sldId="268"/>
+            <ac:spMk id="9" creationId="{801061FB-533C-49E3-B8CE-7D78E69DD0F3}"/>
+          </ac:spMkLst>
+        </pc:spChg>
+        <pc:picChg chg="add del mod ord">
+          <ac:chgData name="KWOK Tsz Lung" userId="S::180047074@stu.vtc.edu.hk::457495bb-c13f-4d39-bbb9-90b2a66fb625" providerId="AD" clId="Web-{1D60F694-825F-D07D-6ECF-6456D21248F5}" dt="2020-02-22T18:11:23.400" v="1"/>
+          <ac:picMkLst>
+            <pc:docMk/>
+            <pc:sldMk cId="4208421050" sldId="268"/>
+            <ac:picMk id="4" creationId="{32753785-1FCA-4F91-A41A-574A65F00AD6}"/>
+          </ac:picMkLst>
+        </pc:picChg>
+        <pc:picChg chg="add del mod ord">
+          <ac:chgData name="KWOK Tsz Lung" userId="S::180047074@stu.vtc.edu.hk::457495bb-c13f-4d39-bbb9-90b2a66fb625" providerId="AD" clId="Web-{1D60F694-825F-D07D-6ECF-6456D21248F5}" dt="2020-02-22T18:12:01.525" v="5"/>
+          <ac:picMkLst>
+            <pc:docMk/>
+            <pc:sldMk cId="4208421050" sldId="268"/>
+            <ac:picMk id="6" creationId="{DEBCD3FD-803D-46A7-BA04-FB5A89D9FCC2}"/>
+          </ac:picMkLst>
+        </pc:picChg>
+        <pc:picChg chg="add mod ord">
+          <ac:chgData name="KWOK Tsz Lung" userId="S::180047074@stu.vtc.edu.hk::457495bb-c13f-4d39-bbb9-90b2a66fb625" providerId="AD" clId="Web-{1D60F694-825F-D07D-6ECF-6456D21248F5}" dt="2020-02-22T18:18:36.491" v="9" actId="14100"/>
+          <ac:picMkLst>
+            <pc:docMk/>
+            <pc:sldMk cId="4208421050" sldId="268"/>
+            <ac:picMk id="10" creationId="{818D1E36-C446-4743-8042-CF9A3187F640}"/>
+          </ac:picMkLst>
+        </pc:picChg>
+      </pc:sldChg>
+    </pc:docChg>
+  </pc:docChgLst>
+  <pc:docChgLst>
     <pc:chgData name="CHAU Yat Sum" userId="S::180478187@stu.vtc.edu.hk::157e0e2c-6a07-405c-9850-bdce9f73c55b" providerId="AD" clId="Web-{8720861B-4EE3-78C0-6B5C-951DD5213E42}"/>
     <pc:docChg chg="modSld">
       <pc:chgData name="CHAU Yat Sum" userId="S::180478187@stu.vtc.edu.hk::157e0e2c-6a07-405c-9850-bdce9f73c55b" providerId="AD" clId="Web-{8720861B-4EE3-78C0-6B5C-951DD5213E42}" dt="2020-02-23T09:57:29.812" v="212" actId="20577"/>
@@ -4477,6 +4505,73 @@
           </pc:sldLayoutMkLst>
         </pc:sldLayoutChg>
       </pc:sldMasterChg>
+    </pc:docChg>
+  </pc:docChgLst>
+  <pc:docChgLst>
+    <pc:chgData name="KWOK Tsz Lung" userId="S::180047074@stu.vtc.edu.hk::457495bb-c13f-4d39-bbb9-90b2a66fb625" providerId="AD" clId="Web-{DE24C8CA-2725-18C5-3130-BA89F31D1C6A}"/>
+    <pc:docChg chg="modSld">
+      <pc:chgData name="KWOK Tsz Lung" userId="S::180047074@stu.vtc.edu.hk::457495bb-c13f-4d39-bbb9-90b2a66fb625" providerId="AD" clId="Web-{DE24C8CA-2725-18C5-3130-BA89F31D1C6A}" dt="2020-02-23T16:07:49.131" v="536"/>
+      <pc:docMkLst>
+        <pc:docMk/>
+      </pc:docMkLst>
+      <pc:sldChg chg="modNotes">
+        <pc:chgData name="KWOK Tsz Lung" userId="S::180047074@stu.vtc.edu.hk::457495bb-c13f-4d39-bbb9-90b2a66fb625" providerId="AD" clId="Web-{DE24C8CA-2725-18C5-3130-BA89F31D1C6A}" dt="2020-02-23T13:26:19.044" v="137"/>
+        <pc:sldMkLst>
+          <pc:docMk/>
+          <pc:sldMk cId="2013425938" sldId="260"/>
+        </pc:sldMkLst>
+      </pc:sldChg>
+      <pc:sldChg chg="modSp modNotes">
+        <pc:chgData name="KWOK Tsz Lung" userId="S::180047074@stu.vtc.edu.hk::457495bb-c13f-4d39-bbb9-90b2a66fb625" providerId="AD" clId="Web-{DE24C8CA-2725-18C5-3130-BA89F31D1C6A}" dt="2020-02-23T16:07:49.131" v="536"/>
+        <pc:sldMkLst>
+          <pc:docMk/>
+          <pc:sldMk cId="104765769" sldId="261"/>
+        </pc:sldMkLst>
+        <pc:spChg chg="mod">
+          <ac:chgData name="KWOK Tsz Lung" userId="S::180047074@stu.vtc.edu.hk::457495bb-c13f-4d39-bbb9-90b2a66fb625" providerId="AD" clId="Web-{DE24C8CA-2725-18C5-3130-BA89F31D1C6A}" dt="2020-02-23T13:23:18.901" v="49" actId="20577"/>
+          <ac:spMkLst>
+            <pc:docMk/>
+            <pc:sldMk cId="104765769" sldId="261"/>
+            <ac:spMk id="3" creationId="{40C7AF24-B9EB-6941-82C7-5C6A4F6688FD}"/>
+          </ac:spMkLst>
+        </pc:spChg>
+      </pc:sldChg>
+      <pc:sldChg chg="modNotes">
+        <pc:chgData name="KWOK Tsz Lung" userId="S::180047074@stu.vtc.edu.hk::457495bb-c13f-4d39-bbb9-90b2a66fb625" providerId="AD" clId="Web-{DE24C8CA-2725-18C5-3130-BA89F31D1C6A}" dt="2020-02-23T14:05:47.555" v="218"/>
+        <pc:sldMkLst>
+          <pc:docMk/>
+          <pc:sldMk cId="4208421050" sldId="268"/>
+        </pc:sldMkLst>
+      </pc:sldChg>
+      <pc:sldChg chg="modSp modNotes">
+        <pc:chgData name="KWOK Tsz Lung" userId="S::180047074@stu.vtc.edu.hk::457495bb-c13f-4d39-bbb9-90b2a66fb625" providerId="AD" clId="Web-{DE24C8CA-2725-18C5-3130-BA89F31D1C6A}" dt="2020-02-23T15:42:41.092" v="519"/>
+        <pc:sldMkLst>
+          <pc:docMk/>
+          <pc:sldMk cId="2711683697" sldId="269"/>
+        </pc:sldMkLst>
+        <pc:spChg chg="mod">
+          <ac:chgData name="KWOK Tsz Lung" userId="S::180047074@stu.vtc.edu.hk::457495bb-c13f-4d39-bbb9-90b2a66fb625" providerId="AD" clId="Web-{DE24C8CA-2725-18C5-3130-BA89F31D1C6A}" dt="2020-02-23T15:03:13.602" v="294" actId="20577"/>
+          <ac:spMkLst>
+            <pc:docMk/>
+            <pc:sldMk cId="2711683697" sldId="269"/>
+            <ac:spMk id="3" creationId="{33290544-599E-4823-9DD4-3353E72CF852}"/>
+          </ac:spMkLst>
+        </pc:spChg>
+      </pc:sldChg>
+      <pc:sldChg chg="modNotes">
+        <pc:chgData name="KWOK Tsz Lung" userId="S::180047074@stu.vtc.edu.hk::457495bb-c13f-4d39-bbb9-90b2a66fb625" providerId="AD" clId="Web-{DE24C8CA-2725-18C5-3130-BA89F31D1C6A}" dt="2020-02-23T14:02:06.817" v="188"/>
+        <pc:sldMkLst>
+          <pc:docMk/>
+          <pc:sldMk cId="116031176" sldId="272"/>
+        </pc:sldMkLst>
+      </pc:sldChg>
+      <pc:sldChg chg="modNotes">
+        <pc:chgData name="KWOK Tsz Lung" userId="S::180047074@stu.vtc.edu.hk::457495bb-c13f-4d39-bbb9-90b2a66fb625" providerId="AD" clId="Web-{DE24C8CA-2725-18C5-3130-BA89F31D1C6A}" dt="2020-02-23T14:02:41.224" v="209"/>
+        <pc:sldMkLst>
+          <pc:docMk/>
+          <pc:sldMk cId="1803314747" sldId="273"/>
+        </pc:sldMkLst>
+      </pc:sldChg>
     </pc:docChg>
   </pc:docChgLst>
   <pc:docChgLst>
@@ -5450,7 +5545,7 @@
   <dgm:whole/>
   <dgm:extLst>
     <a:ext uri="http://schemas.microsoft.com/office/drawing/2008/diagram">
-      <dsp:dataModelExt xmlns:dsp="http://schemas.microsoft.com/office/drawing/2008/diagram" relId="rId6" minVer="http://schemas.openxmlformats.org/drawingml/2006/diagram"/>
+      <dsp:dataModelExt xmlns:dsp="http://schemas.microsoft.com/office/drawing/2008/diagram" relId="rId7" minVer="http://schemas.openxmlformats.org/drawingml/2006/diagram"/>
     </a:ext>
   </dgm:extLst>
 </dgm:dataModel>
@@ -5513,12 +5608,12 @@
         </a:fontRef>
       </dsp:style>
       <dsp:txBody>
-        <a:bodyPr spcFirstLastPara="0" vert="horz" wrap="square" lIns="39370" tIns="39370" rIns="39370" bIns="39370" numCol="1" spcCol="1270" anchor="ctr" anchorCtr="0">
+        <a:bodyPr spcFirstLastPara="0" vert="horz" wrap="square" lIns="33020" tIns="33020" rIns="33020" bIns="33020" numCol="1" spcCol="1270" anchor="ctr" anchorCtr="0">
           <a:noAutofit/>
         </a:bodyPr>
         <a:lstStyle/>
         <a:p>
-          <a:pPr marL="0" lvl="0" indent="0" algn="ctr" defTabSz="1377950">
+          <a:pPr marL="0" lvl="0" indent="0" algn="ctr" defTabSz="1155700">
             <a:lnSpc>
               <a:spcPct val="90000"/>
             </a:lnSpc>
@@ -5531,10 +5626,10 @@
             <a:buNone/>
           </a:pPr>
           <a:r>
-            <a:rPr lang="en-US" altLang="zh-TW" sz="3100" kern="1200"/>
+            <a:rPr lang="en-US" altLang="zh-TW" sz="2600" kern="1200"/>
             <a:t>UAV</a:t>
           </a:r>
-          <a:endParaRPr lang="zh-TW" altLang="en-US" sz="3100" kern="1200"/>
+          <a:endParaRPr lang="zh-TW" altLang="en-US" sz="2600" kern="1200"/>
         </a:p>
       </dsp:txBody>
       <dsp:txXfrm>
@@ -5592,7 +5687,7 @@
         </a:bodyPr>
         <a:lstStyle/>
         <a:p>
-          <a:pPr marL="0" lvl="0" indent="0" algn="ctr" defTabSz="533400">
+          <a:pPr marL="0" lvl="0" indent="0" algn="ctr" defTabSz="444500">
             <a:lnSpc>
               <a:spcPct val="90000"/>
             </a:lnSpc>
@@ -5604,7 +5699,7 @@
             </a:spcAft>
             <a:buNone/>
           </a:pPr>
-          <a:endParaRPr lang="zh-TW" altLang="en-US" sz="1200" kern="1200"/>
+          <a:endParaRPr lang="zh-TW" altLang="en-US" sz="1000" kern="1200"/>
         </a:p>
       </dsp:txBody>
       <dsp:txXfrm>
@@ -5661,12 +5756,12 @@
         </a:fontRef>
       </dsp:style>
       <dsp:txBody>
-        <a:bodyPr spcFirstLastPara="0" vert="horz" wrap="square" lIns="15240" tIns="15240" rIns="15240" bIns="15240" numCol="1" spcCol="1270" anchor="ctr" anchorCtr="0">
+        <a:bodyPr spcFirstLastPara="0" vert="horz" wrap="square" lIns="12700" tIns="12700" rIns="12700" bIns="12700" numCol="1" spcCol="1270" anchor="ctr" anchorCtr="0">
           <a:noAutofit/>
         </a:bodyPr>
         <a:lstStyle/>
         <a:p>
-          <a:pPr marL="0" lvl="0" indent="0" algn="ctr" defTabSz="533400">
+          <a:pPr marL="0" lvl="0" indent="0" algn="ctr" defTabSz="444500">
             <a:lnSpc>
               <a:spcPct val="90000"/>
             </a:lnSpc>
@@ -5679,10 +5774,10 @@
             <a:buNone/>
           </a:pPr>
           <a:r>
-            <a:rPr lang="en-US" altLang="zh-TW" sz="1200" kern="1200"/>
+            <a:rPr lang="en-US" altLang="zh-TW" sz="1000" kern="1200"/>
             <a:t>Window Application</a:t>
           </a:r>
-          <a:endParaRPr lang="zh-TW" altLang="en-US" sz="1200" kern="1200"/>
+          <a:endParaRPr lang="zh-TW" altLang="en-US" sz="1000" kern="1200"/>
         </a:p>
       </dsp:txBody>
       <dsp:txXfrm>
@@ -5740,7 +5835,7 @@
         </a:bodyPr>
         <a:lstStyle/>
         <a:p>
-          <a:pPr marL="0" lvl="0" indent="0" algn="ctr" defTabSz="533400">
+          <a:pPr marL="0" lvl="0" indent="0" algn="ctr" defTabSz="444500">
             <a:lnSpc>
               <a:spcPct val="90000"/>
             </a:lnSpc>
@@ -5752,7 +5847,7 @@
             </a:spcAft>
             <a:buNone/>
           </a:pPr>
-          <a:endParaRPr lang="zh-TW" altLang="en-US" sz="1200" kern="1200"/>
+          <a:endParaRPr lang="zh-TW" altLang="en-US" sz="1000" kern="1200"/>
         </a:p>
       </dsp:txBody>
       <dsp:txXfrm>
@@ -5809,12 +5904,12 @@
         </a:fontRef>
       </dsp:style>
       <dsp:txBody>
-        <a:bodyPr spcFirstLastPara="0" vert="horz" wrap="square" lIns="15240" tIns="15240" rIns="15240" bIns="15240" numCol="1" spcCol="1270" anchor="ctr" anchorCtr="0">
+        <a:bodyPr spcFirstLastPara="0" vert="horz" wrap="square" lIns="12700" tIns="12700" rIns="12700" bIns="12700" numCol="1" spcCol="1270" anchor="ctr" anchorCtr="0">
           <a:noAutofit/>
         </a:bodyPr>
         <a:lstStyle/>
         <a:p>
-          <a:pPr marL="0" lvl="0" indent="0" algn="ctr" defTabSz="533400">
+          <a:pPr marL="0" lvl="0" indent="0" algn="ctr" defTabSz="444500">
             <a:lnSpc>
               <a:spcPct val="90000"/>
             </a:lnSpc>
@@ -5827,10 +5922,10 @@
             <a:buNone/>
           </a:pPr>
           <a:r>
-            <a:rPr lang="en-US" altLang="zh-TW" sz="1200" kern="1200"/>
+            <a:rPr lang="en-US" altLang="zh-TW" sz="1000" kern="1200"/>
             <a:t>Android Application</a:t>
           </a:r>
-          <a:endParaRPr lang="zh-TW" altLang="en-US" sz="1200" kern="1200"/>
+          <a:endParaRPr lang="zh-TW" altLang="en-US" sz="1000" kern="1200"/>
         </a:p>
       </dsp:txBody>
       <dsp:txXfrm>
@@ -7113,6 +7208,1103 @@
     </dgm:style>
   </dgm:styleLbl>
 </dgm:styleDef>
+</file>
+
+<file path=ppt/notesMasters/notesMaster1.xml><?xml version="1.0" encoding="utf-8"?>
+<p:notesMaster xmlns:a="http://schemas.openxmlformats.org/drawingml/2006/main" xmlns:r="http://schemas.openxmlformats.org/officeDocument/2006/relationships" xmlns:p="http://schemas.openxmlformats.org/presentationml/2006/main">
+  <p:cSld>
+    <p:bg>
+      <p:bgRef idx="1001">
+        <a:schemeClr val="bg1"/>
+      </p:bgRef>
+    </p:bg>
+    <p:spTree>
+      <p:nvGrpSpPr>
+        <p:cNvPr id="1" name=""/>
+        <p:cNvGrpSpPr/>
+        <p:nvPr/>
+      </p:nvGrpSpPr>
+      <p:grpSpPr>
+        <a:xfrm>
+          <a:off x="0" y="0"/>
+          <a:ext cx="0" cy="0"/>
+          <a:chOff x="0" y="0"/>
+          <a:chExt cx="0" cy="0"/>
+        </a:xfrm>
+      </p:grpSpPr>
+      <p:sp>
+        <p:nvSpPr>
+          <p:cNvPr id="2" name="Header Placeholder 1"/>
+          <p:cNvSpPr>
+            <a:spLocks noGrp="1"/>
+          </p:cNvSpPr>
+          <p:nvPr>
+            <p:ph type="hdr" sz="quarter"/>
+          </p:nvPr>
+        </p:nvSpPr>
+        <p:spPr>
+          <a:xfrm>
+            <a:off x="0" y="0"/>
+            <a:ext cx="2971800" cy="458788"/>
+          </a:xfrm>
+          <a:prstGeom prst="rect">
+            <a:avLst/>
+          </a:prstGeom>
+        </p:spPr>
+        <p:txBody>
+          <a:bodyPr vert="horz" lIns="91440" tIns="45720" rIns="91440" bIns="45720" rtlCol="0"/>
+          <a:lstStyle>
+            <a:lvl1pPr algn="l">
+              <a:defRPr sz="1200"/>
+            </a:lvl1pPr>
+          </a:lstStyle>
+          <a:p>
+            <a:endParaRPr lang="en-US"/>
+          </a:p>
+        </p:txBody>
+      </p:sp>
+      <p:sp>
+        <p:nvSpPr>
+          <p:cNvPr id="3" name="Date Placeholder 2"/>
+          <p:cNvSpPr>
+            <a:spLocks noGrp="1"/>
+          </p:cNvSpPr>
+          <p:nvPr>
+            <p:ph type="dt" idx="1"/>
+          </p:nvPr>
+        </p:nvSpPr>
+        <p:spPr>
+          <a:xfrm>
+            <a:off x="3884613" y="0"/>
+            <a:ext cx="2971800" cy="458788"/>
+          </a:xfrm>
+          <a:prstGeom prst="rect">
+            <a:avLst/>
+          </a:prstGeom>
+        </p:spPr>
+        <p:txBody>
+          <a:bodyPr vert="horz" lIns="91440" tIns="45720" rIns="91440" bIns="45720" rtlCol="0"/>
+          <a:lstStyle>
+            <a:lvl1pPr algn="r">
+              <a:defRPr sz="1200"/>
+            </a:lvl1pPr>
+          </a:lstStyle>
+          <a:p>
+            <a:fld id="{1556B4E8-8F39-45A9-A0BC-40355D4F7D0A}" type="datetimeFigureOut">
+              <a:rPr lang="en-US"/>
+              <a:t>2/23/2020</a:t>
+            </a:fld>
+            <a:endParaRPr lang="en-US"/>
+          </a:p>
+        </p:txBody>
+      </p:sp>
+      <p:sp>
+        <p:nvSpPr>
+          <p:cNvPr id="4" name="Slide Image Placeholder 3"/>
+          <p:cNvSpPr>
+            <a:spLocks noGrp="1" noRot="1" noChangeAspect="1"/>
+          </p:cNvSpPr>
+          <p:nvPr>
+            <p:ph type="sldImg" idx="2"/>
+          </p:nvPr>
+        </p:nvSpPr>
+        <p:spPr>
+          <a:xfrm>
+            <a:off x="685800" y="1143000"/>
+            <a:ext cx="5486400" cy="3086100"/>
+          </a:xfrm>
+          <a:prstGeom prst="rect">
+            <a:avLst/>
+          </a:prstGeom>
+          <a:noFill/>
+          <a:ln w="12700">
+            <a:solidFill>
+              <a:prstClr val="black"/>
+            </a:solidFill>
+          </a:ln>
+        </p:spPr>
+        <p:txBody>
+          <a:bodyPr vert="horz" lIns="91440" tIns="45720" rIns="91440" bIns="45720" rtlCol="0" anchor="ctr"/>
+          <a:lstStyle/>
+          <a:p>
+            <a:endParaRPr lang="en-US"/>
+          </a:p>
+        </p:txBody>
+      </p:sp>
+      <p:sp>
+        <p:nvSpPr>
+          <p:cNvPr id="5" name="Notes Placeholder 4"/>
+          <p:cNvSpPr>
+            <a:spLocks noGrp="1"/>
+          </p:cNvSpPr>
+          <p:nvPr>
+            <p:ph type="body" sz="quarter" idx="3"/>
+          </p:nvPr>
+        </p:nvSpPr>
+        <p:spPr>
+          <a:xfrm>
+            <a:off x="685800" y="4400550"/>
+            <a:ext cx="5486400" cy="3600450"/>
+          </a:xfrm>
+          <a:prstGeom prst="rect">
+            <a:avLst/>
+          </a:prstGeom>
+        </p:spPr>
+        <p:txBody>
+          <a:bodyPr vert="horz" lIns="91440" tIns="45720" rIns="91440" bIns="45720" rtlCol="0"/>
+          <a:lstStyle/>
+          <a:p>
+            <a:pPr lvl="0"/>
+            <a:r>
+              <a:rPr lang="en-US"/>
+              <a:t>Click to edit Master text styles</a:t>
+            </a:r>
+          </a:p>
+          <a:p>
+            <a:pPr lvl="1"/>
+            <a:r>
+              <a:rPr lang="en-US"/>
+              <a:t>Second level</a:t>
+            </a:r>
+          </a:p>
+          <a:p>
+            <a:pPr lvl="2"/>
+            <a:r>
+              <a:rPr lang="en-US"/>
+              <a:t>Third level</a:t>
+            </a:r>
+          </a:p>
+          <a:p>
+            <a:pPr lvl="3"/>
+            <a:r>
+              <a:rPr lang="en-US"/>
+              <a:t>Fourth level</a:t>
+            </a:r>
+          </a:p>
+          <a:p>
+            <a:pPr lvl="4"/>
+            <a:r>
+              <a:rPr lang="en-US"/>
+              <a:t>Fifth level</a:t>
+            </a:r>
+          </a:p>
+        </p:txBody>
+      </p:sp>
+      <p:sp>
+        <p:nvSpPr>
+          <p:cNvPr id="6" name="Footer Placeholder 5"/>
+          <p:cNvSpPr>
+            <a:spLocks noGrp="1"/>
+          </p:cNvSpPr>
+          <p:nvPr>
+            <p:ph type="ftr" sz="quarter" idx="4"/>
+          </p:nvPr>
+        </p:nvSpPr>
+        <p:spPr>
+          <a:xfrm>
+            <a:off x="0" y="8685213"/>
+            <a:ext cx="2971800" cy="458787"/>
+          </a:xfrm>
+          <a:prstGeom prst="rect">
+            <a:avLst/>
+          </a:prstGeom>
+        </p:spPr>
+        <p:txBody>
+          <a:bodyPr vert="horz" lIns="91440" tIns="45720" rIns="91440" bIns="45720" rtlCol="0" anchor="b"/>
+          <a:lstStyle>
+            <a:lvl1pPr algn="l">
+              <a:defRPr sz="1200"/>
+            </a:lvl1pPr>
+          </a:lstStyle>
+          <a:p>
+            <a:endParaRPr lang="en-US"/>
+          </a:p>
+        </p:txBody>
+      </p:sp>
+      <p:sp>
+        <p:nvSpPr>
+          <p:cNvPr id="7" name="Slide Number Placeholder 6"/>
+          <p:cNvSpPr>
+            <a:spLocks noGrp="1"/>
+          </p:cNvSpPr>
+          <p:nvPr>
+            <p:ph type="sldNum" sz="quarter" idx="5"/>
+          </p:nvPr>
+        </p:nvSpPr>
+        <p:spPr>
+          <a:xfrm>
+            <a:off x="3884613" y="8685213"/>
+            <a:ext cx="2971800" cy="458787"/>
+          </a:xfrm>
+          <a:prstGeom prst="rect">
+            <a:avLst/>
+          </a:prstGeom>
+        </p:spPr>
+        <p:txBody>
+          <a:bodyPr vert="horz" lIns="91440" tIns="45720" rIns="91440" bIns="45720" rtlCol="0" anchor="b"/>
+          <a:lstStyle>
+            <a:lvl1pPr algn="r">
+              <a:defRPr sz="1200"/>
+            </a:lvl1pPr>
+          </a:lstStyle>
+          <a:p>
+            <a:fld id="{AE5FA4EB-DE2A-48DD-A7A0-2D3E9C8A8FD5}" type="slidenum">
+              <a:rPr lang="en-US"/>
+              <a:t>‹#›</a:t>
+            </a:fld>
+            <a:endParaRPr lang="en-US"/>
+          </a:p>
+        </p:txBody>
+      </p:sp>
+    </p:spTree>
+    <p:extLst>
+      <p:ext uri="{BB962C8B-B14F-4D97-AF65-F5344CB8AC3E}">
+        <p14:creationId xmlns:p14="http://schemas.microsoft.com/office/powerpoint/2010/main" val="330770675"/>
+      </p:ext>
+    </p:extLst>
+  </p:cSld>
+  <p:clrMap bg1="lt1" tx1="dk1" bg2="lt2" tx2="dk2" accent1="accent1" accent2="accent2" accent3="accent3" accent4="accent4" accent5="accent5" accent6="accent6" hlink="hlink" folHlink="folHlink"/>
+  <p:notesStyle>
+    <a:lvl1pPr marL="0" algn="l" defTabSz="914400" rtl="0" eaLnBrk="1" latinLnBrk="0" hangingPunct="1">
+      <a:defRPr sz="1200" kern="1200">
+        <a:solidFill>
+          <a:schemeClr val="tx1"/>
+        </a:solidFill>
+        <a:latin typeface="+mn-lt"/>
+        <a:ea typeface="+mn-ea"/>
+        <a:cs typeface="+mn-cs"/>
+      </a:defRPr>
+    </a:lvl1pPr>
+    <a:lvl2pPr marL="457200" algn="l" defTabSz="914400" rtl="0" eaLnBrk="1" latinLnBrk="0" hangingPunct="1">
+      <a:defRPr sz="1200" kern="1200">
+        <a:solidFill>
+          <a:schemeClr val="tx1"/>
+        </a:solidFill>
+        <a:latin typeface="+mn-lt"/>
+        <a:ea typeface="+mn-ea"/>
+        <a:cs typeface="+mn-cs"/>
+      </a:defRPr>
+    </a:lvl2pPr>
+    <a:lvl3pPr marL="914400" algn="l" defTabSz="914400" rtl="0" eaLnBrk="1" latinLnBrk="0" hangingPunct="1">
+      <a:defRPr sz="1200" kern="1200">
+        <a:solidFill>
+          <a:schemeClr val="tx1"/>
+        </a:solidFill>
+        <a:latin typeface="+mn-lt"/>
+        <a:ea typeface="+mn-ea"/>
+        <a:cs typeface="+mn-cs"/>
+      </a:defRPr>
+    </a:lvl3pPr>
+    <a:lvl4pPr marL="1371600" algn="l" defTabSz="914400" rtl="0" eaLnBrk="1" latinLnBrk="0" hangingPunct="1">
+      <a:defRPr sz="1200" kern="1200">
+        <a:solidFill>
+          <a:schemeClr val="tx1"/>
+        </a:solidFill>
+        <a:latin typeface="+mn-lt"/>
+        <a:ea typeface="+mn-ea"/>
+        <a:cs typeface="+mn-cs"/>
+      </a:defRPr>
+    </a:lvl4pPr>
+    <a:lvl5pPr marL="1828800" algn="l" defTabSz="914400" rtl="0" eaLnBrk="1" latinLnBrk="0" hangingPunct="1">
+      <a:defRPr sz="1200" kern="1200">
+        <a:solidFill>
+          <a:schemeClr val="tx1"/>
+        </a:solidFill>
+        <a:latin typeface="+mn-lt"/>
+        <a:ea typeface="+mn-ea"/>
+        <a:cs typeface="+mn-cs"/>
+      </a:defRPr>
+    </a:lvl5pPr>
+    <a:lvl6pPr marL="2286000" algn="l" defTabSz="914400" rtl="0" eaLnBrk="1" latinLnBrk="0" hangingPunct="1">
+      <a:defRPr sz="1200" kern="1200">
+        <a:solidFill>
+          <a:schemeClr val="tx1"/>
+        </a:solidFill>
+        <a:latin typeface="+mn-lt"/>
+        <a:ea typeface="+mn-ea"/>
+        <a:cs typeface="+mn-cs"/>
+      </a:defRPr>
+    </a:lvl6pPr>
+    <a:lvl7pPr marL="2743200" algn="l" defTabSz="914400" rtl="0" eaLnBrk="1" latinLnBrk="0" hangingPunct="1">
+      <a:defRPr sz="1200" kern="1200">
+        <a:solidFill>
+          <a:schemeClr val="tx1"/>
+        </a:solidFill>
+        <a:latin typeface="+mn-lt"/>
+        <a:ea typeface="+mn-ea"/>
+        <a:cs typeface="+mn-cs"/>
+      </a:defRPr>
+    </a:lvl7pPr>
+    <a:lvl8pPr marL="3200400" algn="l" defTabSz="914400" rtl="0" eaLnBrk="1" latinLnBrk="0" hangingPunct="1">
+      <a:defRPr sz="1200" kern="1200">
+        <a:solidFill>
+          <a:schemeClr val="tx1"/>
+        </a:solidFill>
+        <a:latin typeface="+mn-lt"/>
+        <a:ea typeface="+mn-ea"/>
+        <a:cs typeface="+mn-cs"/>
+      </a:defRPr>
+    </a:lvl8pPr>
+    <a:lvl9pPr marL="3657600" algn="l" defTabSz="914400" rtl="0" eaLnBrk="1" latinLnBrk="0" hangingPunct="1">
+      <a:defRPr sz="1200" kern="1200">
+        <a:solidFill>
+          <a:schemeClr val="tx1"/>
+        </a:solidFill>
+        <a:latin typeface="+mn-lt"/>
+        <a:ea typeface="+mn-ea"/>
+        <a:cs typeface="+mn-cs"/>
+      </a:defRPr>
+    </a:lvl9pPr>
+  </p:notesStyle>
+</p:notesMaster>
+</file>
+
+<file path=ppt/notesSlides/notesSlide1.xml><?xml version="1.0" encoding="utf-8"?>
+<p:notes xmlns:a="http://schemas.openxmlformats.org/drawingml/2006/main" xmlns:r="http://schemas.openxmlformats.org/officeDocument/2006/relationships" xmlns:p="http://schemas.openxmlformats.org/presentationml/2006/main">
+  <p:cSld>
+    <p:spTree>
+      <p:nvGrpSpPr>
+        <p:cNvPr id="1" name=""/>
+        <p:cNvGrpSpPr/>
+        <p:nvPr/>
+      </p:nvGrpSpPr>
+      <p:grpSpPr>
+        <a:xfrm>
+          <a:off x="0" y="0"/>
+          <a:ext cx="0" cy="0"/>
+          <a:chOff x="0" y="0"/>
+          <a:chExt cx="0" cy="0"/>
+        </a:xfrm>
+      </p:grpSpPr>
+      <p:sp>
+        <p:nvSpPr>
+          <p:cNvPr id="2" name="Slide Image Placeholder 1"/>
+          <p:cNvSpPr>
+            <a:spLocks noGrp="1" noRot="1" noChangeAspect="1"/>
+          </p:cNvSpPr>
+          <p:nvPr>
+            <p:ph type="sldImg"/>
+          </p:nvPr>
+        </p:nvSpPr>
+        <p:spPr/>
+      </p:sp>
+      <p:sp>
+        <p:nvSpPr>
+          <p:cNvPr id="3" name="Notes Placeholder 2"/>
+          <p:cNvSpPr>
+            <a:spLocks noGrp="1"/>
+          </p:cNvSpPr>
+          <p:nvPr>
+            <p:ph type="body" idx="1"/>
+          </p:nvPr>
+        </p:nvSpPr>
+        <p:spPr/>
+        <p:txBody>
+          <a:bodyPr/>
+          <a:lstStyle/>
+          <a:p>
+            <a:r>
+              <a:rPr lang="en-US" dirty="0">
+                <a:cs typeface="Calibri"/>
+              </a:rPr>
+              <a:t>This is our presentation outline. We will first talk about the objectives and the reasons why we create this system. Then, we will talk about the function provided by client side and Server side. </a:t>
+            </a:r>
+          </a:p>
+        </p:txBody>
+      </p:sp>
+      <p:sp>
+        <p:nvSpPr>
+          <p:cNvPr id="4" name="Slide Number Placeholder 3"/>
+          <p:cNvSpPr>
+            <a:spLocks noGrp="1"/>
+          </p:cNvSpPr>
+          <p:nvPr>
+            <p:ph type="sldNum" sz="quarter" idx="5"/>
+          </p:nvPr>
+        </p:nvSpPr>
+        <p:spPr/>
+        <p:txBody>
+          <a:bodyPr/>
+          <a:lstStyle/>
+          <a:p>
+            <a:fld id="{AE5FA4EB-DE2A-48DD-A7A0-2D3E9C8A8FD5}" type="slidenum">
+              <a:rPr lang="en-US"/>
+              <a:t>2</a:t>
+            </a:fld>
+            <a:endParaRPr lang="en-US"/>
+          </a:p>
+        </p:txBody>
+      </p:sp>
+    </p:spTree>
+    <p:extLst>
+      <p:ext uri="{BB962C8B-B14F-4D97-AF65-F5344CB8AC3E}">
+        <p14:creationId xmlns:p14="http://schemas.microsoft.com/office/powerpoint/2010/main" val="4283712605"/>
+      </p:ext>
+    </p:extLst>
+  </p:cSld>
+  <p:clrMapOvr>
+    <a:masterClrMapping/>
+  </p:clrMapOvr>
+</p:notes>
+</file>
+
+<file path=ppt/notesSlides/notesSlide2.xml><?xml version="1.0" encoding="utf-8"?>
+<p:notes xmlns:a="http://schemas.openxmlformats.org/drawingml/2006/main" xmlns:r="http://schemas.openxmlformats.org/officeDocument/2006/relationships" xmlns:p="http://schemas.openxmlformats.org/presentationml/2006/main">
+  <p:cSld>
+    <p:spTree>
+      <p:nvGrpSpPr>
+        <p:cNvPr id="1" name=""/>
+        <p:cNvGrpSpPr/>
+        <p:nvPr/>
+      </p:nvGrpSpPr>
+      <p:grpSpPr>
+        <a:xfrm>
+          <a:off x="0" y="0"/>
+          <a:ext cx="0" cy="0"/>
+          <a:chOff x="0" y="0"/>
+          <a:chExt cx="0" cy="0"/>
+        </a:xfrm>
+      </p:grpSpPr>
+      <p:sp>
+        <p:nvSpPr>
+          <p:cNvPr id="2" name="Slide Image Placeholder 1"/>
+          <p:cNvSpPr>
+            <a:spLocks noGrp="1" noRot="1" noChangeAspect="1"/>
+          </p:cNvSpPr>
+          <p:nvPr>
+            <p:ph type="sldImg"/>
+          </p:nvPr>
+        </p:nvSpPr>
+        <p:spPr/>
+      </p:sp>
+      <p:sp>
+        <p:nvSpPr>
+          <p:cNvPr id="3" name="Notes Placeholder 2"/>
+          <p:cNvSpPr>
+            <a:spLocks noGrp="1"/>
+          </p:cNvSpPr>
+          <p:nvPr>
+            <p:ph type="body" idx="1"/>
+          </p:nvPr>
+        </p:nvSpPr>
+        <p:spPr/>
+        <p:txBody>
+          <a:bodyPr/>
+          <a:lstStyle/>
+          <a:p>
+            <a:r>
+              <a:rPr lang="en-US">
+                <a:cs typeface="Calibri"/>
+              </a:rPr>
+              <a:t>For our objective </a:t>
+            </a:r>
+          </a:p>
+        </p:txBody>
+      </p:sp>
+      <p:sp>
+        <p:nvSpPr>
+          <p:cNvPr id="4" name="Slide Number Placeholder 3"/>
+          <p:cNvSpPr>
+            <a:spLocks noGrp="1"/>
+          </p:cNvSpPr>
+          <p:nvPr>
+            <p:ph type="sldNum" sz="quarter" idx="5"/>
+          </p:nvPr>
+        </p:nvSpPr>
+        <p:spPr/>
+        <p:txBody>
+          <a:bodyPr/>
+          <a:lstStyle/>
+          <a:p>
+            <a:fld id="{AE5FA4EB-DE2A-48DD-A7A0-2D3E9C8A8FD5}" type="slidenum">
+              <a:rPr lang="en-US"/>
+              <a:t>3</a:t>
+            </a:fld>
+            <a:endParaRPr lang="en-US"/>
+          </a:p>
+        </p:txBody>
+      </p:sp>
+    </p:spTree>
+    <p:extLst>
+      <p:ext uri="{BB962C8B-B14F-4D97-AF65-F5344CB8AC3E}">
+        <p14:creationId xmlns:p14="http://schemas.microsoft.com/office/powerpoint/2010/main" val="3942695829"/>
+      </p:ext>
+    </p:extLst>
+  </p:cSld>
+  <p:clrMapOvr>
+    <a:masterClrMapping/>
+  </p:clrMapOvr>
+</p:notes>
+</file>
+
+<file path=ppt/notesSlides/notesSlide3.xml><?xml version="1.0" encoding="utf-8"?>
+<p:notes xmlns:a="http://schemas.openxmlformats.org/drawingml/2006/main" xmlns:r="http://schemas.openxmlformats.org/officeDocument/2006/relationships" xmlns:p="http://schemas.openxmlformats.org/presentationml/2006/main">
+  <p:cSld>
+    <p:spTree>
+      <p:nvGrpSpPr>
+        <p:cNvPr id="1" name=""/>
+        <p:cNvGrpSpPr/>
+        <p:nvPr/>
+      </p:nvGrpSpPr>
+      <p:grpSpPr>
+        <a:xfrm>
+          <a:off x="0" y="0"/>
+          <a:ext cx="0" cy="0"/>
+          <a:chOff x="0" y="0"/>
+          <a:chExt cx="0" cy="0"/>
+        </a:xfrm>
+      </p:grpSpPr>
+      <p:sp>
+        <p:nvSpPr>
+          <p:cNvPr id="2" name="Slide Image Placeholder 1"/>
+          <p:cNvSpPr>
+            <a:spLocks noGrp="1" noRot="1" noChangeAspect="1"/>
+          </p:cNvSpPr>
+          <p:nvPr>
+            <p:ph type="sldImg"/>
+          </p:nvPr>
+        </p:nvSpPr>
+        <p:spPr/>
+      </p:sp>
+      <p:sp>
+        <p:nvSpPr>
+          <p:cNvPr id="3" name="Notes Placeholder 2"/>
+          <p:cNvSpPr>
+            <a:spLocks noGrp="1"/>
+          </p:cNvSpPr>
+          <p:nvPr>
+            <p:ph type="body" idx="1"/>
+          </p:nvPr>
+        </p:nvSpPr>
+        <p:spPr/>
+        <p:txBody>
+          <a:bodyPr/>
+          <a:lstStyle/>
+          <a:p>
+            <a:r>
+              <a:rPr lang="en-US">
+                <a:cs typeface="Calibri"/>
+              </a:rPr>
+              <a:t>We can connect the UAV through different platforms, Android App and Windows App.</a:t>
+            </a:r>
+          </a:p>
+        </p:txBody>
+      </p:sp>
+      <p:sp>
+        <p:nvSpPr>
+          <p:cNvPr id="4" name="Slide Number Placeholder 3"/>
+          <p:cNvSpPr>
+            <a:spLocks noGrp="1"/>
+          </p:cNvSpPr>
+          <p:nvPr>
+            <p:ph type="sldNum" sz="quarter" idx="5"/>
+          </p:nvPr>
+        </p:nvSpPr>
+        <p:spPr/>
+        <p:txBody>
+          <a:bodyPr/>
+          <a:lstStyle/>
+          <a:p>
+            <a:fld id="{AE5FA4EB-DE2A-48DD-A7A0-2D3E9C8A8FD5}" type="slidenum">
+              <a:rPr lang="en-US"/>
+              <a:t>5</a:t>
+            </a:fld>
+            <a:endParaRPr lang="en-US"/>
+          </a:p>
+        </p:txBody>
+      </p:sp>
+    </p:spTree>
+    <p:extLst>
+      <p:ext uri="{BB962C8B-B14F-4D97-AF65-F5344CB8AC3E}">
+        <p14:creationId xmlns:p14="http://schemas.microsoft.com/office/powerpoint/2010/main" val="1870048254"/>
+      </p:ext>
+    </p:extLst>
+  </p:cSld>
+  <p:clrMapOvr>
+    <a:masterClrMapping/>
+  </p:clrMapOvr>
+</p:notes>
+</file>
+
+<file path=ppt/notesSlides/notesSlide4.xml><?xml version="1.0" encoding="utf-8"?>
+<p:notes xmlns:a="http://schemas.openxmlformats.org/drawingml/2006/main" xmlns:r="http://schemas.openxmlformats.org/officeDocument/2006/relationships" xmlns:p="http://schemas.openxmlformats.org/presentationml/2006/main">
+  <p:cSld>
+    <p:spTree>
+      <p:nvGrpSpPr>
+        <p:cNvPr id="1" name=""/>
+        <p:cNvGrpSpPr/>
+        <p:nvPr/>
+      </p:nvGrpSpPr>
+      <p:grpSpPr>
+        <a:xfrm>
+          <a:off x="0" y="0"/>
+          <a:ext cx="0" cy="0"/>
+          <a:chOff x="0" y="0"/>
+          <a:chExt cx="0" cy="0"/>
+        </a:xfrm>
+      </p:grpSpPr>
+      <p:sp>
+        <p:nvSpPr>
+          <p:cNvPr id="2" name="Slide Image Placeholder 1"/>
+          <p:cNvSpPr>
+            <a:spLocks noGrp="1" noRot="1" noChangeAspect="1"/>
+          </p:cNvSpPr>
+          <p:nvPr>
+            <p:ph type="sldImg"/>
+          </p:nvPr>
+        </p:nvSpPr>
+        <p:spPr/>
+      </p:sp>
+      <p:sp>
+        <p:nvSpPr>
+          <p:cNvPr id="3" name="Notes Placeholder 2"/>
+          <p:cNvSpPr>
+            <a:spLocks noGrp="1"/>
+          </p:cNvSpPr>
+          <p:nvPr>
+            <p:ph type="body" idx="1"/>
+          </p:nvPr>
+        </p:nvSpPr>
+        <p:spPr/>
+        <p:txBody>
+          <a:bodyPr/>
+          <a:lstStyle/>
+          <a:p>
+            <a:r>
+              <a:rPr lang="en-US">
+                <a:cs typeface="Calibri"/>
+              </a:rPr>
+              <a:t>For android app, we can control the UAV to fly, view the live stream and take photo or video during live stream. There is a map that can show us the location of the UAV. We can also look at different climatic datas collected by the UAV. Besides, we can also take photos or videos during live streaming.</a:t>
+            </a:r>
+          </a:p>
+        </p:txBody>
+      </p:sp>
+      <p:sp>
+        <p:nvSpPr>
+          <p:cNvPr id="4" name="Slide Number Placeholder 3"/>
+          <p:cNvSpPr>
+            <a:spLocks noGrp="1"/>
+          </p:cNvSpPr>
+          <p:nvPr>
+            <p:ph type="sldNum" sz="quarter" idx="5"/>
+          </p:nvPr>
+        </p:nvSpPr>
+        <p:spPr/>
+        <p:txBody>
+          <a:bodyPr/>
+          <a:lstStyle/>
+          <a:p>
+            <a:fld id="{AE5FA4EB-DE2A-48DD-A7A0-2D3E9C8A8FD5}" type="slidenum">
+              <a:rPr lang="en-US"/>
+              <a:t>6</a:t>
+            </a:fld>
+            <a:endParaRPr lang="en-US"/>
+          </a:p>
+        </p:txBody>
+      </p:sp>
+    </p:spTree>
+    <p:extLst>
+      <p:ext uri="{BB962C8B-B14F-4D97-AF65-F5344CB8AC3E}">
+        <p14:creationId xmlns:p14="http://schemas.microsoft.com/office/powerpoint/2010/main" val="363719377"/>
+      </p:ext>
+    </p:extLst>
+  </p:cSld>
+  <p:clrMapOvr>
+    <a:masterClrMapping/>
+  </p:clrMapOvr>
+</p:notes>
+</file>
+
+<file path=ppt/notesSlides/notesSlide5.xml><?xml version="1.0" encoding="utf-8"?>
+<p:notes xmlns:a="http://schemas.openxmlformats.org/drawingml/2006/main" xmlns:r="http://schemas.openxmlformats.org/officeDocument/2006/relationships" xmlns:p="http://schemas.openxmlformats.org/presentationml/2006/main">
+  <p:cSld>
+    <p:spTree>
+      <p:nvGrpSpPr>
+        <p:cNvPr id="1" name=""/>
+        <p:cNvGrpSpPr/>
+        <p:nvPr/>
+      </p:nvGrpSpPr>
+      <p:grpSpPr>
+        <a:xfrm>
+          <a:off x="0" y="0"/>
+          <a:ext cx="0" cy="0"/>
+          <a:chOff x="0" y="0"/>
+          <a:chExt cx="0" cy="0"/>
+        </a:xfrm>
+      </p:grpSpPr>
+      <p:sp>
+        <p:nvSpPr>
+          <p:cNvPr id="2" name="Slide Image Placeholder 1"/>
+          <p:cNvSpPr>
+            <a:spLocks noGrp="1" noRot="1" noChangeAspect="1"/>
+          </p:cNvSpPr>
+          <p:nvPr>
+            <p:ph type="sldImg"/>
+          </p:nvPr>
+        </p:nvSpPr>
+        <p:spPr/>
+      </p:sp>
+      <p:sp>
+        <p:nvSpPr>
+          <p:cNvPr id="3" name="Notes Placeholder 2"/>
+          <p:cNvSpPr>
+            <a:spLocks noGrp="1"/>
+          </p:cNvSpPr>
+          <p:nvPr>
+            <p:ph type="body" idx="1"/>
+          </p:nvPr>
+        </p:nvSpPr>
+        <p:spPr/>
+        <p:txBody>
+          <a:bodyPr/>
+          <a:lstStyle/>
+          <a:p>
+            <a:r>
+              <a:rPr lang="en-US">
+                <a:cs typeface="Calibri"/>
+              </a:rPr>
+              <a:t>For Windows app, we can collect data and view live streaming form UAV. Besides, we can view the details of UAV and build up new mission.</a:t>
+            </a:r>
+          </a:p>
+        </p:txBody>
+      </p:sp>
+      <p:sp>
+        <p:nvSpPr>
+          <p:cNvPr id="4" name="Slide Number Placeholder 3"/>
+          <p:cNvSpPr>
+            <a:spLocks noGrp="1"/>
+          </p:cNvSpPr>
+          <p:nvPr>
+            <p:ph type="sldNum" sz="quarter" idx="5"/>
+          </p:nvPr>
+        </p:nvSpPr>
+        <p:spPr/>
+        <p:txBody>
+          <a:bodyPr/>
+          <a:lstStyle/>
+          <a:p>
+            <a:fld id="{AE5FA4EB-DE2A-48DD-A7A0-2D3E9C8A8FD5}" type="slidenum">
+              <a:rPr lang="en-US"/>
+              <a:t>7</a:t>
+            </a:fld>
+            <a:endParaRPr lang="en-US"/>
+          </a:p>
+        </p:txBody>
+      </p:sp>
+    </p:spTree>
+    <p:extLst>
+      <p:ext uri="{BB962C8B-B14F-4D97-AF65-F5344CB8AC3E}">
+        <p14:creationId xmlns:p14="http://schemas.microsoft.com/office/powerpoint/2010/main" val="152346404"/>
+      </p:ext>
+    </p:extLst>
+  </p:cSld>
+  <p:clrMapOvr>
+    <a:masterClrMapping/>
+  </p:clrMapOvr>
+</p:notes>
+</file>
+
+<file path=ppt/notesSlides/notesSlide6.xml><?xml version="1.0" encoding="utf-8"?>
+<p:notes xmlns:a="http://schemas.openxmlformats.org/drawingml/2006/main" xmlns:r="http://schemas.openxmlformats.org/officeDocument/2006/relationships" xmlns:p="http://schemas.openxmlformats.org/presentationml/2006/main">
+  <p:cSld>
+    <p:spTree>
+      <p:nvGrpSpPr>
+        <p:cNvPr id="1" name=""/>
+        <p:cNvGrpSpPr/>
+        <p:nvPr/>
+      </p:nvGrpSpPr>
+      <p:grpSpPr>
+        <a:xfrm>
+          <a:off x="0" y="0"/>
+          <a:ext cx="0" cy="0"/>
+          <a:chOff x="0" y="0"/>
+          <a:chExt cx="0" cy="0"/>
+        </a:xfrm>
+      </p:grpSpPr>
+      <p:sp>
+        <p:nvSpPr>
+          <p:cNvPr id="2" name="Slide Image Placeholder 1"/>
+          <p:cNvSpPr>
+            <a:spLocks noGrp="1" noRot="1" noChangeAspect="1"/>
+          </p:cNvSpPr>
+          <p:nvPr>
+            <p:ph type="sldImg"/>
+          </p:nvPr>
+        </p:nvSpPr>
+        <p:spPr/>
+      </p:sp>
+      <p:sp>
+        <p:nvSpPr>
+          <p:cNvPr id="3" name="Notes Placeholder 2"/>
+          <p:cNvSpPr>
+            <a:spLocks noGrp="1"/>
+          </p:cNvSpPr>
+          <p:nvPr>
+            <p:ph type="body" idx="1"/>
+          </p:nvPr>
+        </p:nvSpPr>
+        <p:spPr/>
+        <p:txBody>
+          <a:bodyPr/>
+          <a:lstStyle/>
+          <a:p>
+            <a:r>
+              <a:rPr lang="en-US">
+                <a:cs typeface="Calibri"/>
+              </a:rPr>
+              <a:t>As for the UAV, it can provide visualized climatic data to user and allow live stream.</a:t>
+            </a:r>
+          </a:p>
+        </p:txBody>
+      </p:sp>
+      <p:sp>
+        <p:nvSpPr>
+          <p:cNvPr id="4" name="Slide Number Placeholder 3"/>
+          <p:cNvSpPr>
+            <a:spLocks noGrp="1"/>
+          </p:cNvSpPr>
+          <p:nvPr>
+            <p:ph type="sldNum" sz="quarter" idx="5"/>
+          </p:nvPr>
+        </p:nvSpPr>
+        <p:spPr/>
+        <p:txBody>
+          <a:bodyPr/>
+          <a:lstStyle/>
+          <a:p>
+            <a:fld id="{AE5FA4EB-DE2A-48DD-A7A0-2D3E9C8A8FD5}" type="slidenum">
+              <a:rPr lang="en-US"/>
+              <a:t>8</a:t>
+            </a:fld>
+            <a:endParaRPr lang="en-US"/>
+          </a:p>
+        </p:txBody>
+      </p:sp>
+    </p:spTree>
+    <p:extLst>
+      <p:ext uri="{BB962C8B-B14F-4D97-AF65-F5344CB8AC3E}">
+        <p14:creationId xmlns:p14="http://schemas.microsoft.com/office/powerpoint/2010/main" val="2892379127"/>
+      </p:ext>
+    </p:extLst>
+  </p:cSld>
+  <p:clrMapOvr>
+    <a:masterClrMapping/>
+  </p:clrMapOvr>
+</p:notes>
+</file>
+
+<file path=ppt/notesSlides/notesSlide7.xml><?xml version="1.0" encoding="utf-8"?>
+<p:notes xmlns:a="http://schemas.openxmlformats.org/drawingml/2006/main" xmlns:r="http://schemas.openxmlformats.org/officeDocument/2006/relationships" xmlns:p="http://schemas.openxmlformats.org/presentationml/2006/main">
+  <p:cSld>
+    <p:spTree>
+      <p:nvGrpSpPr>
+        <p:cNvPr id="1" name=""/>
+        <p:cNvGrpSpPr/>
+        <p:nvPr/>
+      </p:nvGrpSpPr>
+      <p:grpSpPr>
+        <a:xfrm>
+          <a:off x="0" y="0"/>
+          <a:ext cx="0" cy="0"/>
+          <a:chOff x="0" y="0"/>
+          <a:chExt cx="0" cy="0"/>
+        </a:xfrm>
+      </p:grpSpPr>
+      <p:sp>
+        <p:nvSpPr>
+          <p:cNvPr id="2" name="Slide Image Placeholder 1"/>
+          <p:cNvSpPr>
+            <a:spLocks noGrp="1" noRot="1" noChangeAspect="1"/>
+          </p:cNvSpPr>
+          <p:nvPr>
+            <p:ph type="sldImg"/>
+          </p:nvPr>
+        </p:nvSpPr>
+        <p:spPr/>
+      </p:sp>
+      <p:sp>
+        <p:nvSpPr>
+          <p:cNvPr id="3" name="Notes Placeholder 2"/>
+          <p:cNvSpPr>
+            <a:spLocks noGrp="1"/>
+          </p:cNvSpPr>
+          <p:nvPr>
+            <p:ph type="body" idx="1"/>
+          </p:nvPr>
+        </p:nvSpPr>
+        <p:spPr/>
+        <p:txBody>
+          <a:bodyPr/>
+          <a:lstStyle/>
+          <a:p>
+            <a:r>
+              <a:rPr lang="en-US">
+                <a:cs typeface="Calibri"/>
+              </a:rPr>
+              <a:t>This is our project schedule.</a:t>
+            </a:r>
+          </a:p>
+        </p:txBody>
+      </p:sp>
+      <p:sp>
+        <p:nvSpPr>
+          <p:cNvPr id="4" name="Slide Number Placeholder 3"/>
+          <p:cNvSpPr>
+            <a:spLocks noGrp="1"/>
+          </p:cNvSpPr>
+          <p:nvPr>
+            <p:ph type="sldNum" sz="quarter" idx="5"/>
+          </p:nvPr>
+        </p:nvSpPr>
+        <p:spPr/>
+        <p:txBody>
+          <a:bodyPr/>
+          <a:lstStyle/>
+          <a:p>
+            <a:fld id="{AE5FA4EB-DE2A-48DD-A7A0-2D3E9C8A8FD5}" type="slidenum">
+              <a:rPr lang="en-US"/>
+              <a:t>15</a:t>
+            </a:fld>
+            <a:endParaRPr lang="en-US"/>
+          </a:p>
+        </p:txBody>
+      </p:sp>
+    </p:spTree>
+    <p:extLst>
+      <p:ext uri="{BB962C8B-B14F-4D97-AF65-F5344CB8AC3E}">
+        <p14:creationId xmlns:p14="http://schemas.microsoft.com/office/powerpoint/2010/main" val="1315685165"/>
+      </p:ext>
+    </p:extLst>
+  </p:cSld>
+  <p:clrMapOvr>
+    <a:masterClrMapping/>
+  </p:clrMapOvr>
+</p:notes>
+</file>
+
+<file path=ppt/notesSlides/notesSlide8.xml><?xml version="1.0" encoding="utf-8"?>
+<p:notes xmlns:a="http://schemas.openxmlformats.org/drawingml/2006/main" xmlns:r="http://schemas.openxmlformats.org/officeDocument/2006/relationships" xmlns:p="http://schemas.openxmlformats.org/presentationml/2006/main">
+  <p:cSld>
+    <p:spTree>
+      <p:nvGrpSpPr>
+        <p:cNvPr id="1" name=""/>
+        <p:cNvGrpSpPr/>
+        <p:nvPr/>
+      </p:nvGrpSpPr>
+      <p:grpSpPr>
+        <a:xfrm>
+          <a:off x="0" y="0"/>
+          <a:ext cx="0" cy="0"/>
+          <a:chOff x="0" y="0"/>
+          <a:chExt cx="0" cy="0"/>
+        </a:xfrm>
+      </p:grpSpPr>
+      <p:sp>
+        <p:nvSpPr>
+          <p:cNvPr id="2" name="Slide Image Placeholder 1"/>
+          <p:cNvSpPr>
+            <a:spLocks noGrp="1" noRot="1" noChangeAspect="1"/>
+          </p:cNvSpPr>
+          <p:nvPr>
+            <p:ph type="sldImg"/>
+          </p:nvPr>
+        </p:nvSpPr>
+        <p:spPr/>
+      </p:sp>
+      <p:sp>
+        <p:nvSpPr>
+          <p:cNvPr id="3" name="Notes Placeholder 2"/>
+          <p:cNvSpPr>
+            <a:spLocks noGrp="1"/>
+          </p:cNvSpPr>
+          <p:nvPr>
+            <p:ph type="body" idx="1"/>
+          </p:nvPr>
+        </p:nvSpPr>
+        <p:spPr/>
+        <p:txBody>
+          <a:bodyPr/>
+          <a:lstStyle/>
+          <a:p>
+            <a:r>
+              <a:rPr lang="en-US" dirty="0">
+                <a:cs typeface="Calibri"/>
+              </a:rPr>
+              <a:t>For the critical environment, first of all we worried about the network stability, as the network connection sometimes is too slow. </a:t>
+            </a:r>
+            <a:br>
+              <a:rPr lang="en-US" dirty="0">
+                <a:cs typeface="+mn-lt"/>
+              </a:rPr>
+            </a:br>
+            <a:r>
+              <a:rPr lang="en-US">
+                <a:cs typeface="Calibri"/>
+              </a:rPr>
+              <a:t>Then is the battery capacity limitation. Under our calculation, the battery we used will provide 21.6 minutes of flight times. </a:t>
+            </a:r>
+            <a:br>
+              <a:rPr lang="en-US" dirty="0">
+                <a:cs typeface="+mn-lt"/>
+              </a:rPr>
+            </a:br>
+            <a:r>
+              <a:rPr lang="en-US">
+                <a:cs typeface="Calibri"/>
+              </a:rPr>
+              <a:t>Next, is the fire risk with LiPi battery. W</a:t>
+            </a:r>
+            <a:r>
+              <a:rPr lang="en-US"/>
+              <a:t>e use Lithium Polymer technology which allows considerable energy to be stored in a small package. However, they are related to fire risk and have been known to catch fire spontaneously while charging or if punctured. </a:t>
+            </a:r>
+            <a:br>
+              <a:rPr lang="en-US" dirty="0"/>
+            </a:br>
+            <a:r>
+              <a:rPr lang="en-US"/>
+              <a:t>After that, will be the weather problem. We do not recommend users to fly drones in rainny, snowy days or even in the drizzle because not only the aircraft may take some physical effects, but also the electronics may take damages.</a:t>
+            </a:r>
+            <a:endParaRPr lang="en-US" dirty="0">
+              <a:cs typeface="Calibri"/>
+            </a:endParaRPr>
+          </a:p>
+        </p:txBody>
+      </p:sp>
+      <p:sp>
+        <p:nvSpPr>
+          <p:cNvPr id="4" name="Slide Number Placeholder 3"/>
+          <p:cNvSpPr>
+            <a:spLocks noGrp="1"/>
+          </p:cNvSpPr>
+          <p:nvPr>
+            <p:ph type="sldNum" sz="quarter" idx="5"/>
+          </p:nvPr>
+        </p:nvSpPr>
+        <p:spPr/>
+        <p:txBody>
+          <a:bodyPr/>
+          <a:lstStyle/>
+          <a:p>
+            <a:fld id="{AE5FA4EB-DE2A-48DD-A7A0-2D3E9C8A8FD5}" type="slidenum">
+              <a:rPr lang="en-US"/>
+              <a:t>16</a:t>
+            </a:fld>
+            <a:endParaRPr lang="en-US"/>
+          </a:p>
+        </p:txBody>
+      </p:sp>
+    </p:spTree>
+    <p:extLst>
+      <p:ext uri="{BB962C8B-B14F-4D97-AF65-F5344CB8AC3E}">
+        <p14:creationId xmlns:p14="http://schemas.microsoft.com/office/powerpoint/2010/main" val="773307961"/>
+      </p:ext>
+    </p:extLst>
+  </p:cSld>
+  <p:clrMapOvr>
+    <a:masterClrMapping/>
+  </p:clrMapOvr>
+</p:notes>
 </file>
 
 <file path=ppt/slideLayouts/slideLayout1.xml><?xml version="1.0" encoding="utf-8"?>
@@ -15372,7 +16564,7 @@
           </p:nvPr>
         </p:nvPicPr>
         <p:blipFill>
-          <a:blip r:embed="rId2"/>
+          <a:blip r:embed="rId3"/>
           <a:stretch>
             <a:fillRect/>
           </a:stretch>
@@ -15473,12 +16665,6 @@
           <a:p>
             <a:r>
               <a:rPr lang="en-US"/>
-              <a:t>Server performance problem</a:t>
-            </a:r>
-          </a:p>
-          <a:p>
-            <a:r>
-              <a:rPr lang="en-US"/>
               <a:t>Battery capacity limitation</a:t>
             </a:r>
           </a:p>
@@ -15501,6 +16687,13 @@
               <a:rPr lang="en-US"/>
               <a:t>Weather problem(e.g. strong wind)</a:t>
             </a:r>
+          </a:p>
+          <a:p>
+            <a:r>
+              <a:rPr lang="en-US"/>
+              <a:t>Start from zero</a:t>
+            </a:r>
+            <a:endParaRPr lang="en-US" dirty="0"/>
           </a:p>
           <a:p>
             <a:endParaRPr lang="en-US"/>
@@ -16444,7 +17637,7 @@
         </p:xfrm>
         <a:graphic>
           <a:graphicData uri="http://schemas.openxmlformats.org/drawingml/2006/diagram">
-            <dgm:relIds xmlns:dgm="http://schemas.openxmlformats.org/drawingml/2006/diagram" xmlns:r="http://schemas.openxmlformats.org/officeDocument/2006/relationships" r:dm="rId2" r:lo="rId3" r:qs="rId4" r:cs="rId5"/>
+            <dgm:relIds xmlns:dgm="http://schemas.openxmlformats.org/drawingml/2006/diagram" xmlns:r="http://schemas.openxmlformats.org/officeDocument/2006/relationships" r:dm="rId3" r:lo="rId4" r:qs="rId5" r:cs="rId6"/>
           </a:graphicData>
         </a:graphic>
       </p:graphicFrame>
@@ -16552,45 +17745,83 @@
           </a:p>
           <a:p>
             <a:pPr lvl="1">
-              <a:buFont typeface="Wingdings" charset="2"/>
+              <a:buFont typeface="Wingdings,Sans-Serif" charset="2"/>
               <a:buChar char="Ø"/>
             </a:pPr>
             <a:r>
-              <a:rPr lang="en-GB" altLang="zh-HK">
+              <a:rPr lang="en-US">
+                <a:ea typeface="新細明體"/>
+                <a:cs typeface="Calibri"/>
+              </a:rPr>
+              <a:t>Display real-time view from UAV</a:t>
+            </a:r>
+            <a:endParaRPr lang="en-US">
+              <a:ea typeface="+mn-lt"/>
+              <a:cs typeface="+mn-lt"/>
+            </a:endParaRPr>
+          </a:p>
+          <a:p>
+            <a:pPr lvl="1">
+              <a:buFont typeface="Wingdings,Sans-Serif" charset="2"/>
+              <a:buChar char="Ø"/>
+            </a:pPr>
+            <a:r>
+              <a:rPr lang="en-US">
                 <a:ea typeface="新細明體"/>
                 <a:cs typeface="Calibri"/>
               </a:rPr>
               <a:t>Control UAV</a:t>
             </a:r>
+            <a:endParaRPr lang="en-US">
+              <a:ea typeface="+mn-lt"/>
+              <a:cs typeface="+mn-lt"/>
+            </a:endParaRPr>
           </a:p>
           <a:p>
             <a:pPr lvl="1">
-              <a:buFont typeface="Wingdings" charset="2"/>
+              <a:buFont typeface="Wingdings,Sans-Serif" charset="2"/>
               <a:buChar char="Ø"/>
             </a:pPr>
             <a:r>
-              <a:rPr lang="en-GB" altLang="zh-HK">
+              <a:rPr lang="en-US">
                 <a:ea typeface="新細明體"/>
                 <a:cs typeface="Calibri"/>
               </a:rPr>
-              <a:t>View live stream</a:t>
-            </a:r>
-            <a:endParaRPr lang="en-GB">
-              <a:ea typeface="新細明體"/>
-              <a:cs typeface="Calibri"/>
+              <a:t>Display location of UAV on map</a:t>
+            </a:r>
+            <a:endParaRPr lang="en-US">
+              <a:ea typeface="+mn-lt"/>
+              <a:cs typeface="+mn-lt"/>
             </a:endParaRPr>
           </a:p>
           <a:p>
             <a:pPr lvl="1">
-              <a:buFont typeface="Wingdings" charset="2"/>
+              <a:buFont typeface="Wingdings,Sans-Serif" charset="2"/>
               <a:buChar char="Ø"/>
             </a:pPr>
             <a:r>
-              <a:rPr lang="en-GB" altLang="zh-HK">
+              <a:rPr lang="en-US">
                 <a:ea typeface="新細明體"/>
                 <a:cs typeface="Calibri"/>
               </a:rPr>
-              <a:t>Take photo or video during live stream</a:t>
+              <a:t>Display details of UAV</a:t>
+            </a:r>
+            <a:endParaRPr lang="en-US">
+              <a:ea typeface="+mn-lt"/>
+              <a:cs typeface="+mn-lt"/>
+            </a:endParaRPr>
+          </a:p>
+          <a:p>
+            <a:pPr lvl="1">
+              <a:buFont typeface="Wingdings,Sans-Serif" charset="2"/>
+              <a:buChar char="Ø"/>
+            </a:pPr>
+            <a:r>
+              <a:rPr lang="en-US">
+                <a:ea typeface="新細明體"/>
+                <a:cs typeface="Calibri"/>
+              </a:rPr>
+              <a:t>Take photo or video during live streaming</a:t>
             </a:r>
             <a:endParaRPr lang="en-GB"/>
           </a:p>
@@ -17364,4 +18595,299 @@
     </a:ext>
   </a:extLst>
 </a:theme>
+</file>
+
+<file path=ppt/theme/theme2.xml><?xml version="1.0" encoding="utf-8"?>
+<a:theme xmlns:a="http://schemas.openxmlformats.org/drawingml/2006/main" name="Office Theme">
+  <a:themeElements>
+    <a:clrScheme name="Office">
+      <a:dk1>
+        <a:sysClr val="windowText" lastClr="000000"/>
+      </a:dk1>
+      <a:lt1>
+        <a:sysClr val="window" lastClr="FFFFFF"/>
+      </a:lt1>
+      <a:dk2>
+        <a:srgbClr val="44546A"/>
+      </a:dk2>
+      <a:lt2>
+        <a:srgbClr val="E7E6E6"/>
+      </a:lt2>
+      <a:accent1>
+        <a:srgbClr val="4472C4"/>
+      </a:accent1>
+      <a:accent2>
+        <a:srgbClr val="ED7D31"/>
+      </a:accent2>
+      <a:accent3>
+        <a:srgbClr val="A5A5A5"/>
+      </a:accent3>
+      <a:accent4>
+        <a:srgbClr val="FFC000"/>
+      </a:accent4>
+      <a:accent5>
+        <a:srgbClr val="5B9BD5"/>
+      </a:accent5>
+      <a:accent6>
+        <a:srgbClr val="70AD47"/>
+      </a:accent6>
+      <a:hlink>
+        <a:srgbClr val="0563C1"/>
+      </a:hlink>
+      <a:folHlink>
+        <a:srgbClr val="954F72"/>
+      </a:folHlink>
+    </a:clrScheme>
+    <a:fontScheme name="Office">
+      <a:majorFont>
+        <a:latin typeface="Calibri Light" panose="020F0302020204030204"/>
+        <a:ea typeface=""/>
+        <a:cs typeface=""/>
+        <a:font script="Jpan" typeface="游ゴシック Light"/>
+        <a:font script="Hang" typeface="맑은 고딕"/>
+        <a:font script="Hans" typeface="等线 Light"/>
+        <a:font script="Hant" typeface="新細明體"/>
+        <a:font script="Arab" typeface="Times New Roman"/>
+        <a:font script="Hebr" typeface="Times New Roman"/>
+        <a:font script="Thai" typeface="Angsana New"/>
+        <a:font script="Ethi" typeface="Nyala"/>
+        <a:font script="Beng" typeface="Vrinda"/>
+        <a:font script="Gujr" typeface="Shruti"/>
+        <a:font script="Khmr" typeface="MoolBoran"/>
+        <a:font script="Knda" typeface="Tunga"/>
+        <a:font script="Guru" typeface="Raavi"/>
+        <a:font script="Cans" typeface="Euphemia"/>
+        <a:font script="Cher" typeface="Plantagenet Cherokee"/>
+        <a:font script="Yiii" typeface="Microsoft Yi Baiti"/>
+        <a:font script="Tibt" typeface="Microsoft Himalaya"/>
+        <a:font script="Thaa" typeface="MV Boli"/>
+        <a:font script="Deva" typeface="Mangal"/>
+        <a:font script="Telu" typeface="Gautami"/>
+        <a:font script="Taml" typeface="Latha"/>
+        <a:font script="Syrc" typeface="Estrangelo Edessa"/>
+        <a:font script="Orya" typeface="Kalinga"/>
+        <a:font script="Mlym" typeface="Kartika"/>
+        <a:font script="Laoo" typeface="DokChampa"/>
+        <a:font script="Sinh" typeface="Iskoola Pota"/>
+        <a:font script="Mong" typeface="Mongolian Baiti"/>
+        <a:font script="Viet" typeface="Times New Roman"/>
+        <a:font script="Uigh" typeface="Microsoft Uighur"/>
+        <a:font script="Geor" typeface="Sylfaen"/>
+        <a:font script="Armn" typeface="Arial"/>
+        <a:font script="Bugi" typeface="Leelawadee UI"/>
+        <a:font script="Bopo" typeface="Microsoft JhengHei"/>
+        <a:font script="Java" typeface="Javanese Text"/>
+        <a:font script="Lisu" typeface="Segoe UI"/>
+        <a:font script="Mymr" typeface="Myanmar Text"/>
+        <a:font script="Nkoo" typeface="Ebrima"/>
+        <a:font script="Olck" typeface="Nirmala UI"/>
+        <a:font script="Osma" typeface="Ebrima"/>
+        <a:font script="Phag" typeface="Phagspa"/>
+        <a:font script="Syrn" typeface="Estrangelo Edessa"/>
+        <a:font script="Syrj" typeface="Estrangelo Edessa"/>
+        <a:font script="Syre" typeface="Estrangelo Edessa"/>
+        <a:font script="Sora" typeface="Nirmala UI"/>
+        <a:font script="Tale" typeface="Microsoft Tai Le"/>
+        <a:font script="Talu" typeface="Microsoft New Tai Lue"/>
+        <a:font script="Tfng" typeface="Ebrima"/>
+      </a:majorFont>
+      <a:minorFont>
+        <a:latin typeface="Calibri" panose="020F0502020204030204"/>
+        <a:ea typeface=""/>
+        <a:cs typeface=""/>
+        <a:font script="Jpan" typeface="游ゴシック"/>
+        <a:font script="Hang" typeface="맑은 고딕"/>
+        <a:font script="Hans" typeface="等线"/>
+        <a:font script="Hant" typeface="新細明體"/>
+        <a:font script="Arab" typeface="Arial"/>
+        <a:font script="Hebr" typeface="Arial"/>
+        <a:font script="Thai" typeface="Cordia New"/>
+        <a:font script="Ethi" typeface="Nyala"/>
+        <a:font script="Beng" typeface="Vrinda"/>
+        <a:font script="Gujr" typeface="Shruti"/>
+        <a:font script="Khmr" typeface="DaunPenh"/>
+        <a:font script="Knda" typeface="Tunga"/>
+        <a:font script="Guru" typeface="Raavi"/>
+        <a:font script="Cans" typeface="Euphemia"/>
+        <a:font script="Cher" typeface="Plantagenet Cherokee"/>
+        <a:font script="Yiii" typeface="Microsoft Yi Baiti"/>
+        <a:font script="Tibt" typeface="Microsoft Himalaya"/>
+        <a:font script="Thaa" typeface="MV Boli"/>
+        <a:font script="Deva" typeface="Mangal"/>
+        <a:font script="Telu" typeface="Gautami"/>
+        <a:font script="Taml" typeface="Latha"/>
+        <a:font script="Syrc" typeface="Estrangelo Edessa"/>
+        <a:font script="Orya" typeface="Kalinga"/>
+        <a:font script="Mlym" typeface="Kartika"/>
+        <a:font script="Laoo" typeface="DokChampa"/>
+        <a:font script="Sinh" typeface="Iskoola Pota"/>
+        <a:font script="Mong" typeface="Mongolian Baiti"/>
+        <a:font script="Viet" typeface="Arial"/>
+        <a:font script="Uigh" typeface="Microsoft Uighur"/>
+        <a:font script="Geor" typeface="Sylfaen"/>
+        <a:font script="Armn" typeface="Arial"/>
+        <a:font script="Bugi" typeface="Leelawadee UI"/>
+        <a:font script="Bopo" typeface="Microsoft JhengHei"/>
+        <a:font script="Java" typeface="Javanese Text"/>
+        <a:font script="Lisu" typeface="Segoe UI"/>
+        <a:font script="Mymr" typeface="Myanmar Text"/>
+        <a:font script="Nkoo" typeface="Ebrima"/>
+        <a:font script="Olck" typeface="Nirmala UI"/>
+        <a:font script="Osma" typeface="Ebrima"/>
+        <a:font script="Phag" typeface="Phagspa"/>
+        <a:font script="Syrn" typeface="Estrangelo Edessa"/>
+        <a:font script="Syrj" typeface="Estrangelo Edessa"/>
+        <a:font script="Syre" typeface="Estrangelo Edessa"/>
+        <a:font script="Sora" typeface="Nirmala UI"/>
+        <a:font script="Tale" typeface="Microsoft Tai Le"/>
+        <a:font script="Talu" typeface="Microsoft New Tai Lue"/>
+        <a:font script="Tfng" typeface="Ebrima"/>
+      </a:minorFont>
+    </a:fontScheme>
+    <a:fmtScheme name="Office">
+      <a:fillStyleLst>
+        <a:solidFill>
+          <a:schemeClr val="phClr"/>
+        </a:solidFill>
+        <a:gradFill rotWithShape="1">
+          <a:gsLst>
+            <a:gs pos="0">
+              <a:schemeClr val="phClr">
+                <a:lumMod val="110000"/>
+                <a:satMod val="105000"/>
+                <a:tint val="67000"/>
+              </a:schemeClr>
+            </a:gs>
+            <a:gs pos="50000">
+              <a:schemeClr val="phClr">
+                <a:lumMod val="105000"/>
+                <a:satMod val="103000"/>
+                <a:tint val="73000"/>
+              </a:schemeClr>
+            </a:gs>
+            <a:gs pos="100000">
+              <a:schemeClr val="phClr">
+                <a:lumMod val="105000"/>
+                <a:satMod val="109000"/>
+                <a:tint val="81000"/>
+              </a:schemeClr>
+            </a:gs>
+          </a:gsLst>
+          <a:lin ang="5400000" scaled="0"/>
+        </a:gradFill>
+        <a:gradFill rotWithShape="1">
+          <a:gsLst>
+            <a:gs pos="0">
+              <a:schemeClr val="phClr">
+                <a:satMod val="103000"/>
+                <a:lumMod val="102000"/>
+                <a:tint val="94000"/>
+              </a:schemeClr>
+            </a:gs>
+            <a:gs pos="50000">
+              <a:schemeClr val="phClr">
+                <a:satMod val="110000"/>
+                <a:lumMod val="100000"/>
+                <a:shade val="100000"/>
+              </a:schemeClr>
+            </a:gs>
+            <a:gs pos="100000">
+              <a:schemeClr val="phClr">
+                <a:lumMod val="99000"/>
+                <a:satMod val="120000"/>
+                <a:shade val="78000"/>
+              </a:schemeClr>
+            </a:gs>
+          </a:gsLst>
+          <a:lin ang="5400000" scaled="0"/>
+        </a:gradFill>
+      </a:fillStyleLst>
+      <a:lnStyleLst>
+        <a:ln w="6350" cap="flat" cmpd="sng" algn="ctr">
+          <a:solidFill>
+            <a:schemeClr val="phClr"/>
+          </a:solidFill>
+          <a:prstDash val="solid"/>
+          <a:miter lim="800000"/>
+        </a:ln>
+        <a:ln w="12700" cap="flat" cmpd="sng" algn="ctr">
+          <a:solidFill>
+            <a:schemeClr val="phClr"/>
+          </a:solidFill>
+          <a:prstDash val="solid"/>
+          <a:miter lim="800000"/>
+        </a:ln>
+        <a:ln w="19050" cap="flat" cmpd="sng" algn="ctr">
+          <a:solidFill>
+            <a:schemeClr val="phClr"/>
+          </a:solidFill>
+          <a:prstDash val="solid"/>
+          <a:miter lim="800000"/>
+        </a:ln>
+      </a:lnStyleLst>
+      <a:effectStyleLst>
+        <a:effectStyle>
+          <a:effectLst/>
+        </a:effectStyle>
+        <a:effectStyle>
+          <a:effectLst/>
+        </a:effectStyle>
+        <a:effectStyle>
+          <a:effectLst>
+            <a:outerShdw blurRad="57150" dist="19050" dir="5400000" algn="ctr" rotWithShape="0">
+              <a:srgbClr val="000000">
+                <a:alpha val="63000"/>
+              </a:srgbClr>
+            </a:outerShdw>
+          </a:effectLst>
+        </a:effectStyle>
+      </a:effectStyleLst>
+      <a:bgFillStyleLst>
+        <a:solidFill>
+          <a:schemeClr val="phClr"/>
+        </a:solidFill>
+        <a:solidFill>
+          <a:schemeClr val="phClr">
+            <a:tint val="95000"/>
+            <a:satMod val="170000"/>
+          </a:schemeClr>
+        </a:solidFill>
+        <a:gradFill rotWithShape="1">
+          <a:gsLst>
+            <a:gs pos="0">
+              <a:schemeClr val="phClr">
+                <a:tint val="93000"/>
+                <a:satMod val="150000"/>
+                <a:shade val="98000"/>
+                <a:lumMod val="102000"/>
+              </a:schemeClr>
+            </a:gs>
+            <a:gs pos="50000">
+              <a:schemeClr val="phClr">
+                <a:tint val="98000"/>
+                <a:satMod val="130000"/>
+                <a:shade val="90000"/>
+                <a:lumMod val="103000"/>
+              </a:schemeClr>
+            </a:gs>
+            <a:gs pos="100000">
+              <a:schemeClr val="phClr">
+                <a:shade val="63000"/>
+                <a:satMod val="120000"/>
+              </a:schemeClr>
+            </a:gs>
+          </a:gsLst>
+          <a:lin ang="5400000" scaled="0"/>
+        </a:gradFill>
+      </a:bgFillStyleLst>
+    </a:fmtScheme>
+  </a:themeElements>
+  <a:objectDefaults/>
+  <a:extraClrSchemeLst/>
+  <a:extLst>
+    <a:ext uri="{05A4C25C-085E-4340-85A3-A5531E510DB2}">
+      <thm15:themeFamily xmlns:thm15="http://schemas.microsoft.com/office/thememl/2012/main" name="Office Theme" id="{62F939B6-93AF-4DB8-9C6B-D6C7DFDC589F}" vid="{4A3C46E8-61CC-4603-A589-7422A47A8E4A}"/>
+    </a:ext>
+  </a:extLst>
+</a:theme>
 </file>
--- a/FYP_document/Interim Report/Interim Report.pptx
+++ b/FYP_document/Interim Report/Interim Report.pptx
@@ -28,7 +28,7 @@
     <p:sldId id="271" r:id="rId19"/>
   </p:sldIdLst>
   <p:sldSz cx="12192000" cy="6858000"/>
-  <p:notesSz cx="6858000" cy="1257300"/>
+  <p:notesSz cx="6858000" cy="1609725"/>
   <p:defaultTextStyle>
     <a:defPPr>
       <a:defRPr lang="en-US"/>
@@ -135,22 +135,12 @@
 <file path=ppt/revisionInfo.xml><?xml version="1.0" encoding="utf-8"?>
 <p1510:revInfo xmlns:a="http://schemas.openxmlformats.org/drawingml/2006/main" xmlns:r="http://schemas.openxmlformats.org/officeDocument/2006/relationships" xmlns:p1510="http://schemas.microsoft.com/office/powerpoint/2015/10/main">
   <p1510:revLst>
-    <p1510:client id="{048C8B57-77B8-193A-7FED-AA2CFEB14ED9}" v="3" dt="2020-02-22T11:59:04.830"/>
-    <p1510:client id="{12E9A837-DF2E-E899-09D3-381A822EBB6E}" v="136" dt="2020-02-22T16:47:15.802"/>
     <p1510:client id="{17033B73-FA6F-0479-06A1-F5A340AABF69}" v="1" dt="2020-02-23T11:41:09.719"/>
-    <p1510:client id="{1D60F694-825F-D07D-6ECF-6456D21248F5}" v="19" dt="2020-02-22T18:21:54.993"/>
-    <p1510:client id="{2C9BF2D5-6323-075C-A267-D51EC8CEC271}" v="137" dt="2020-02-22T14:31:00.205"/>
     <p1510:client id="{5866856D-0A07-7F73-703A-A33D8480A58B}" v="1" dt="2020-02-23T04:08:12.055"/>
-    <p1510:client id="{5A7A93B1-BD6F-A64C-56E8-2A2AE74A58B7}" v="58" dt="2020-02-22T11:03:29.921"/>
     <p1510:client id="{8720861B-4EE3-78C0-6B5C-951DD5213E42}" v="216" dt="2020-02-23T09:57:29.812"/>
-    <p1510:client id="{AFF94440-D5F2-B0E7-7028-6DB9513F1604}" v="11" dt="2020-02-21T07:52:14.579"/>
-    <p1510:client id="{B1F6281B-64C9-91CA-FCF4-88547F443629}" v="270" dt="2020-02-21T08:05:52.399"/>
     <p1510:client id="{BFE9D067-DBCD-F42F-AC47-DB631C480AC4}" v="1349" dt="2020-02-22T23:48:19.875"/>
     <p1510:client id="{C54D8A74-95EE-4D38-7DB4-567CF6F97BA9}" v="29" dt="2020-02-23T09:06:24.077"/>
-    <p1510:client id="{CD075F75-8064-DE1E-6FDD-712C3EED206D}" v="1" dt="2020-02-22T17:04:15.361"/>
-    <p1510:client id="{DE24C8CA-2725-18C5-3130-BA89F31D1C6A}" v="23" dt="2020-02-23T16:07:27.161"/>
-    <p1510:client id="{DEADE30B-3570-FE0F-B6AB-FAE7FA0773B8}" v="1" dt="2020-02-21T08:26:53.101"/>
-    <p1510:client id="{E9C18157-7F45-F7F3-5644-2550DE6E3E70}" v="59" dt="2020-02-22T15:25:17.197"/>
+    <p1510:client id="{DE24C8CA-2725-18C5-3130-BA89F31D1C6A}" v="34" dt="2020-02-23T18:39:53.026"/>
     <p1510:client id="{ECC2BD31-6E43-2DFD-F176-4B62260E8709}" v="258" dt="2020-02-23T10:04:07.462"/>
   </p1510:revLst>
 </p1510:revInfo>
@@ -3382,6 +3372,38 @@
     </pc:docChg>
   </pc:docChgLst>
   <pc:docChgLst>
+    <pc:chgData name="KWOK Tsz Lung" userId="S::180047074@stu.vtc.edu.hk::457495bb-c13f-4d39-bbb9-90b2a66fb625" providerId="AD" clId="Web-{CD075F75-8064-DE1E-6FDD-712C3EED206D}"/>
+    <pc:docChg chg="modSld">
+      <pc:chgData name="KWOK Tsz Lung" userId="S::180047074@stu.vtc.edu.hk::457495bb-c13f-4d39-bbb9-90b2a66fb625" providerId="AD" clId="Web-{CD075F75-8064-DE1E-6FDD-712C3EED206D}" dt="2020-02-22T17:04:15.361" v="0"/>
+      <pc:docMkLst>
+        <pc:docMk/>
+      </pc:docMkLst>
+      <pc:sldChg chg="addSp delSp modSp">
+        <pc:chgData name="KWOK Tsz Lung" userId="S::180047074@stu.vtc.edu.hk::457495bb-c13f-4d39-bbb9-90b2a66fb625" providerId="AD" clId="Web-{CD075F75-8064-DE1E-6FDD-712C3EED206D}" dt="2020-02-22T17:04:15.361" v="0"/>
+        <pc:sldMkLst>
+          <pc:docMk/>
+          <pc:sldMk cId="1589657441" sldId="264"/>
+        </pc:sldMkLst>
+        <pc:spChg chg="add mod">
+          <ac:chgData name="KWOK Tsz Lung" userId="S::180047074@stu.vtc.edu.hk::457495bb-c13f-4d39-bbb9-90b2a66fb625" providerId="AD" clId="Web-{CD075F75-8064-DE1E-6FDD-712C3EED206D}" dt="2020-02-22T17:04:15.361" v="0"/>
+          <ac:spMkLst>
+            <pc:docMk/>
+            <pc:sldMk cId="1589657441" sldId="264"/>
+            <ac:spMk id="5" creationId="{F48C0F6E-D112-4015-8822-CEE2819B96E3}"/>
+          </ac:spMkLst>
+        </pc:spChg>
+        <pc:picChg chg="del">
+          <ac:chgData name="KWOK Tsz Lung" userId="S::180047074@stu.vtc.edu.hk::457495bb-c13f-4d39-bbb9-90b2a66fb625" providerId="AD" clId="Web-{CD075F75-8064-DE1E-6FDD-712C3EED206D}" dt="2020-02-22T17:04:15.361" v="0"/>
+          <ac:picMkLst>
+            <pc:docMk/>
+            <pc:sldMk cId="1589657441" sldId="264"/>
+            <ac:picMk id="4" creationId="{77DBCEA5-76F6-4AFD-959F-8AAB0AB51C15}"/>
+          </ac:picMkLst>
+        </pc:picChg>
+      </pc:sldChg>
+    </pc:docChg>
+  </pc:docChgLst>
+  <pc:docChgLst>
     <pc:chgData name="KWOK Tsz Lung" userId="S::180047074@stu.vtc.edu.hk::457495bb-c13f-4d39-bbb9-90b2a66fb625" providerId="AD" clId="Web-{12E9A837-DF2E-E899-09D3-381A822EBB6E}"/>
     <pc:docChg chg="addSld modSld">
       <pc:chgData name="KWOK Tsz Lung" userId="S::180047074@stu.vtc.edu.hk::457495bb-c13f-4d39-bbb9-90b2a66fb625" providerId="AD" clId="Web-{12E9A837-DF2E-E899-09D3-381A822EBB6E}" dt="2020-02-22T16:47:15.802" v="131" actId="1076"/>
@@ -3523,38 +3545,6 @@
             <ac:spMk id="2" creationId="{CF5366CC-DA41-4123-9F9D-9542860FA4C8}"/>
           </ac:spMkLst>
         </pc:spChg>
-      </pc:sldChg>
-    </pc:docChg>
-  </pc:docChgLst>
-  <pc:docChgLst>
-    <pc:chgData name="KWOK Tsz Lung" userId="S::180047074@stu.vtc.edu.hk::457495bb-c13f-4d39-bbb9-90b2a66fb625" providerId="AD" clId="Web-{CD075F75-8064-DE1E-6FDD-712C3EED206D}"/>
-    <pc:docChg chg="modSld">
-      <pc:chgData name="KWOK Tsz Lung" userId="S::180047074@stu.vtc.edu.hk::457495bb-c13f-4d39-bbb9-90b2a66fb625" providerId="AD" clId="Web-{CD075F75-8064-DE1E-6FDD-712C3EED206D}" dt="2020-02-22T17:04:15.361" v="0"/>
-      <pc:docMkLst>
-        <pc:docMk/>
-      </pc:docMkLst>
-      <pc:sldChg chg="addSp delSp modSp">
-        <pc:chgData name="KWOK Tsz Lung" userId="S::180047074@stu.vtc.edu.hk::457495bb-c13f-4d39-bbb9-90b2a66fb625" providerId="AD" clId="Web-{CD075F75-8064-DE1E-6FDD-712C3EED206D}" dt="2020-02-22T17:04:15.361" v="0"/>
-        <pc:sldMkLst>
-          <pc:docMk/>
-          <pc:sldMk cId="1589657441" sldId="264"/>
-        </pc:sldMkLst>
-        <pc:spChg chg="add mod">
-          <ac:chgData name="KWOK Tsz Lung" userId="S::180047074@stu.vtc.edu.hk::457495bb-c13f-4d39-bbb9-90b2a66fb625" providerId="AD" clId="Web-{CD075F75-8064-DE1E-6FDD-712C3EED206D}" dt="2020-02-22T17:04:15.361" v="0"/>
-          <ac:spMkLst>
-            <pc:docMk/>
-            <pc:sldMk cId="1589657441" sldId="264"/>
-            <ac:spMk id="5" creationId="{F48C0F6E-D112-4015-8822-CEE2819B96E3}"/>
-          </ac:spMkLst>
-        </pc:spChg>
-        <pc:picChg chg="del">
-          <ac:chgData name="KWOK Tsz Lung" userId="S::180047074@stu.vtc.edu.hk::457495bb-c13f-4d39-bbb9-90b2a66fb625" providerId="AD" clId="Web-{CD075F75-8064-DE1E-6FDD-712C3EED206D}" dt="2020-02-22T17:04:15.361" v="0"/>
-          <ac:picMkLst>
-            <pc:docMk/>
-            <pc:sldMk cId="1589657441" sldId="264"/>
-            <ac:picMk id="4" creationId="{77DBCEA5-76F6-4AFD-959F-8AAB0AB51C15}"/>
-          </ac:picMkLst>
-        </pc:picChg>
       </pc:sldChg>
     </pc:docChg>
   </pc:docChgLst>
@@ -3879,6 +3869,22 @@
     </pc:docChg>
   </pc:docChgLst>
   <pc:docChgLst>
+    <pc:chgData name="KWOK Tsz Lung" userId="S::180047074@stu.vtc.edu.hk::457495bb-c13f-4d39-bbb9-90b2a66fb625" providerId="AD" clId="Web-{0D48B6D4-3ECA-E224-9B3D-84CBFB4AA8B3}"/>
+    <pc:docChg chg="modSld">
+      <pc:chgData name="KWOK Tsz Lung" userId="S::180047074@stu.vtc.edu.hk::457495bb-c13f-4d39-bbb9-90b2a66fb625" providerId="AD" clId="Web-{0D48B6D4-3ECA-E224-9B3D-84CBFB4AA8B3}" dt="2020-02-23T19:57:11.520" v="2"/>
+      <pc:docMkLst>
+        <pc:docMk/>
+      </pc:docMkLst>
+      <pc:sldChg chg="modNotes">
+        <pc:chgData name="KWOK Tsz Lung" userId="S::180047074@stu.vtc.edu.hk::457495bb-c13f-4d39-bbb9-90b2a66fb625" providerId="AD" clId="Web-{0D48B6D4-3ECA-E224-9B3D-84CBFB4AA8B3}" dt="2020-02-23T19:57:11.520" v="2"/>
+        <pc:sldMkLst>
+          <pc:docMk/>
+          <pc:sldMk cId="116031176" sldId="272"/>
+        </pc:sldMkLst>
+      </pc:sldChg>
+    </pc:docChg>
+  </pc:docChgLst>
+  <pc:docChgLst>
     <pc:chgData name="KWOK Tsz Lung" userId="S::180047074@stu.vtc.edu.hk::457495bb-c13f-4d39-bbb9-90b2a66fb625" providerId="AD" clId="Web-{E9C18157-7F45-F7F3-5644-2550DE6E3E70}"/>
     <pc:docChg chg="addSld modSld addMainMaster delMainMaster">
       <pc:chgData name="KWOK Tsz Lung" userId="S::180047074@stu.vtc.edu.hk::457495bb-c13f-4d39-bbb9-90b2a66fb625" providerId="AD" clId="Web-{E9C18157-7F45-F7F3-5644-2550DE6E3E70}" dt="2020-02-22T15:25:17.197" v="54" actId="14100"/>
@@ -4508,12 +4514,50 @@
     </pc:docChg>
   </pc:docChgLst>
   <pc:docChgLst>
-    <pc:chgData name="KWOK Tsz Lung" userId="S::180047074@stu.vtc.edu.hk::457495bb-c13f-4d39-bbb9-90b2a66fb625" providerId="AD" clId="Web-{DE24C8CA-2725-18C5-3130-BA89F31D1C6A}"/>
+    <pc:chgData name="KWOK Tsz Lung" userId="S::180047074@stu.vtc.edu.hk::457495bb-c13f-4d39-bbb9-90b2a66fb625" providerId="AD" clId="Web-{E83B7170-46FF-A91F-E76A-43DB3CA7334A}"/>
     <pc:docChg chg="modSld">
-      <pc:chgData name="KWOK Tsz Lung" userId="S::180047074@stu.vtc.edu.hk::457495bb-c13f-4d39-bbb9-90b2a66fb625" providerId="AD" clId="Web-{DE24C8CA-2725-18C5-3130-BA89F31D1C6A}" dt="2020-02-23T16:07:49.131" v="536"/>
+      <pc:chgData name="KWOK Tsz Lung" userId="S::180047074@stu.vtc.edu.hk::457495bb-c13f-4d39-bbb9-90b2a66fb625" providerId="AD" clId="Web-{E83B7170-46FF-A91F-E76A-43DB3CA7334A}" dt="2020-02-23T19:38:26.295" v="13"/>
       <pc:docMkLst>
         <pc:docMk/>
       </pc:docMkLst>
+      <pc:sldChg chg="modNotes">
+        <pc:chgData name="KWOK Tsz Lung" userId="S::180047074@stu.vtc.edu.hk::457495bb-c13f-4d39-bbb9-90b2a66fb625" providerId="AD" clId="Web-{E83B7170-46FF-A91F-E76A-43DB3CA7334A}" dt="2020-02-23T19:38:26.295" v="13"/>
+        <pc:sldMkLst>
+          <pc:docMk/>
+          <pc:sldMk cId="2351657984" sldId="262"/>
+        </pc:sldMkLst>
+      </pc:sldChg>
+    </pc:docChg>
+  </pc:docChgLst>
+  <pc:docChgLst>
+    <pc:chgData name="KWOK Tsz Lung" userId="S::180047074@stu.vtc.edu.hk::457495bb-c13f-4d39-bbb9-90b2a66fb625" providerId="AD" clId="Web-{DE24C8CA-2725-18C5-3130-BA89F31D1C6A}"/>
+    <pc:docChg chg="modSld">
+      <pc:chgData name="KWOK Tsz Lung" userId="S::180047074@stu.vtc.edu.hk::457495bb-c13f-4d39-bbb9-90b2a66fb625" providerId="AD" clId="Web-{DE24C8CA-2725-18C5-3130-BA89F31D1C6A}" dt="2020-02-23T19:06:00.698" v="948"/>
+      <pc:docMkLst>
+        <pc:docMk/>
+      </pc:docMkLst>
+      <pc:sldChg chg="modNotes">
+        <pc:chgData name="KWOK Tsz Lung" userId="S::180047074@stu.vtc.edu.hk::457495bb-c13f-4d39-bbb9-90b2a66fb625" providerId="AD" clId="Web-{DE24C8CA-2725-18C5-3130-BA89F31D1C6A}" dt="2020-02-23T19:06:00.698" v="948"/>
+        <pc:sldMkLst>
+          <pc:docMk/>
+          <pc:sldMk cId="913692420" sldId="258"/>
+        </pc:sldMkLst>
+      </pc:sldChg>
+      <pc:sldChg chg="modSp modNotes">
+        <pc:chgData name="KWOK Tsz Lung" userId="S::180047074@stu.vtc.edu.hk::457495bb-c13f-4d39-bbb9-90b2a66fb625" providerId="AD" clId="Web-{DE24C8CA-2725-18C5-3130-BA89F31D1C6A}" dt="2020-02-23T18:41:26.043" v="947"/>
+        <pc:sldMkLst>
+          <pc:docMk/>
+          <pc:sldMk cId="1655343634" sldId="259"/>
+        </pc:sldMkLst>
+        <pc:spChg chg="mod">
+          <ac:chgData name="KWOK Tsz Lung" userId="S::180047074@stu.vtc.edu.hk::457495bb-c13f-4d39-bbb9-90b2a66fb625" providerId="AD" clId="Web-{DE24C8CA-2725-18C5-3130-BA89F31D1C6A}" dt="2020-02-23T18:39:51.933" v="877" actId="20577"/>
+          <ac:spMkLst>
+            <pc:docMk/>
+            <pc:sldMk cId="1655343634" sldId="259"/>
+            <ac:spMk id="3" creationId="{BF1780A5-7906-45B7-884C-67583EA9D91A}"/>
+          </ac:spMkLst>
+        </pc:spChg>
+      </pc:sldChg>
       <pc:sldChg chg="modNotes">
         <pc:chgData name="KWOK Tsz Lung" userId="S::180047074@stu.vtc.edu.hk::457495bb-c13f-4d39-bbb9-90b2a66fb625" providerId="AD" clId="Web-{DE24C8CA-2725-18C5-3130-BA89F31D1C6A}" dt="2020-02-23T13:26:19.044" v="137"/>
         <pc:sldMkLst>
@@ -4558,8 +4602,23 @@
           </ac:spMkLst>
         </pc:spChg>
       </pc:sldChg>
+      <pc:sldChg chg="modSp modNotes">
+        <pc:chgData name="KWOK Tsz Lung" userId="S::180047074@stu.vtc.edu.hk::457495bb-c13f-4d39-bbb9-90b2a66fb625" providerId="AD" clId="Web-{DE24C8CA-2725-18C5-3130-BA89F31D1C6A}" dt="2020-02-23T17:32:45.355" v="835"/>
+        <pc:sldMkLst>
+          <pc:docMk/>
+          <pc:sldMk cId="270414911" sldId="270"/>
+        </pc:sldMkLst>
+        <pc:spChg chg="mod">
+          <ac:chgData name="KWOK Tsz Lung" userId="S::180047074@stu.vtc.edu.hk::457495bb-c13f-4d39-bbb9-90b2a66fb625" providerId="AD" clId="Web-{DE24C8CA-2725-18C5-3130-BA89F31D1C6A}" dt="2020-02-23T17:30:54.027" v="739" actId="20577"/>
+          <ac:spMkLst>
+            <pc:docMk/>
+            <pc:sldMk cId="270414911" sldId="270"/>
+            <ac:spMk id="4" creationId="{13D4094E-727B-4529-88B8-D31781BEE1D2}"/>
+          </ac:spMkLst>
+        </pc:spChg>
+      </pc:sldChg>
       <pc:sldChg chg="modNotes">
-        <pc:chgData name="KWOK Tsz Lung" userId="S::180047074@stu.vtc.edu.hk::457495bb-c13f-4d39-bbb9-90b2a66fb625" providerId="AD" clId="Web-{DE24C8CA-2725-18C5-3130-BA89F31D1C6A}" dt="2020-02-23T14:02:06.817" v="188"/>
+        <pc:chgData name="KWOK Tsz Lung" userId="S::180047074@stu.vtc.edu.hk::457495bb-c13f-4d39-bbb9-90b2a66fb625" providerId="AD" clId="Web-{DE24C8CA-2725-18C5-3130-BA89F31D1C6A}" dt="2020-02-23T16:58:38.879" v="566"/>
         <pc:sldMkLst>
           <pc:docMk/>
           <pc:sldMk cId="116031176" sldId="272"/>
@@ -4593,6 +4652,30 @@
             <pc:docMk/>
             <pc:sldMk cId="1655343634" sldId="259"/>
             <ac:spMk id="3" creationId="{BF1780A5-7906-45B7-884C-67583EA9D91A}"/>
+          </ac:spMkLst>
+        </pc:spChg>
+      </pc:sldChg>
+    </pc:docChg>
+  </pc:docChgLst>
+  <pc:docChgLst>
+    <pc:chgData name="WONG Ming Yuen" userId="dfbcadc2-a046-44d4-a637-886e147bbe48" providerId="ADAL" clId="{E8339901-ECB2-2841-82A7-9BD5BF3C4AAD}"/>
+    <pc:docChg chg="custSel modSld">
+      <pc:chgData name="WONG Ming Yuen" userId="dfbcadc2-a046-44d4-a637-886e147bbe48" providerId="ADAL" clId="{E8339901-ECB2-2841-82A7-9BD5BF3C4AAD}" dt="2020-02-23T21:10:05.059" v="36" actId="20577"/>
+      <pc:docMkLst>
+        <pc:docMk/>
+      </pc:docMkLst>
+      <pc:sldChg chg="modSp">
+        <pc:chgData name="WONG Ming Yuen" userId="dfbcadc2-a046-44d4-a637-886e147bbe48" providerId="ADAL" clId="{E8339901-ECB2-2841-82A7-9BD5BF3C4AAD}" dt="2020-02-23T21:10:05.059" v="36" actId="20577"/>
+        <pc:sldMkLst>
+          <pc:docMk/>
+          <pc:sldMk cId="913692420" sldId="258"/>
+        </pc:sldMkLst>
+        <pc:spChg chg="mod">
+          <ac:chgData name="WONG Ming Yuen" userId="dfbcadc2-a046-44d4-a637-886e147bbe48" providerId="ADAL" clId="{E8339901-ECB2-2841-82A7-9BD5BF3C4AAD}" dt="2020-02-23T21:10:05.059" v="36" actId="20577"/>
+          <ac:spMkLst>
+            <pc:docMk/>
+            <pc:sldMk cId="913692420" sldId="258"/>
+            <ac:spMk id="3" creationId="{EE77B1A5-4808-428C-9E47-ADCFA82C9CCA}"/>
           </ac:spMkLst>
         </pc:spChg>
       </pc:sldChg>
@@ -5524,9 +5607,9 @@
   <dgm:cxnLst>
     <dgm:cxn modelId="{0C485006-170B-421E-9CB4-5C3819EC9B5A}" type="presOf" srcId="{1E030653-76F2-41C3-81EE-A570AAD3537E}" destId="{85473476-0BCF-434F-A83F-5C352AAF9EE4}" srcOrd="1" destOrd="0" presId="urn:microsoft.com/office/officeart/2005/8/layout/radial5"/>
     <dgm:cxn modelId="{A44F2D27-B0C7-4CB3-B1E7-6AA85DA05C8B}" srcId="{558B3037-47E0-4DDC-A17B-D780FB79F8A3}" destId="{1231908D-3FE5-4A16-97A4-5D1F9B93AAF1}" srcOrd="0" destOrd="0" parTransId="{DE02F637-6585-4125-AC99-D9C3C4154D0D}" sibTransId="{02F07229-CB44-4FAA-94D4-04AD50D1C655}"/>
-    <dgm:cxn modelId="{EFD05A5E-50C5-4CA9-8C7B-85CA6523D0B4}" srcId="{558B3037-47E0-4DDC-A17B-D780FB79F8A3}" destId="{1701E6BB-E068-4D0C-B58A-C89E689C0C04}" srcOrd="1" destOrd="0" parTransId="{1E030653-76F2-41C3-81EE-A570AAD3537E}" sibTransId="{EA8DE7F5-BA42-4B2F-8DE4-95080B030FA4}"/>
     <dgm:cxn modelId="{F3A1EC46-8925-434B-860F-57ABD352C129}" type="presOf" srcId="{DE02F637-6585-4125-AC99-D9C3C4154D0D}" destId="{3E168FC9-8C26-4533-B239-6D987CAF5B20}" srcOrd="0" destOrd="0" presId="urn:microsoft.com/office/officeart/2005/8/layout/radial5"/>
     <dgm:cxn modelId="{CE006749-F8DE-44FA-AC06-A578CDA2C4D2}" srcId="{72EF5370-1D91-4F00-BECE-9DCD0FD92275}" destId="{558B3037-47E0-4DDC-A17B-D780FB79F8A3}" srcOrd="0" destOrd="0" parTransId="{04BF798B-424A-462B-A2AA-508453C325A0}" sibTransId="{0ACD1239-EEBA-4DBA-99FD-6927D438E119}"/>
+    <dgm:cxn modelId="{EFD05A5E-50C5-4CA9-8C7B-85CA6523D0B4}" srcId="{558B3037-47E0-4DDC-A17B-D780FB79F8A3}" destId="{1701E6BB-E068-4D0C-B58A-C89E689C0C04}" srcOrd="1" destOrd="0" parTransId="{1E030653-76F2-41C3-81EE-A570AAD3537E}" sibTransId="{EA8DE7F5-BA42-4B2F-8DE4-95080B030FA4}"/>
     <dgm:cxn modelId="{AF713776-A7C3-46CF-B494-00B15FA851AE}" type="presOf" srcId="{1701E6BB-E068-4D0C-B58A-C89E689C0C04}" destId="{47478AFF-93BF-4B2D-9CDF-ADFD0394E35F}" srcOrd="0" destOrd="0" presId="urn:microsoft.com/office/officeart/2005/8/layout/radial5"/>
     <dgm:cxn modelId="{41354F78-9F59-4C7A-9D68-4BBD652DEF5C}" type="presOf" srcId="{1E030653-76F2-41C3-81EE-A570AAD3537E}" destId="{C97F1119-DAFD-4575-A181-3CE66A567AD5}" srcOrd="0" destOrd="0" presId="urn:microsoft.com/office/officeart/2005/8/layout/radial5"/>
     <dgm:cxn modelId="{5846758F-A922-47E7-BC76-76620BCBC2A1}" type="presOf" srcId="{558B3037-47E0-4DDC-A17B-D780FB79F8A3}" destId="{CB7995A4-5B20-42D6-9EB7-43BD1D8546B7}" srcOrd="0" destOrd="0" presId="urn:microsoft.com/office/officeart/2005/8/layout/radial5"/>
@@ -7292,7 +7375,7 @@
           <a:p>
             <a:fld id="{1556B4E8-8F39-45A9-A0BC-40355D4F7D0A}" type="datetimeFigureOut">
               <a:rPr lang="en-US"/>
-              <a:t>2/23/2020</a:t>
+              <a:t>2/24/20</a:t>
             </a:fld>
             <a:endParaRPr lang="en-US"/>
           </a:p>
@@ -7604,7 +7687,7 @@
           <a:lstStyle/>
           <a:p>
             <a:r>
-              <a:rPr lang="en-US" dirty="0">
+              <a:rPr lang="en-US">
                 <a:cs typeface="Calibri"/>
               </a:rPr>
               <a:t>This is our presentation outline. We will first talk about the objectives and the reasons why we create this system. Then, we will talk about the function provided by client side and Server side. </a:t>
@@ -7639,6 +7722,261 @@
     <p:extLst>
       <p:ext uri="{BB962C8B-B14F-4D97-AF65-F5344CB8AC3E}">
         <p14:creationId xmlns:p14="http://schemas.microsoft.com/office/powerpoint/2010/main" val="4283712605"/>
+      </p:ext>
+    </p:extLst>
+  </p:cSld>
+  <p:clrMapOvr>
+    <a:masterClrMapping/>
+  </p:clrMapOvr>
+</p:notes>
+</file>
+
+<file path=ppt/notesSlides/notesSlide10.xml><?xml version="1.0" encoding="utf-8"?>
+<p:notes xmlns:a="http://schemas.openxmlformats.org/drawingml/2006/main" xmlns:r="http://schemas.openxmlformats.org/officeDocument/2006/relationships" xmlns:p="http://schemas.openxmlformats.org/presentationml/2006/main">
+  <p:cSld>
+    <p:spTree>
+      <p:nvGrpSpPr>
+        <p:cNvPr id="1" name=""/>
+        <p:cNvGrpSpPr/>
+        <p:nvPr/>
+      </p:nvGrpSpPr>
+      <p:grpSpPr>
+        <a:xfrm>
+          <a:off x="0" y="0"/>
+          <a:ext cx="0" cy="0"/>
+          <a:chOff x="0" y="0"/>
+          <a:chExt cx="0" cy="0"/>
+        </a:xfrm>
+      </p:grpSpPr>
+      <p:sp>
+        <p:nvSpPr>
+          <p:cNvPr id="2" name="Slide Image Placeholder 1"/>
+          <p:cNvSpPr>
+            <a:spLocks noGrp="1" noRot="1" noChangeAspect="1"/>
+          </p:cNvSpPr>
+          <p:nvPr>
+            <p:ph type="sldImg"/>
+          </p:nvPr>
+        </p:nvSpPr>
+        <p:spPr/>
+      </p:sp>
+      <p:sp>
+        <p:nvSpPr>
+          <p:cNvPr id="3" name="Notes Placeholder 2"/>
+          <p:cNvSpPr>
+            <a:spLocks noGrp="1"/>
+          </p:cNvSpPr>
+          <p:nvPr>
+            <p:ph type="body" idx="1"/>
+          </p:nvPr>
+        </p:nvSpPr>
+        <p:spPr/>
+        <p:txBody>
+          <a:bodyPr/>
+          <a:lstStyle/>
+          <a:p>
+            <a:r>
+              <a:rPr lang="en-US">
+                <a:cs typeface="Calibri"/>
+              </a:rPr>
+              <a:t>For the critical environment, first of all we worried about the network stability, as the network connection sometimes is too slow. </a:t>
+            </a:r>
+            <a:br>
+              <a:rPr lang="en-US">
+                <a:cs typeface="+mn-lt"/>
+              </a:rPr>
+            </a:br>
+            <a:r>
+              <a:rPr lang="en-US">
+                <a:cs typeface="Calibri"/>
+              </a:rPr>
+              <a:t>Then is the battery capacity limitation. Under our calculation, the battery we used will provide 21.6 minutes of flight times. </a:t>
+            </a:r>
+            <a:br>
+              <a:rPr lang="en-US">
+                <a:cs typeface="+mn-lt"/>
+              </a:rPr>
+            </a:br>
+            <a:r>
+              <a:rPr lang="en-US">
+                <a:cs typeface="Calibri"/>
+              </a:rPr>
+              <a:t>Next, is the fire risk with LiPi battery. W</a:t>
+            </a:r>
+            <a:r>
+              <a:rPr lang="en-US"/>
+              <a:t>e use Lithium Polymer technology which allows considerable energy to be stored in a small package. However, they are related to fire risk and have been known to catch fire spontaneously while charging or if punctured. </a:t>
+            </a:r>
+            <a:br>
+              <a:rPr lang="en-US"/>
+            </a:br>
+            <a:r>
+              <a:rPr lang="en-US"/>
+              <a:t>After that, will be the weather problem. We do not recommend users to fly drones in rainny, snowy days or even in the drizzle because not only the aircraft may take some physical effects, but also the electronics may take damages.</a:t>
+            </a:r>
+            <a:endParaRPr lang="en-US">
+              <a:cs typeface="Calibri"/>
+            </a:endParaRPr>
+          </a:p>
+        </p:txBody>
+      </p:sp>
+      <p:sp>
+        <p:nvSpPr>
+          <p:cNvPr id="4" name="Slide Number Placeholder 3"/>
+          <p:cNvSpPr>
+            <a:spLocks noGrp="1"/>
+          </p:cNvSpPr>
+          <p:nvPr>
+            <p:ph type="sldNum" sz="quarter" idx="5"/>
+          </p:nvPr>
+        </p:nvSpPr>
+        <p:spPr/>
+        <p:txBody>
+          <a:bodyPr/>
+          <a:lstStyle/>
+          <a:p>
+            <a:fld id="{AE5FA4EB-DE2A-48DD-A7A0-2D3E9C8A8FD5}" type="slidenum">
+              <a:rPr lang="en-US"/>
+              <a:t>16</a:t>
+            </a:fld>
+            <a:endParaRPr lang="en-US"/>
+          </a:p>
+        </p:txBody>
+      </p:sp>
+    </p:spTree>
+    <p:extLst>
+      <p:ext uri="{BB962C8B-B14F-4D97-AF65-F5344CB8AC3E}">
+        <p14:creationId xmlns:p14="http://schemas.microsoft.com/office/powerpoint/2010/main" val="773307961"/>
+      </p:ext>
+    </p:extLst>
+  </p:cSld>
+  <p:clrMapOvr>
+    <a:masterClrMapping/>
+  </p:clrMapOvr>
+</p:notes>
+</file>
+
+<file path=ppt/notesSlides/notesSlide11.xml><?xml version="1.0" encoding="utf-8"?>
+<p:notes xmlns:a="http://schemas.openxmlformats.org/drawingml/2006/main" xmlns:r="http://schemas.openxmlformats.org/officeDocument/2006/relationships" xmlns:p="http://schemas.openxmlformats.org/presentationml/2006/main">
+  <p:cSld>
+    <p:spTree>
+      <p:nvGrpSpPr>
+        <p:cNvPr id="1" name=""/>
+        <p:cNvGrpSpPr/>
+        <p:nvPr/>
+      </p:nvGrpSpPr>
+      <p:grpSpPr>
+        <a:xfrm>
+          <a:off x="0" y="0"/>
+          <a:ext cx="0" cy="0"/>
+          <a:chOff x="0" y="0"/>
+          <a:chExt cx="0" cy="0"/>
+        </a:xfrm>
+      </p:grpSpPr>
+      <p:sp>
+        <p:nvSpPr>
+          <p:cNvPr id="2" name="Slide Image Placeholder 1"/>
+          <p:cNvSpPr>
+            <a:spLocks noGrp="1" noRot="1" noChangeAspect="1"/>
+          </p:cNvSpPr>
+          <p:nvPr>
+            <p:ph type="sldImg"/>
+          </p:nvPr>
+        </p:nvSpPr>
+        <p:spPr/>
+      </p:sp>
+      <p:sp>
+        <p:nvSpPr>
+          <p:cNvPr id="3" name="Notes Placeholder 2"/>
+          <p:cNvSpPr>
+            <a:spLocks noGrp="1"/>
+          </p:cNvSpPr>
+          <p:nvPr>
+            <p:ph type="body" idx="1"/>
+          </p:nvPr>
+        </p:nvSpPr>
+        <p:spPr/>
+        <p:txBody>
+          <a:bodyPr/>
+          <a:lstStyle/>
+          <a:p>
+            <a:r>
+              <a:rPr lang="en-US">
+                <a:cs typeface="Calibri"/>
+              </a:rPr>
+              <a:t>Last, we are going to sum up our presentation. </a:t>
+            </a:r>
+            <a:br>
+              <a:rPr lang="en-US">
+                <a:cs typeface="+mn-lt"/>
+              </a:rPr>
+            </a:br>
+            <a:r>
+              <a:rPr lang="en-US">
+                <a:cs typeface="Calibri"/>
+              </a:rPr>
+              <a:t>For mobile app, we can view live streaming from UAV when controlling the UAV. We can photos or videos can be taken during live streaming.</a:t>
+            </a:r>
+            <a:br>
+              <a:rPr lang="en-US">
+                <a:cs typeface="+mn-lt"/>
+              </a:rPr>
+            </a:br>
+            <a:r>
+              <a:rPr lang="en-US">
+                <a:cs typeface="Calibri"/>
+              </a:rPr>
+              <a:t>For Windows app,we can build up a new mission. We can also check the data collected by the UAV. Besides that, it can analyze climatic data.</a:t>
+            </a:r>
+            <a:br>
+              <a:rPr lang="en-US">
+                <a:cs typeface="+mn-lt"/>
+              </a:rPr>
+            </a:br>
+            <a:r>
+              <a:rPr lang="en-US">
+                <a:cs typeface="Calibri"/>
+              </a:rPr>
+              <a:t>Live streaming, location of UAV on map and details of UAV can be done on both mobile and Windows app.</a:t>
+            </a:r>
+          </a:p>
+          <a:p>
+            <a:r>
+              <a:rPr lang="en-US">
+                <a:cs typeface="Calibri"/>
+              </a:rPr>
+              <a:t>As for UAV, visualized climatic data will be collected.</a:t>
+            </a:r>
+          </a:p>
+        </p:txBody>
+      </p:sp>
+      <p:sp>
+        <p:nvSpPr>
+          <p:cNvPr id="4" name="Slide Number Placeholder 3"/>
+          <p:cNvSpPr>
+            <a:spLocks noGrp="1"/>
+          </p:cNvSpPr>
+          <p:nvPr>
+            <p:ph type="sldNum" sz="quarter" idx="5"/>
+          </p:nvPr>
+        </p:nvSpPr>
+        <p:spPr/>
+        <p:txBody>
+          <a:bodyPr/>
+          <a:lstStyle/>
+          <a:p>
+            <a:fld id="{AE5FA4EB-DE2A-48DD-A7A0-2D3E9C8A8FD5}" type="slidenum">
+              <a:rPr lang="en-US"/>
+              <a:t>17</a:t>
+            </a:fld>
+            <a:endParaRPr lang="en-US"/>
+          </a:p>
+        </p:txBody>
+      </p:sp>
+    </p:spTree>
+    <p:extLst>
+      <p:ext uri="{BB962C8B-B14F-4D97-AF65-F5344CB8AC3E}">
+        <p14:creationId xmlns:p14="http://schemas.microsoft.com/office/powerpoint/2010/main" val="1988539476"/>
       </p:ext>
     </p:extLst>
   </p:cSld>
@@ -7692,12 +8030,9 @@
           <a:bodyPr/>
           <a:lstStyle/>
           <a:p>
-            <a:r>
-              <a:rPr lang="en-US">
-                <a:cs typeface="Calibri"/>
-              </a:rPr>
-              <a:t>For our objective </a:t>
-            </a:r>
+            <a:endParaRPr lang="en-US">
+              <a:cs typeface="Calibri"/>
+            </a:endParaRPr>
           </a:p>
         </p:txBody>
       </p:sp>
@@ -7785,7 +8120,7 @@
               <a:rPr lang="en-US">
                 <a:cs typeface="Calibri"/>
               </a:rPr>
-              <a:t>We can connect the UAV through different platforms, Android App and Windows App.</a:t>
+              <a:t>The reasons that made us create this system because nowadays there is large amount of exhaust emission released due to industry high-speed development, which is harful to human's health. Besides that, observatory cannot provide accurate data for every region. Also, some places human cannot arrive easily, like disaster area or mountain etc. </a:t>
             </a:r>
           </a:p>
         </p:txBody>
@@ -7807,7 +8142,7 @@
           <a:p>
             <a:fld id="{AE5FA4EB-DE2A-48DD-A7A0-2D3E9C8A8FD5}" type="slidenum">
               <a:rPr lang="en-US"/>
-              <a:t>5</a:t>
+              <a:t>4</a:t>
             </a:fld>
             <a:endParaRPr lang="en-US"/>
           </a:p>
@@ -7816,7 +8151,7 @@
     </p:spTree>
     <p:extLst>
       <p:ext uri="{BB962C8B-B14F-4D97-AF65-F5344CB8AC3E}">
-        <p14:creationId xmlns:p14="http://schemas.microsoft.com/office/powerpoint/2010/main" val="1870048254"/>
+        <p14:creationId xmlns:p14="http://schemas.microsoft.com/office/powerpoint/2010/main" val="3811402505"/>
       </p:ext>
     </p:extLst>
   </p:cSld>
@@ -7874,7 +8209,7 @@
               <a:rPr lang="en-US">
                 <a:cs typeface="Calibri"/>
               </a:rPr>
-              <a:t>For android app, we can control the UAV to fly, view the live stream and take photo or video during live stream. There is a map that can show us the location of the UAV. We can also look at different climatic datas collected by the UAV. Besides, we can also take photos or videos during live streaming.</a:t>
+              <a:t>We can connect the UAV through different platforms, Android App and Windows App.</a:t>
             </a:r>
           </a:p>
         </p:txBody>
@@ -7896,7 +8231,7 @@
           <a:p>
             <a:fld id="{AE5FA4EB-DE2A-48DD-A7A0-2D3E9C8A8FD5}" type="slidenum">
               <a:rPr lang="en-US"/>
-              <a:t>6</a:t>
+              <a:t>5</a:t>
             </a:fld>
             <a:endParaRPr lang="en-US"/>
           </a:p>
@@ -7905,7 +8240,7 @@
     </p:spTree>
     <p:extLst>
       <p:ext uri="{BB962C8B-B14F-4D97-AF65-F5344CB8AC3E}">
-        <p14:creationId xmlns:p14="http://schemas.microsoft.com/office/powerpoint/2010/main" val="363719377"/>
+        <p14:creationId xmlns:p14="http://schemas.microsoft.com/office/powerpoint/2010/main" val="1870048254"/>
       </p:ext>
     </p:extLst>
   </p:cSld>
@@ -7963,7 +8298,7 @@
               <a:rPr lang="en-US">
                 <a:cs typeface="Calibri"/>
               </a:rPr>
-              <a:t>For Windows app, we can collect data and view live streaming form UAV. Besides, we can view the details of UAV and build up new mission.</a:t>
+              <a:t>For android app, we can control the UAV to fly, view the live stream and take photo or video during live stream. There is a map that can show us the location of the UAV. We can also look at different climatic datas collected by the UAV. Besides, we can also take photos or videos during live streaming.</a:t>
             </a:r>
           </a:p>
         </p:txBody>
@@ -7985,7 +8320,7 @@
           <a:p>
             <a:fld id="{AE5FA4EB-DE2A-48DD-A7A0-2D3E9C8A8FD5}" type="slidenum">
               <a:rPr lang="en-US"/>
-              <a:t>7</a:t>
+              <a:t>6</a:t>
             </a:fld>
             <a:endParaRPr lang="en-US"/>
           </a:p>
@@ -7994,7 +8329,7 @@
     </p:spTree>
     <p:extLst>
       <p:ext uri="{BB962C8B-B14F-4D97-AF65-F5344CB8AC3E}">
-        <p14:creationId xmlns:p14="http://schemas.microsoft.com/office/powerpoint/2010/main" val="152346404"/>
+        <p14:creationId xmlns:p14="http://schemas.microsoft.com/office/powerpoint/2010/main" val="363719377"/>
       </p:ext>
     </p:extLst>
   </p:cSld>
@@ -8052,8 +8387,9 @@
               <a:rPr lang="en-US">
                 <a:cs typeface="Calibri"/>
               </a:rPr>
-              <a:t>As for the UAV, it can provide visualized climatic data to user and allow live stream.</a:t>
-            </a:r>
+              <a:t>For Windows app, we can collect data and view live streaming form UAV. Besides, we can view the details of UAV and build up new mission.  Other than that, graphs will be instantly generated when climatic data is received.</a:t>
+            </a:r>
+            <a:endParaRPr lang="en-US"/>
           </a:p>
         </p:txBody>
       </p:sp>
@@ -8074,7 +8410,7 @@
           <a:p>
             <a:fld id="{AE5FA4EB-DE2A-48DD-A7A0-2D3E9C8A8FD5}" type="slidenum">
               <a:rPr lang="en-US"/>
-              <a:t>8</a:t>
+              <a:t>7</a:t>
             </a:fld>
             <a:endParaRPr lang="en-US"/>
           </a:p>
@@ -8083,7 +8419,7 @@
     </p:spTree>
     <p:extLst>
       <p:ext uri="{BB962C8B-B14F-4D97-AF65-F5344CB8AC3E}">
-        <p14:creationId xmlns:p14="http://schemas.microsoft.com/office/powerpoint/2010/main" val="2892379127"/>
+        <p14:creationId xmlns:p14="http://schemas.microsoft.com/office/powerpoint/2010/main" val="152346404"/>
       </p:ext>
     </p:extLst>
   </p:cSld>
@@ -8141,7 +8477,7 @@
               <a:rPr lang="en-US">
                 <a:cs typeface="Calibri"/>
               </a:rPr>
-              <a:t>This is our project schedule.</a:t>
+              <a:t>As for the UAV, it can provide visualized climatic data to user and allow live stream.</a:t>
             </a:r>
           </a:p>
         </p:txBody>
@@ -8163,7 +8499,7 @@
           <a:p>
             <a:fld id="{AE5FA4EB-DE2A-48DD-A7A0-2D3E9C8A8FD5}" type="slidenum">
               <a:rPr lang="en-US"/>
-              <a:t>15</a:t>
+              <a:t>8</a:t>
             </a:fld>
             <a:endParaRPr lang="en-US"/>
           </a:p>
@@ -8172,7 +8508,7 @@
     </p:spTree>
     <p:extLst>
       <p:ext uri="{BB962C8B-B14F-4D97-AF65-F5344CB8AC3E}">
-        <p14:creationId xmlns:p14="http://schemas.microsoft.com/office/powerpoint/2010/main" val="1315685165"/>
+        <p14:creationId xmlns:p14="http://schemas.microsoft.com/office/powerpoint/2010/main" val="2892379127"/>
       </p:ext>
     </p:extLst>
   </p:cSld>
@@ -8227,47 +8563,11 @@
           <a:lstStyle/>
           <a:p>
             <a:r>
-              <a:rPr lang="en-US" dirty="0">
-                <a:cs typeface="Calibri"/>
-              </a:rPr>
-              <a:t>For the critical environment, first of all we worried about the network stability, as the network connection sometimes is too slow. </a:t>
-            </a:r>
-            <a:br>
-              <a:rPr lang="en-US" dirty="0">
-                <a:cs typeface="+mn-lt"/>
-              </a:rPr>
-            </a:br>
-            <a:r>
               <a:rPr lang="en-US">
                 <a:cs typeface="Calibri"/>
               </a:rPr>
-              <a:t>Then is the battery capacity limitation. Under our calculation, the battery we used will provide 21.6 minutes of flight times. </a:t>
-            </a:r>
-            <a:br>
-              <a:rPr lang="en-US" dirty="0">
-                <a:cs typeface="+mn-lt"/>
-              </a:rPr>
-            </a:br>
-            <a:r>
-              <a:rPr lang="en-US">
-                <a:cs typeface="Calibri"/>
-              </a:rPr>
-              <a:t>Next, is the fire risk with LiPi battery. W</a:t>
-            </a:r>
-            <a:r>
-              <a:rPr lang="en-US"/>
-              <a:t>e use Lithium Polymer technology which allows considerable energy to be stored in a small package. However, they are related to fire risk and have been known to catch fire spontaneously while charging or if punctured. </a:t>
-            </a:r>
-            <a:br>
-              <a:rPr lang="en-US" dirty="0"/>
-            </a:br>
-            <a:r>
-              <a:rPr lang="en-US"/>
-              <a:t>After that, will be the weather problem. We do not recommend users to fly drones in rainny, snowy days or even in the drizzle because not only the aircraft may take some physical effects, but also the electronics may take damages.</a:t>
-            </a:r>
-            <a:endParaRPr lang="en-US" dirty="0">
-              <a:cs typeface="Calibri"/>
-            </a:endParaRPr>
+              <a:t>Here's our use case diagram of mobile app. </a:t>
+            </a:r>
           </a:p>
         </p:txBody>
       </p:sp>
@@ -8288,7 +8588,7 @@
           <a:p>
             <a:fld id="{AE5FA4EB-DE2A-48DD-A7A0-2D3E9C8A8FD5}" type="slidenum">
               <a:rPr lang="en-US"/>
-              <a:t>16</a:t>
+              <a:t>9</a:t>
             </a:fld>
             <a:endParaRPr lang="en-US"/>
           </a:p>
@@ -8297,7 +8597,96 @@
     </p:spTree>
     <p:extLst>
       <p:ext uri="{BB962C8B-B14F-4D97-AF65-F5344CB8AC3E}">
-        <p14:creationId xmlns:p14="http://schemas.microsoft.com/office/powerpoint/2010/main" val="773307961"/>
+        <p14:creationId xmlns:p14="http://schemas.microsoft.com/office/powerpoint/2010/main" val="3412003906"/>
+      </p:ext>
+    </p:extLst>
+  </p:cSld>
+  <p:clrMapOvr>
+    <a:masterClrMapping/>
+  </p:clrMapOvr>
+</p:notes>
+</file>
+
+<file path=ppt/notesSlides/notesSlide9.xml><?xml version="1.0" encoding="utf-8"?>
+<p:notes xmlns:a="http://schemas.openxmlformats.org/drawingml/2006/main" xmlns:r="http://schemas.openxmlformats.org/officeDocument/2006/relationships" xmlns:p="http://schemas.openxmlformats.org/presentationml/2006/main">
+  <p:cSld>
+    <p:spTree>
+      <p:nvGrpSpPr>
+        <p:cNvPr id="1" name=""/>
+        <p:cNvGrpSpPr/>
+        <p:nvPr/>
+      </p:nvGrpSpPr>
+      <p:grpSpPr>
+        <a:xfrm>
+          <a:off x="0" y="0"/>
+          <a:ext cx="0" cy="0"/>
+          <a:chOff x="0" y="0"/>
+          <a:chExt cx="0" cy="0"/>
+        </a:xfrm>
+      </p:grpSpPr>
+      <p:sp>
+        <p:nvSpPr>
+          <p:cNvPr id="2" name="Slide Image Placeholder 1"/>
+          <p:cNvSpPr>
+            <a:spLocks noGrp="1" noRot="1" noChangeAspect="1"/>
+          </p:cNvSpPr>
+          <p:nvPr>
+            <p:ph type="sldImg"/>
+          </p:nvPr>
+        </p:nvSpPr>
+        <p:spPr/>
+      </p:sp>
+      <p:sp>
+        <p:nvSpPr>
+          <p:cNvPr id="3" name="Notes Placeholder 2"/>
+          <p:cNvSpPr>
+            <a:spLocks noGrp="1"/>
+          </p:cNvSpPr>
+          <p:nvPr>
+            <p:ph type="body" idx="1"/>
+          </p:nvPr>
+        </p:nvSpPr>
+        <p:spPr/>
+        <p:txBody>
+          <a:bodyPr/>
+          <a:lstStyle/>
+          <a:p>
+            <a:r>
+              <a:rPr lang="en-US">
+                <a:cs typeface="Calibri"/>
+              </a:rPr>
+              <a:t>This is our project schedule.</a:t>
+            </a:r>
+          </a:p>
+        </p:txBody>
+      </p:sp>
+      <p:sp>
+        <p:nvSpPr>
+          <p:cNvPr id="4" name="Slide Number Placeholder 3"/>
+          <p:cNvSpPr>
+            <a:spLocks noGrp="1"/>
+          </p:cNvSpPr>
+          <p:nvPr>
+            <p:ph type="sldNum" sz="quarter" idx="5"/>
+          </p:nvPr>
+        </p:nvSpPr>
+        <p:spPr/>
+        <p:txBody>
+          <a:bodyPr/>
+          <a:lstStyle/>
+          <a:p>
+            <a:fld id="{AE5FA4EB-DE2A-48DD-A7A0-2D3E9C8A8FD5}" type="slidenum">
+              <a:rPr lang="en-US"/>
+              <a:t>15</a:t>
+            </a:fld>
+            <a:endParaRPr lang="en-US"/>
+          </a:p>
+        </p:txBody>
+      </p:sp>
+    </p:spTree>
+    <p:extLst>
+      <p:ext uri="{BB962C8B-B14F-4D97-AF65-F5344CB8AC3E}">
+        <p14:creationId xmlns:p14="http://schemas.microsoft.com/office/powerpoint/2010/main" val="1315685165"/>
       </p:ext>
     </p:extLst>
   </p:cSld>
@@ -8494,7 +8883,7 @@
             <a:fld id="{B61BEF0D-F0BB-DE4B-95CE-6DB70DBA9567}" type="datetimeFigureOut">
               <a:rPr lang="en-US" dirty="0"/>
               <a:pPr/>
-              <a:t>2/23/2020</a:t>
+              <a:t>2/24/20</a:t>
             </a:fld>
             <a:endParaRPr lang="en-US"/>
           </a:p>
@@ -8833,7 +9222,7 @@
             <a:fld id="{B61BEF0D-F0BB-DE4B-95CE-6DB70DBA9567}" type="datetimeFigureOut">
               <a:rPr lang="en-US" dirty="0"/>
               <a:pPr/>
-              <a:t>2/23/2020</a:t>
+              <a:t>2/24/20</a:t>
             </a:fld>
             <a:endParaRPr lang="en-US"/>
           </a:p>
@@ -9235,7 +9624,7 @@
             <a:fld id="{B61BEF0D-F0BB-DE4B-95CE-6DB70DBA9567}" type="datetimeFigureOut">
               <a:rPr lang="en-US" dirty="0"/>
               <a:pPr/>
-              <a:t>2/23/2020</a:t>
+              <a:t>2/24/20</a:t>
             </a:fld>
             <a:endParaRPr lang="en-US"/>
           </a:p>
@@ -9572,7 +9961,7 @@
             <a:fld id="{B61BEF0D-F0BB-DE4B-95CE-6DB70DBA9567}" type="datetimeFigureOut">
               <a:rPr lang="en-US" dirty="0"/>
               <a:pPr/>
-              <a:t>2/23/2020</a:t>
+              <a:t>2/24/20</a:t>
             </a:fld>
             <a:endParaRPr lang="en-US"/>
           </a:p>
@@ -9893,7 +10282,7 @@
             <a:fld id="{B61BEF0D-F0BB-DE4B-95CE-6DB70DBA9567}" type="datetimeFigureOut">
               <a:rPr lang="en-US" dirty="0"/>
               <a:pPr/>
-              <a:t>2/23/2020</a:t>
+              <a:t>2/24/20</a:t>
             </a:fld>
             <a:endParaRPr lang="en-US"/>
           </a:p>
@@ -10290,7 +10679,7 @@
             <a:fld id="{B61BEF0D-F0BB-DE4B-95CE-6DB70DBA9567}" type="datetimeFigureOut">
               <a:rPr lang="en-US" dirty="0"/>
               <a:pPr/>
-              <a:t>2/23/2020</a:t>
+              <a:t>2/24/20</a:t>
             </a:fld>
             <a:endParaRPr lang="en-US"/>
           </a:p>
@@ -10547,7 +10936,7 @@
             <a:fld id="{B61BEF0D-F0BB-DE4B-95CE-6DB70DBA9567}" type="datetimeFigureOut">
               <a:rPr lang="en-US" dirty="0"/>
               <a:pPr/>
-              <a:t>2/23/2020</a:t>
+              <a:t>2/24/20</a:t>
             </a:fld>
             <a:endParaRPr lang="en-US"/>
           </a:p>
@@ -10809,7 +11198,7 @@
             <a:fld id="{B61BEF0D-F0BB-DE4B-95CE-6DB70DBA9567}" type="datetimeFigureOut">
               <a:rPr lang="en-US" dirty="0"/>
               <a:pPr/>
-              <a:t>2/23/2020</a:t>
+              <a:t>2/24/20</a:t>
             </a:fld>
             <a:endParaRPr lang="en-US"/>
           </a:p>
@@ -11071,7 +11460,7 @@
             <a:fld id="{B61BEF0D-F0BB-DE4B-95CE-6DB70DBA9567}" type="datetimeFigureOut">
               <a:rPr lang="en-US" dirty="0"/>
               <a:pPr/>
-              <a:t>2/23/2020</a:t>
+              <a:t>2/24/20</a:t>
             </a:fld>
             <a:endParaRPr lang="en-US"/>
           </a:p>
@@ -11401,7 +11790,7 @@
             <a:fld id="{B61BEF0D-F0BB-DE4B-95CE-6DB70DBA9567}" type="datetimeFigureOut">
               <a:rPr lang="en-US" dirty="0"/>
               <a:pPr/>
-              <a:t>2/23/2020</a:t>
+              <a:t>2/24/20</a:t>
             </a:fld>
             <a:endParaRPr lang="en-US"/>
           </a:p>
@@ -11723,7 +12112,7 @@
             <a:fld id="{B61BEF0D-F0BB-DE4B-95CE-6DB70DBA9567}" type="datetimeFigureOut">
               <a:rPr lang="en-US" dirty="0"/>
               <a:pPr/>
-              <a:t>2/23/2020</a:t>
+              <a:t>2/24/20</a:t>
             </a:fld>
             <a:endParaRPr lang="en-US"/>
           </a:p>
@@ -12179,7 +12568,7 @@
             <a:fld id="{B61BEF0D-F0BB-DE4B-95CE-6DB70DBA9567}" type="datetimeFigureOut">
               <a:rPr lang="en-US" dirty="0"/>
               <a:pPr/>
-              <a:t>2/23/2020</a:t>
+              <a:t>2/24/20</a:t>
             </a:fld>
             <a:endParaRPr lang="en-US"/>
           </a:p>
@@ -12385,7 +12774,7 @@
             <a:fld id="{B61BEF0D-F0BB-DE4B-95CE-6DB70DBA9567}" type="datetimeFigureOut">
               <a:rPr lang="en-US" dirty="0"/>
               <a:pPr/>
-              <a:t>2/23/2020</a:t>
+              <a:t>2/24/20</a:t>
             </a:fld>
             <a:endParaRPr lang="en-US"/>
           </a:p>
@@ -12564,7 +12953,7 @@
             <a:fld id="{B61BEF0D-F0BB-DE4B-95CE-6DB70DBA9567}" type="datetimeFigureOut">
               <a:rPr lang="en-US" dirty="0"/>
               <a:pPr/>
-              <a:t>2/23/2020</a:t>
+              <a:t>2/24/20</a:t>
             </a:fld>
             <a:endParaRPr lang="en-US"/>
           </a:p>
@@ -12897,7 +13286,7 @@
             <a:fld id="{B61BEF0D-F0BB-DE4B-95CE-6DB70DBA9567}" type="datetimeFigureOut">
               <a:rPr lang="en-US" dirty="0"/>
               <a:pPr/>
-              <a:t>2/23/2020</a:t>
+              <a:t>2/24/20</a:t>
             </a:fld>
             <a:endParaRPr lang="en-US"/>
           </a:p>
@@ -13239,7 +13628,7 @@
             <a:fld id="{B61BEF0D-F0BB-DE4B-95CE-6DB70DBA9567}" type="datetimeFigureOut">
               <a:rPr lang="en-US" dirty="0"/>
               <a:pPr/>
-              <a:t>2/23/2020</a:t>
+              <a:t>2/24/20</a:t>
             </a:fld>
             <a:endParaRPr lang="en-US"/>
           </a:p>
@@ -15356,7 +15745,7 @@
             <a:fld id="{B61BEF0D-F0BB-DE4B-95CE-6DB70DBA9567}" type="datetimeFigureOut">
               <a:rPr lang="en-US" dirty="0"/>
               <a:pPr/>
-              <a:t>2/23/2020</a:t>
+              <a:t>2/24/20</a:t>
             </a:fld>
             <a:endParaRPr lang="en-US"/>
           </a:p>
@@ -16693,7 +17082,6 @@
               <a:rPr lang="en-US"/>
               <a:t>Start from zero</a:t>
             </a:r>
-            <a:endParaRPr lang="en-US" dirty="0"/>
           </a:p>
           <a:p>
             <a:endParaRPr lang="en-US"/>
@@ -16976,12 +17364,8 @@
               <a:buChar char="Ø"/>
             </a:pPr>
             <a:r>
-              <a:rPr lang="en-US" err="1"/>
-              <a:t>Analyse</a:t>
-            </a:r>
-            <a:r>
               <a:rPr lang="en-US"/>
-              <a:t> climatic data</a:t>
+              <a:t>Analyze climatic data</a:t>
             </a:r>
           </a:p>
           <a:p>
@@ -17307,12 +17691,12 @@
           <a:lstStyle/>
           <a:p>
             <a:r>
-              <a:rPr lang="en-US">
+              <a:rPr lang="en-US" dirty="0">
                 <a:cs typeface="Calibri Light"/>
               </a:rPr>
               <a:t>Objective</a:t>
             </a:r>
-            <a:endParaRPr lang="en-US"/>
+            <a:endParaRPr lang="en-US" dirty="0"/>
           </a:p>
         </p:txBody>
       </p:sp>
@@ -17340,7 +17724,7 @@
           <a:lstStyle/>
           <a:p>
             <a:r>
-              <a:rPr lang="en-US">
+              <a:rPr lang="en-US" dirty="0">
                 <a:cs typeface="Calibri"/>
               </a:rPr>
               <a:t>Main objective</a:t>
@@ -17352,7 +17736,7 @@
               <a:buChar char="Ø"/>
             </a:pPr>
             <a:r>
-              <a:rPr lang="en-US">
+              <a:rPr lang="en-US" dirty="0">
                 <a:cs typeface="Calibri"/>
               </a:rPr>
               <a:t>Provide visualized climatic data from UAV</a:t>
@@ -17360,7 +17744,7 @@
           </a:p>
           <a:p>
             <a:r>
-              <a:rPr lang="en-US">
+              <a:rPr lang="en-US" dirty="0">
                 <a:cs typeface="Calibri"/>
               </a:rPr>
               <a:t>Multi-platform</a:t>
@@ -17372,7 +17756,7 @@
               <a:buChar char="Ø"/>
             </a:pPr>
             <a:r>
-              <a:rPr lang="en-US">
+              <a:rPr lang="en-US" dirty="0">
                 <a:cs typeface="Calibri"/>
               </a:rPr>
               <a:t>Android App</a:t>
@@ -17384,18 +17768,33 @@
               <a:buChar char="Ø"/>
             </a:pPr>
             <a:r>
+              <a:rPr lang="en-US" dirty="0">
+                <a:cs typeface="Calibri"/>
+              </a:rPr>
+              <a:t>Windows App</a:t>
+            </a:r>
+          </a:p>
+          <a:p>
+            <a:r>
+              <a:rPr lang="en-US" dirty="0">
+                <a:cs typeface="Calibri"/>
+              </a:rPr>
+              <a:t>UAV</a:t>
+            </a:r>
+          </a:p>
+          <a:p>
+            <a:pPr lvl="1"/>
+            <a:r>
+              <a:rPr lang="en-US" dirty="0">
+                <a:cs typeface="Calibri"/>
+              </a:rPr>
+              <a:t>Cheap and </a:t>
+            </a:r>
+            <a:r>
               <a:rPr lang="en-US">
                 <a:cs typeface="Calibri"/>
               </a:rPr>
-              <a:t>Windows App</a:t>
-            </a:r>
-          </a:p>
-          <a:p>
-            <a:r>
-              <a:rPr lang="en-US">
-                <a:cs typeface="Calibri"/>
-              </a:rPr>
-              <a:t>UAV</a:t>
+              <a:t>easy maintain</a:t>
             </a:r>
           </a:p>
         </p:txBody>
@@ -17493,7 +17892,7 @@
               <a:rPr lang="en-US">
                 <a:cs typeface="Calibri"/>
               </a:rPr>
-              <a:t>Large amount of exhaust emission is released industry high-speed development</a:t>
+              <a:t>Large amount of exhaust emission is released because of industry high-speed development</a:t>
             </a:r>
           </a:p>
           <a:p>
@@ -18329,7 +18728,7 @@
           </p:nvPr>
         </p:nvPicPr>
         <p:blipFill>
-          <a:blip r:embed="rId2"/>
+          <a:blip r:embed="rId3"/>
           <a:stretch>
             <a:fillRect/>
           </a:stretch>
